--- a/documentation/06 Account Lookup Interface.pptx
+++ b/documentation/06 Account Lookup Interface.pptx
@@ -5,10 +5,10 @@
     <p:sldMasterId id="2147483648" r:id="rId4"/>
   </p:sldMasterIdLst>
   <p:notesMasterIdLst>
-    <p:notesMasterId r:id="rId17"/>
+    <p:notesMasterId r:id="rId18"/>
   </p:notesMasterIdLst>
   <p:handoutMasterIdLst>
-    <p:handoutMasterId r:id="rId18"/>
+    <p:handoutMasterId r:id="rId19"/>
   </p:handoutMasterIdLst>
   <p:sldIdLst>
     <p:sldId id="256" r:id="rId5"/>
@@ -23,6 +23,7 @@
     <p:sldId id="296" r:id="rId14"/>
     <p:sldId id="297" r:id="rId15"/>
     <p:sldId id="295" r:id="rId16"/>
+    <p:sldId id="298" r:id="rId17"/>
   </p:sldIdLst>
   <p:sldSz cx="12192000" cy="6858000"/>
   <p:notesSz cx="6858000" cy="9144000"/>
@@ -225,7 +226,7 @@
           <a:p>
             <a:fld id="{CE53DE84-D7B3-4797-B14D-77424657396D}" type="datetimeFigureOut">
               <a:rPr lang="en-GB" smtClean="0"/>
-              <a:t>04/02/2018</a:t>
+              <a:t>01/03/2018</a:t>
             </a:fld>
             <a:endParaRPr lang="en-GB" dirty="0"/>
           </a:p>
@@ -390,7 +391,7 @@
           <a:p>
             <a:fld id="{D1C597EC-6BB0-461C-B045-D257C6C8821E}" type="datetimeFigureOut">
               <a:rPr lang="en-GB" smtClean="0"/>
-              <a:t>04/02/2018</a:t>
+              <a:t>01/03/2018</a:t>
             </a:fld>
             <a:endParaRPr lang="en-GB" dirty="0"/>
           </a:p>
@@ -742,6 +743,150 @@
 </p:notes>
 </file>
 
+<file path=ppt/notesSlides/notesSlide10.xml><?xml version="1.0" encoding="utf-8"?>
+<p:notes xmlns:a="http://schemas.openxmlformats.org/drawingml/2006/main" xmlns:r="http://schemas.openxmlformats.org/officeDocument/2006/relationships" xmlns:p="http://schemas.openxmlformats.org/presentationml/2006/main">
+  <p:cSld>
+    <p:spTree>
+      <p:nvGrpSpPr>
+        <p:cNvPr id="1" name=""/>
+        <p:cNvGrpSpPr/>
+        <p:nvPr/>
+      </p:nvGrpSpPr>
+      <p:grpSpPr>
+        <a:xfrm>
+          <a:off x="0" y="0"/>
+          <a:ext cx="0" cy="0"/>
+          <a:chOff x="0" y="0"/>
+          <a:chExt cx="0" cy="0"/>
+        </a:xfrm>
+      </p:grpSpPr>
+      <p:sp>
+        <p:nvSpPr>
+          <p:cNvPr id="2" name="Slide Image Placeholder 1"/>
+          <p:cNvSpPr>
+            <a:spLocks noGrp="1" noRot="1" noChangeAspect="1"/>
+          </p:cNvSpPr>
+          <p:nvPr>
+            <p:ph type="sldImg"/>
+          </p:nvPr>
+        </p:nvSpPr>
+        <p:spPr/>
+      </p:sp>
+      <p:sp>
+        <p:nvSpPr>
+          <p:cNvPr id="3" name="Notes Placeholder 2"/>
+          <p:cNvSpPr>
+            <a:spLocks noGrp="1"/>
+          </p:cNvSpPr>
+          <p:nvPr>
+            <p:ph type="body" idx="1"/>
+          </p:nvPr>
+        </p:nvSpPr>
+        <p:spPr/>
+        <p:txBody>
+          <a:bodyPr/>
+          <a:lstStyle/>
+          <a:p>
+            <a:endParaRPr lang="en-GB" dirty="0"/>
+          </a:p>
+        </p:txBody>
+      </p:sp>
+      <p:sp>
+        <p:nvSpPr>
+          <p:cNvPr id="4" name="Slide Number Placeholder 3"/>
+          <p:cNvSpPr>
+            <a:spLocks noGrp="1"/>
+          </p:cNvSpPr>
+          <p:nvPr>
+            <p:ph type="sldNum" sz="quarter" idx="10"/>
+          </p:nvPr>
+        </p:nvSpPr>
+        <p:spPr/>
+        <p:txBody>
+          <a:bodyPr/>
+          <a:lstStyle/>
+          <a:p>
+            <a:pPr marL="0" marR="0" lvl="0" indent="0" algn="r" defTabSz="914400" rtl="0" eaLnBrk="1" fontAlgn="auto" latinLnBrk="0" hangingPunct="1">
+              <a:lnSpc>
+                <a:spcPct val="100000"/>
+              </a:lnSpc>
+              <a:spcBef>
+                <a:spcPts val="0"/>
+              </a:spcBef>
+              <a:spcAft>
+                <a:spcPts val="0"/>
+              </a:spcAft>
+              <a:buClrTx/>
+              <a:buSzTx/>
+              <a:buFontTx/>
+              <a:buNone/>
+              <a:tabLst/>
+              <a:defRPr/>
+            </a:pPr>
+            <a:fld id="{699BB14C-7D58-4C6F-8674-35D4E28D7AD6}" type="slidenum">
+              <a:rPr kumimoji="0" lang="en-GB" sz="1200" b="0" i="0" u="none" strike="noStrike" kern="1200" cap="none" spc="0" normalizeH="0" baseline="0" noProof="0" smtClean="0">
+                <a:ln>
+                  <a:noFill/>
+                </a:ln>
+                <a:solidFill>
+                  <a:prstClr val="black"/>
+                </a:solidFill>
+                <a:effectLst/>
+                <a:uLnTx/>
+                <a:uFillTx/>
+                <a:latin typeface="Calibri"/>
+                <a:ea typeface="+mn-ea"/>
+                <a:cs typeface="+mn-cs"/>
+              </a:rPr>
+              <a:pPr marL="0" marR="0" lvl="0" indent="0" algn="r" defTabSz="914400" rtl="0" eaLnBrk="1" fontAlgn="auto" latinLnBrk="0" hangingPunct="1">
+                <a:lnSpc>
+                  <a:spcPct val="100000"/>
+                </a:lnSpc>
+                <a:spcBef>
+                  <a:spcPts val="0"/>
+                </a:spcBef>
+                <a:spcAft>
+                  <a:spcPts val="0"/>
+                </a:spcAft>
+                <a:buClrTx/>
+                <a:buSzTx/>
+                <a:buFontTx/>
+                <a:buNone/>
+                <a:tabLst/>
+                <a:defRPr/>
+              </a:pPr>
+              <a:t>13</a:t>
+            </a:fld>
+            <a:endParaRPr kumimoji="0" lang="en-GB" sz="1200" b="0" i="0" u="none" strike="noStrike" kern="1200" cap="none" spc="0" normalizeH="0" baseline="0" noProof="0" dirty="0">
+              <a:ln>
+                <a:noFill/>
+              </a:ln>
+              <a:solidFill>
+                <a:prstClr val="black"/>
+              </a:solidFill>
+              <a:effectLst/>
+              <a:uLnTx/>
+              <a:uFillTx/>
+              <a:latin typeface="Calibri"/>
+              <a:ea typeface="+mn-ea"/>
+              <a:cs typeface="+mn-cs"/>
+            </a:endParaRPr>
+          </a:p>
+        </p:txBody>
+      </p:sp>
+    </p:spTree>
+    <p:extLst>
+      <p:ext uri="{BB962C8B-B14F-4D97-AF65-F5344CB8AC3E}">
+        <p14:creationId xmlns:p14="http://schemas.microsoft.com/office/powerpoint/2010/main" val="1815649847"/>
+      </p:ext>
+    </p:extLst>
+  </p:cSld>
+  <p:clrMapOvr>
+    <a:masterClrMapping/>
+  </p:clrMapOvr>
+</p:notes>
+</file>
+
 <file path=ppt/notesSlides/notesSlide2.xml><?xml version="1.0" encoding="utf-8"?>
 <p:notes xmlns:a="http://schemas.openxmlformats.org/drawingml/2006/main" xmlns:r="http://schemas.openxmlformats.org/officeDocument/2006/relationships" xmlns:p="http://schemas.openxmlformats.org/presentationml/2006/main">
   <p:cSld>
@@ -1832,7 +1977,7 @@
           <a:p>
             <a:fld id="{22E7AA2F-F619-4723-B6E7-545F24B9918D}" type="datetime4">
               <a:rPr lang="en-GB" smtClean="0"/>
-              <a:t>04 February 2018</a:t>
+              <a:t>01 March 2018</a:t>
             </a:fld>
             <a:endParaRPr lang="en-GB" dirty="0"/>
           </a:p>
@@ -2036,7 +2181,7 @@
           <a:p>
             <a:fld id="{2A4201E0-34F3-46A7-AE44-D99163B13904}" type="datetime4">
               <a:rPr lang="en-GB" smtClean="0"/>
-              <a:t>04 February 2018</a:t>
+              <a:t>01 March 2018</a:t>
             </a:fld>
             <a:endParaRPr lang="en-GB" dirty="0"/>
           </a:p>
@@ -2284,7 +2429,7 @@
           <a:p>
             <a:fld id="{4FAE0867-24A8-448F-B507-CC8586AA6B96}" type="datetime4">
               <a:rPr lang="en-GB" smtClean="0"/>
-              <a:t>04 February 2018</a:t>
+              <a:t>01 March 2018</a:t>
             </a:fld>
             <a:endParaRPr lang="en-GB" dirty="0"/>
           </a:p>
@@ -2468,7 +2613,7 @@
           <a:p>
             <a:fld id="{54BE1DED-F17D-40BA-964F-A1C8DEDCEF61}" type="datetime4">
               <a:rPr lang="en-GB" smtClean="0"/>
-              <a:t>04 February 2018</a:t>
+              <a:t>01 March 2018</a:t>
             </a:fld>
             <a:endParaRPr lang="en-GB" dirty="0"/>
           </a:p>
@@ -2844,7 +2989,7 @@
             <a:fld id="{D9FBC6CA-9941-44FF-B65D-C7A23CB5A4BE}" type="datetime4">
               <a:rPr lang="en-GB" smtClean="0"/>
               <a:pPr/>
-              <a:t>04 February 2018</a:t>
+              <a:t>01 March 2018</a:t>
             </a:fld>
             <a:endParaRPr lang="en-GB" dirty="0"/>
           </a:p>
@@ -3030,7 +3175,7 @@
           <a:p>
             <a:fld id="{D473304B-F8FC-4BC7-8FE8-C50BC87E1FAB}" type="datetime4">
               <a:rPr lang="en-GB" smtClean="0"/>
-              <a:t>04 February 2018</a:t>
+              <a:t>01 March 2018</a:t>
             </a:fld>
             <a:endParaRPr lang="en-GB" dirty="0"/>
           </a:p>
@@ -3125,7 +3270,7 @@
           <a:p>
             <a:fld id="{D3D7C3DF-C1B2-4C30-9BDA-F5EE790E7213}" type="datetime4">
               <a:rPr lang="en-GB" smtClean="0"/>
-              <a:t>04 February 2018</a:t>
+              <a:t>01 March 2018</a:t>
             </a:fld>
             <a:endParaRPr lang="en-GB" dirty="0"/>
           </a:p>
@@ -3350,7 +3495,7 @@
           <a:p>
             <a:fld id="{7A1E630C-C3F3-4A66-A20B-F3CE4CC3331D}" type="datetime4">
               <a:rPr lang="en-GB" smtClean="0"/>
-              <a:t>04 February 2018</a:t>
+              <a:t>01 March 2018</a:t>
             </a:fld>
             <a:endParaRPr lang="en-GB" dirty="0"/>
           </a:p>
@@ -3984,7 +4129,7 @@
           <a:p>
             <a:fld id="{D22C19FE-D082-4640-BFED-203C0E583774}" type="datetime4">
               <a:rPr lang="en-GB" smtClean="0"/>
-              <a:t>04 February 2018</a:t>
+              <a:t>01 March 2018</a:t>
             </a:fld>
             <a:endParaRPr lang="en-GB" dirty="0"/>
           </a:p>
@@ -4589,7 +4734,7 @@
             <a:pPr lvl="1"/>
             <a:r>
               <a:rPr lang="en-GB" dirty="0" smtClean="0"/>
-              <a:t>July 2017</a:t>
+              <a:t>2018</a:t>
             </a:r>
             <a:endParaRPr lang="en-GB" dirty="0"/>
           </a:p>
@@ -4689,7 +4834,7 @@
             <a:fld id="{BC3F1638-3586-4527-A760-38AC15BFC248}" type="datetime4">
               <a:rPr lang="en-GB" smtClean="0"/>
               <a:pPr/>
-              <a:t>18 February 2018</a:t>
+              <a:t>01 March 2018</a:t>
             </a:fld>
             <a:endParaRPr lang="en-GB" dirty="0"/>
           </a:p>
@@ -4727,8 +4872,8 @@
         </p:nvSpPr>
         <p:spPr>
           <a:xfrm>
-            <a:off x="623888" y="1123721"/>
-            <a:ext cx="9120187" cy="6389441"/>
+            <a:off x="1196121" y="1318110"/>
+            <a:ext cx="9120187" cy="3297826"/>
           </a:xfrm>
           <a:prstGeom prst="rect">
             <a:avLst/>
@@ -4773,7 +4918,27 @@
             </a:pPr>
             <a:r>
               <a:rPr lang="en-US" dirty="0" smtClean="0"/>
-              <a:t>For Source side GPP working in Sync mode, which is single interface. </a:t>
+              <a:t>For Source side GPP </a:t>
+            </a:r>
+            <a:r>
+              <a:rPr lang="en-US" dirty="0" smtClean="0"/>
+              <a:t>SP is working </a:t>
+            </a:r>
+            <a:r>
+              <a:rPr lang="en-US" dirty="0" smtClean="0"/>
+              <a:t>in </a:t>
+            </a:r>
+            <a:r>
+              <a:rPr lang="en-US" b="1" dirty="0" smtClean="0">
+                <a:solidFill>
+                  <a:schemeClr val="accent1"/>
+                </a:solidFill>
+              </a:rPr>
+              <a:t>Sync mode</a:t>
+            </a:r>
+            <a:r>
+              <a:rPr lang="en-US" dirty="0" smtClean="0"/>
+              <a:t>, which is single interface. </a:t>
             </a:r>
           </a:p>
           <a:p>
@@ -4836,126 +5001,23 @@
               <a:t>On the source side, where an account in the </a:t>
             </a:r>
             <a:r>
-              <a:rPr lang="en-US" dirty="0" err="1"/>
+              <a:rPr lang="en-US" b="1" i="1" dirty="0" err="1">
+                <a:solidFill>
+                  <a:schemeClr val="accent1"/>
+                </a:solidFill>
+                <a:latin typeface="Courier New" panose="02070309020205020404" pitchFamily="49" charset="0"/>
+                <a:cs typeface="Courier New" panose="02070309020205020404" pitchFamily="49" charset="0"/>
+              </a:rPr>
               <a:t>PmntInf</a:t>
             </a:r>
             <a:r>
               <a:rPr lang="en-US" dirty="0"/>
-              <a:t> level is the same for all the transactions in same level, GPP invokes the interface for the first transaction only and stores the received information in the system cache. For all subsequent transactions in the level, GPP retrieves the account information from the cache.</a:t>
-            </a:r>
-          </a:p>
-          <a:p>
-            <a:pPr>
-              <a:lnSpc>
-                <a:spcPct val="90000"/>
-              </a:lnSpc>
-              <a:spcBef>
-                <a:spcPts val="1500"/>
-              </a:spcBef>
-              <a:buSzPct val="150000"/>
-            </a:pPr>
-            <a:endParaRPr lang="en-US" dirty="0" smtClean="0"/>
-          </a:p>
-          <a:p>
-            <a:pPr>
-              <a:lnSpc>
-                <a:spcPct val="90000"/>
-              </a:lnSpc>
-              <a:spcBef>
-                <a:spcPts val="1500"/>
-              </a:spcBef>
-              <a:buSzPct val="150000"/>
-            </a:pPr>
-            <a:endParaRPr lang="en-US" dirty="0"/>
-          </a:p>
-          <a:p>
-            <a:pPr marL="411163" indent="-411163">
-              <a:lnSpc>
-                <a:spcPct val="90000"/>
-              </a:lnSpc>
-              <a:spcBef>
-                <a:spcPts val="1500"/>
-              </a:spcBef>
-              <a:buSzPct val="150000"/>
-              <a:buBlip>
-                <a:blip r:embed="rId3"/>
-              </a:buBlip>
-            </a:pPr>
-            <a:endParaRPr lang="en-US" dirty="0" smtClean="0"/>
-          </a:p>
-          <a:p>
-            <a:pPr marL="411163" indent="-411163">
-              <a:lnSpc>
-                <a:spcPct val="90000"/>
-              </a:lnSpc>
-              <a:spcBef>
-                <a:spcPts val="1500"/>
-              </a:spcBef>
-              <a:buSzPct val="150000"/>
-              <a:buBlip>
-                <a:blip r:embed="rId3"/>
-              </a:buBlip>
-            </a:pPr>
-            <a:endParaRPr lang="en-US" b="1" dirty="0">
-              <a:solidFill>
-                <a:schemeClr val="accent2"/>
-              </a:solidFill>
-              <a:latin typeface="Courier" pitchFamily="49" charset="0"/>
-            </a:endParaRPr>
-          </a:p>
-          <a:p>
-            <a:pPr marL="411163" indent="-411163">
-              <a:lnSpc>
-                <a:spcPct val="90000"/>
-              </a:lnSpc>
-              <a:spcBef>
-                <a:spcPts val="1500"/>
-              </a:spcBef>
-              <a:buSzPct val="150000"/>
-              <a:buBlip>
-                <a:blip r:embed="rId3"/>
-              </a:buBlip>
-            </a:pPr>
-            <a:endParaRPr lang="en-US" b="1" dirty="0">
-              <a:solidFill>
-                <a:schemeClr val="accent2"/>
-              </a:solidFill>
-              <a:latin typeface="Courier" pitchFamily="49" charset="0"/>
-            </a:endParaRPr>
-          </a:p>
-          <a:p>
-            <a:pPr marL="411163" indent="-411163">
-              <a:lnSpc>
-                <a:spcPct val="90000"/>
-              </a:lnSpc>
-              <a:spcBef>
-                <a:spcPts val="1500"/>
-              </a:spcBef>
-              <a:buSzPct val="150000"/>
-              <a:buBlip>
-                <a:blip r:embed="rId3"/>
-              </a:buBlip>
-            </a:pPr>
-            <a:endParaRPr lang="en-US" b="1" dirty="0">
-              <a:solidFill>
-                <a:schemeClr val="accent2"/>
-              </a:solidFill>
-              <a:latin typeface="Courier" pitchFamily="49" charset="0"/>
-            </a:endParaRPr>
-          </a:p>
-          <a:p>
-            <a:pPr marL="411163" indent="-411163">
-              <a:lnSpc>
-                <a:spcPct val="90000"/>
-              </a:lnSpc>
-              <a:spcBef>
-                <a:spcPts val="1500"/>
-              </a:spcBef>
-              <a:buSzPct val="150000"/>
-              <a:buBlip>
-                <a:blip r:embed="rId3"/>
-              </a:buBlip>
-            </a:pPr>
+              <a:t> level is the same for all the transactions in same level, GPP invokes the interface for the first transaction only and stores the received information in the system cache. For all subsequent transactions in the level, GPP retrieves the account information from the cache</a:t>
+            </a:r>
+            <a:r>
+              <a:rPr lang="en-US" dirty="0" smtClean="0"/>
+              <a:t>.</a:t>
+            </a:r>
             <a:endParaRPr lang="en-US" dirty="0" smtClean="0">
               <a:solidFill>
                 <a:schemeClr val="tx2"/>
@@ -4980,12 +5042,18 @@
         </p:blipFill>
         <p:spPr>
           <a:xfrm>
-            <a:off x="1966912" y="2376487"/>
-            <a:ext cx="5554823" cy="461963"/>
+            <a:off x="1716142" y="2407405"/>
+            <a:ext cx="7026680" cy="584369"/>
           </a:xfrm>
           <a:prstGeom prst="rect">
             <a:avLst/>
           </a:prstGeom>
+          <a:ln w="19050">
+            <a:solidFill>
+              <a:schemeClr val="accent2"/>
+            </a:solidFill>
+            <a:prstDash val="sysDot"/>
+          </a:ln>
         </p:spPr>
       </p:pic>
     </p:spTree>
@@ -5061,20 +5129,20 @@
               <a:t>Single Vs </a:t>
             </a:r>
             <a:r>
-              <a:rPr lang="en-US" dirty="0" err="1" smtClean="0">
-                <a:solidFill>
-                  <a:schemeClr val="accent2"/>
-                </a:solidFill>
-              </a:rPr>
-              <a:t>bulck</a:t>
-            </a:r>
-            <a:r>
               <a:rPr lang="en-US" dirty="0" smtClean="0">
                 <a:solidFill>
                   <a:schemeClr val="accent2"/>
                 </a:solidFill>
               </a:rPr>
-              <a:t> mode</a:t>
+              <a:t>bulk </a:t>
+            </a:r>
+            <a:r>
+              <a:rPr lang="en-US" dirty="0" smtClean="0">
+                <a:solidFill>
+                  <a:schemeClr val="accent2"/>
+                </a:solidFill>
+              </a:rPr>
+              <a:t>mode</a:t>
             </a:r>
             <a:endParaRPr lang="en-GB" dirty="0"/>
           </a:p>
@@ -5098,7 +5166,7 @@
             <a:fld id="{BC3F1638-3586-4527-A760-38AC15BFC248}" type="datetime4">
               <a:rPr lang="en-GB" smtClean="0"/>
               <a:pPr/>
-              <a:t>18 February 2018</a:t>
+              <a:t>01 March 2018</a:t>
             </a:fld>
             <a:endParaRPr lang="en-GB" dirty="0"/>
           </a:p>
@@ -5136,8 +5204,8 @@
         </p:nvSpPr>
         <p:spPr>
           <a:xfrm>
-            <a:off x="623888" y="1123721"/>
-            <a:ext cx="9120187" cy="5313762"/>
+            <a:off x="845830" y="1248863"/>
+            <a:ext cx="9120187" cy="1780487"/>
           </a:xfrm>
           <a:prstGeom prst="rect">
             <a:avLst/>
@@ -5167,20 +5235,16 @@
             </a:pPr>
             <a:r>
               <a:rPr lang="en-US" dirty="0" smtClean="0"/>
-              <a:t>When processing a transaction file, GPP invokes the interface for each transaction in the file. </a:t>
-            </a:r>
-          </a:p>
-          <a:p>
-            <a:pPr>
-              <a:lnSpc>
-                <a:spcPct val="90000"/>
-              </a:lnSpc>
-              <a:spcBef>
-                <a:spcPts val="1500"/>
-              </a:spcBef>
-              <a:buSzPct val="150000"/>
-            </a:pPr>
-            <a:endParaRPr lang="en-US" dirty="0" smtClean="0"/>
+              <a:t>When processing a transaction file, GPP invokes the interface for </a:t>
+            </a:r>
+            <a:r>
+              <a:rPr lang="en-US" u="sng" dirty="0" smtClean="0"/>
+              <a:t>each</a:t>
+            </a:r>
+            <a:r>
+              <a:rPr lang="en-US" dirty="0" smtClean="0"/>
+              <a:t> transaction in the file. </a:t>
+            </a:r>
           </a:p>
           <a:p>
             <a:pPr marL="411163" indent="-411163">
@@ -5196,8 +5260,20 @@
               </a:buBlip>
             </a:pPr>
             <a:r>
+              <a:rPr lang="en-US" dirty="0" smtClean="0"/>
+              <a:t>GPP </a:t>
+            </a:r>
+            <a:r>
               <a:rPr lang="en-US" dirty="0"/>
-              <a:t>GPP executes the target-side Account Lookup interface in asynchronous mode </a:t>
+              <a:t>executes the target-side Account Lookup interface in </a:t>
+            </a:r>
+            <a:r>
+              <a:rPr lang="en-US" u="sng" dirty="0"/>
+              <a:t>asynchronous</a:t>
+            </a:r>
+            <a:r>
+              <a:rPr lang="en-US" dirty="0"/>
+              <a:t> mode </a:t>
             </a:r>
             <a:r>
               <a:rPr lang="en-US" dirty="0" smtClean="0"/>
@@ -5225,132 +5301,20 @@
             </a:r>
             <a:r>
               <a:rPr lang="en-US" dirty="0" smtClean="0"/>
-              <a:t>. The generation of file request is triggered by sending time </a:t>
-            </a:r>
-            <a:r>
-              <a:rPr lang="en-US" dirty="0"/>
+              <a:t>. The generation of file request is triggered by </a:t>
+            </a:r>
+            <a:r>
+              <a:rPr lang="en-US" u="sng" dirty="0" smtClean="0"/>
+              <a:t>sending time </a:t>
+            </a:r>
+            <a:r>
+              <a:rPr lang="en-US" u="sng" dirty="0"/>
               <a:t>mechanism </a:t>
             </a:r>
             <a:r>
               <a:rPr lang="en-US" dirty="0" smtClean="0"/>
               <a:t>.</a:t>
             </a:r>
-          </a:p>
-          <a:p>
-            <a:pPr marL="411163" indent="-411163">
-              <a:lnSpc>
-                <a:spcPct val="90000"/>
-              </a:lnSpc>
-              <a:spcBef>
-                <a:spcPts val="1500"/>
-              </a:spcBef>
-              <a:buSzPct val="150000"/>
-              <a:buBlip>
-                <a:blip r:embed="rId3"/>
-              </a:buBlip>
-            </a:pPr>
-            <a:endParaRPr lang="en-US" dirty="0"/>
-          </a:p>
-          <a:p>
-            <a:pPr>
-              <a:lnSpc>
-                <a:spcPct val="90000"/>
-              </a:lnSpc>
-              <a:spcBef>
-                <a:spcPts val="1500"/>
-              </a:spcBef>
-              <a:buSzPct val="150000"/>
-            </a:pPr>
-            <a:endParaRPr lang="en-US" dirty="0"/>
-          </a:p>
-          <a:p>
-            <a:pPr marL="411163" indent="-411163">
-              <a:lnSpc>
-                <a:spcPct val="90000"/>
-              </a:lnSpc>
-              <a:spcBef>
-                <a:spcPts val="1500"/>
-              </a:spcBef>
-              <a:buSzPct val="150000"/>
-              <a:buBlip>
-                <a:blip r:embed="rId3"/>
-              </a:buBlip>
-            </a:pPr>
-            <a:endParaRPr lang="en-US" dirty="0" smtClean="0"/>
-          </a:p>
-          <a:p>
-            <a:pPr marL="411163" indent="-411163">
-              <a:lnSpc>
-                <a:spcPct val="90000"/>
-              </a:lnSpc>
-              <a:spcBef>
-                <a:spcPts val="1500"/>
-              </a:spcBef>
-              <a:buSzPct val="150000"/>
-              <a:buBlip>
-                <a:blip r:embed="rId3"/>
-              </a:buBlip>
-            </a:pPr>
-            <a:endParaRPr lang="en-US" b="1" dirty="0">
-              <a:solidFill>
-                <a:schemeClr val="accent2"/>
-              </a:solidFill>
-              <a:latin typeface="Courier" pitchFamily="49" charset="0"/>
-            </a:endParaRPr>
-          </a:p>
-          <a:p>
-            <a:pPr marL="411163" indent="-411163">
-              <a:lnSpc>
-                <a:spcPct val="90000"/>
-              </a:lnSpc>
-              <a:spcBef>
-                <a:spcPts val="1500"/>
-              </a:spcBef>
-              <a:buSzPct val="150000"/>
-              <a:buBlip>
-                <a:blip r:embed="rId3"/>
-              </a:buBlip>
-            </a:pPr>
-            <a:endParaRPr lang="en-US" b="1" dirty="0">
-              <a:solidFill>
-                <a:schemeClr val="accent2"/>
-              </a:solidFill>
-              <a:latin typeface="Courier" pitchFamily="49" charset="0"/>
-            </a:endParaRPr>
-          </a:p>
-          <a:p>
-            <a:pPr marL="411163" indent="-411163">
-              <a:lnSpc>
-                <a:spcPct val="90000"/>
-              </a:lnSpc>
-              <a:spcBef>
-                <a:spcPts val="1500"/>
-              </a:spcBef>
-              <a:buSzPct val="150000"/>
-              <a:buBlip>
-                <a:blip r:embed="rId3"/>
-              </a:buBlip>
-            </a:pPr>
-            <a:endParaRPr lang="en-US" b="1" dirty="0">
-              <a:solidFill>
-                <a:schemeClr val="accent2"/>
-              </a:solidFill>
-              <a:latin typeface="Courier" pitchFamily="49" charset="0"/>
-            </a:endParaRPr>
-          </a:p>
-          <a:p>
-            <a:pPr marL="411163" indent="-411163">
-              <a:lnSpc>
-                <a:spcPct val="90000"/>
-              </a:lnSpc>
-              <a:spcBef>
-                <a:spcPts val="1500"/>
-              </a:spcBef>
-              <a:buSzPct val="150000"/>
-              <a:buBlip>
-                <a:blip r:embed="rId3"/>
-              </a:buBlip>
-            </a:pPr>
             <a:endParaRPr lang="en-US" dirty="0" smtClean="0">
               <a:solidFill>
                 <a:schemeClr val="tx2"/>
@@ -5375,12 +5339,18 @@
         </p:blipFill>
         <p:spPr>
           <a:xfrm>
-            <a:off x="2338878" y="3443029"/>
-            <a:ext cx="5824048" cy="2405321"/>
+            <a:off x="2113085" y="3316838"/>
+            <a:ext cx="6753287" cy="2789095"/>
           </a:xfrm>
           <a:prstGeom prst="rect">
             <a:avLst/>
           </a:prstGeom>
+          <a:ln w="19050">
+            <a:solidFill>
+              <a:schemeClr val="accent2"/>
+            </a:solidFill>
+            <a:prstDash val="sysDot"/>
+          </a:ln>
         </p:spPr>
       </p:pic>
     </p:spTree>
@@ -5418,6 +5388,16 @@
 <file path=ppt/slides/slide12.xml><?xml version="1.0" encoding="utf-8"?>
 <p:sld xmlns:a="http://schemas.openxmlformats.org/drawingml/2006/main" xmlns:r="http://schemas.openxmlformats.org/officeDocument/2006/relationships" xmlns:p="http://schemas.openxmlformats.org/presentationml/2006/main">
   <p:cSld>
+    <p:bg>
+      <p:bgPr>
+        <a:solidFill>
+          <a:schemeClr val="bg1">
+            <a:alpha val="57000"/>
+          </a:schemeClr>
+        </a:solidFill>
+        <a:effectLst/>
+      </p:bgPr>
+    </p:bg>
     <p:spTree>
       <p:nvGrpSpPr>
         <p:cNvPr id="1" name=""/>
@@ -5477,7 +5457,7 @@
             <a:fld id="{BC3F1638-3586-4527-A760-38AC15BFC248}" type="datetime4">
               <a:rPr lang="en-GB" smtClean="0"/>
               <a:pPr/>
-              <a:t>18 February 2018</a:t>
+              <a:t>01 March 2018</a:t>
             </a:fld>
             <a:endParaRPr lang="en-GB" dirty="0"/>
           </a:p>
@@ -5546,15 +5526,41 @@
             </a:pPr>
             <a:r>
               <a:rPr lang="en-US" dirty="0" smtClean="0"/>
-              <a:t>When the financial institution system reports fees to be charged for the specific account/customer, and it is required that GPP will include these feed in the posting for the applicable transaction, &lt;</a:t>
-            </a:r>
-            <a:r>
-              <a:rPr lang="en-US" dirty="0" err="1" smtClean="0"/>
+              <a:t>When the financial institution system reports fees to be charged for the specific account/customer, and it is required that GPP will include these feed in the posting for the applicable transaction, </a:t>
+            </a:r>
+            <a:r>
+              <a:rPr lang="en-US" b="1" i="1" dirty="0" smtClean="0">
+                <a:solidFill>
+                  <a:schemeClr val="accent1"/>
+                </a:solidFill>
+                <a:latin typeface="Courier New" panose="02070309020205020404" pitchFamily="49" charset="0"/>
+                <a:cs typeface="Courier New" panose="02070309020205020404" pitchFamily="49" charset="0"/>
+              </a:rPr>
+              <a:t>&lt;</a:t>
+            </a:r>
+            <a:r>
+              <a:rPr lang="en-US" b="1" i="1" dirty="0" err="1" smtClean="0">
+                <a:solidFill>
+                  <a:schemeClr val="accent1"/>
+                </a:solidFill>
+                <a:latin typeface="Courier New" panose="02070309020205020404" pitchFamily="49" charset="0"/>
+                <a:cs typeface="Courier New" panose="02070309020205020404" pitchFamily="49" charset="0"/>
+              </a:rPr>
               <a:t>MsgFees</a:t>
             </a:r>
             <a:r>
+              <a:rPr lang="en-US" b="1" i="1" dirty="0" smtClean="0">
+                <a:solidFill>
+                  <a:schemeClr val="accent1"/>
+                </a:solidFill>
+                <a:latin typeface="Courier New" panose="02070309020205020404" pitchFamily="49" charset="0"/>
+                <a:cs typeface="Courier New" panose="02070309020205020404" pitchFamily="49" charset="0"/>
+              </a:rPr>
+              <a:t>&gt; </a:t>
+            </a:r>
+            <a:r>
               <a:rPr lang="en-US" dirty="0" smtClean="0"/>
-              <a:t>&gt; section needs to be included in the response. </a:t>
+              <a:t>section needs to be included in the response. </a:t>
             </a:r>
           </a:p>
           <a:p>
@@ -5602,18 +5608,286 @@
         </p:blipFill>
         <p:spPr>
           <a:xfrm>
-            <a:off x="957263" y="2392818"/>
-            <a:ext cx="5862638" cy="3496191"/>
+            <a:off x="2252661" y="2392818"/>
+            <a:ext cx="6429699" cy="3834358"/>
           </a:xfrm>
           <a:prstGeom prst="rect">
             <a:avLst/>
           </a:prstGeom>
+          <a:ln w="19050">
+            <a:solidFill>
+              <a:schemeClr val="accent2"/>
+            </a:solidFill>
+            <a:prstDash val="sysDot"/>
+          </a:ln>
         </p:spPr>
       </p:pic>
+      <p:sp>
+        <p:nvSpPr>
+          <p:cNvPr id="3" name="Rectangle 2"/>
+          <p:cNvSpPr/>
+          <p:nvPr/>
+        </p:nvSpPr>
+        <p:spPr>
+          <a:xfrm>
+            <a:off x="4492101" y="5681709"/>
+            <a:ext cx="4065973" cy="390617"/>
+          </a:xfrm>
+          <a:prstGeom prst="rect">
+            <a:avLst/>
+          </a:prstGeom>
+          <a:solidFill>
+            <a:schemeClr val="accent1">
+              <a:alpha val="33000"/>
+            </a:schemeClr>
+          </a:solidFill>
+          <a:ln w="34925">
+            <a:solidFill>
+              <a:schemeClr val="accent1"/>
+            </a:solidFill>
+          </a:ln>
+        </p:spPr>
+        <p:style>
+          <a:lnRef idx="2">
+            <a:schemeClr val="accent1">
+              <a:shade val="50000"/>
+            </a:schemeClr>
+          </a:lnRef>
+          <a:fillRef idx="1">
+            <a:schemeClr val="accent1"/>
+          </a:fillRef>
+          <a:effectRef idx="0">
+            <a:schemeClr val="accent1"/>
+          </a:effectRef>
+          <a:fontRef idx="minor">
+            <a:schemeClr val="lt1"/>
+          </a:fontRef>
+        </p:style>
+        <p:txBody>
+          <a:bodyPr rtlCol="0" anchor="ctr"/>
+          <a:lstStyle/>
+          <a:p>
+            <a:pPr algn="ctr"/>
+            <a:endParaRPr lang="en-US"/>
+          </a:p>
+        </p:txBody>
+      </p:sp>
     </p:spTree>
     <p:extLst>
       <p:ext uri="{BB962C8B-B14F-4D97-AF65-F5344CB8AC3E}">
         <p14:creationId xmlns:p14="http://schemas.microsoft.com/office/powerpoint/2010/main" val="3287647557"/>
+      </p:ext>
+    </p:extLst>
+  </p:cSld>
+  <p:clrMapOvr>
+    <a:masterClrMapping/>
+  </p:clrMapOvr>
+  <mc:AlternateContent xmlns:mc="http://schemas.openxmlformats.org/markup-compatibility/2006" xmlns:p14="http://schemas.microsoft.com/office/powerpoint/2010/main">
+    <mc:Choice Requires="p14">
+      <p:transition spd="med" p14:dur="700">
+        <p:fade/>
+      </p:transition>
+    </mc:Choice>
+    <mc:Fallback xmlns="">
+      <p:transition spd="med">
+        <p:fade/>
+      </p:transition>
+    </mc:Fallback>
+  </mc:AlternateContent>
+  <p:timing>
+    <p:tnLst>
+      <p:par>
+        <p:cTn id="1" dur="indefinite" restart="never" nodeType="tmRoot"/>
+      </p:par>
+    </p:tnLst>
+  </p:timing>
+</p:sld>
+</file>
+
+<file path=ppt/slides/slide13.xml><?xml version="1.0" encoding="utf-8"?>
+<p:sld xmlns:a="http://schemas.openxmlformats.org/drawingml/2006/main" xmlns:r="http://schemas.openxmlformats.org/officeDocument/2006/relationships" xmlns:p="http://schemas.openxmlformats.org/presentationml/2006/main">
+  <p:cSld>
+    <p:spTree>
+      <p:nvGrpSpPr>
+        <p:cNvPr id="1" name=""/>
+        <p:cNvGrpSpPr/>
+        <p:nvPr/>
+      </p:nvGrpSpPr>
+      <p:grpSpPr>
+        <a:xfrm>
+          <a:off x="0" y="0"/>
+          <a:ext cx="0" cy="0"/>
+          <a:chOff x="0" y="0"/>
+          <a:chExt cx="0" cy="0"/>
+        </a:xfrm>
+      </p:grpSpPr>
+      <p:sp>
+        <p:nvSpPr>
+          <p:cNvPr id="2" name="Title 1"/>
+          <p:cNvSpPr>
+            <a:spLocks noGrp="1"/>
+          </p:cNvSpPr>
+          <p:nvPr>
+            <p:ph type="ctrTitle"/>
+          </p:nvPr>
+        </p:nvSpPr>
+        <p:spPr/>
+        <p:txBody>
+          <a:bodyPr/>
+          <a:lstStyle/>
+          <a:p>
+            <a:r>
+              <a:rPr lang="en-GB" dirty="0" smtClean="0"/>
+              <a:t>Thank you</a:t>
+            </a:r>
+            <a:endParaRPr lang="en-GB" dirty="0"/>
+          </a:p>
+        </p:txBody>
+      </p:sp>
+      <p:sp>
+        <p:nvSpPr>
+          <p:cNvPr id="3" name="Subtitle 2"/>
+          <p:cNvSpPr>
+            <a:spLocks noGrp="1"/>
+          </p:cNvSpPr>
+          <p:nvPr>
+            <p:ph type="subTitle" idx="1"/>
+          </p:nvPr>
+        </p:nvSpPr>
+        <p:spPr/>
+        <p:txBody>
+          <a:bodyPr/>
+          <a:lstStyle/>
+          <a:p>
+            <a:r>
+              <a:rPr lang="en-GB" dirty="0" smtClean="0"/>
+              <a:t>Integration Team</a:t>
+            </a:r>
+          </a:p>
+        </p:txBody>
+      </p:sp>
+      <p:sp>
+        <p:nvSpPr>
+          <p:cNvPr id="4" name="Date Placeholder 3"/>
+          <p:cNvSpPr>
+            <a:spLocks noGrp="1"/>
+          </p:cNvSpPr>
+          <p:nvPr>
+            <p:ph type="dt" sz="half" idx="10"/>
+          </p:nvPr>
+        </p:nvSpPr>
+        <p:spPr/>
+        <p:txBody>
+          <a:bodyPr/>
+          <a:lstStyle/>
+          <a:p>
+            <a:pPr marL="0" marR="0" lvl="0" indent="0" algn="l" defTabSz="914400" rtl="0" eaLnBrk="1" fontAlgn="auto" latinLnBrk="0" hangingPunct="1">
+              <a:lnSpc>
+                <a:spcPct val="100000"/>
+              </a:lnSpc>
+              <a:spcBef>
+                <a:spcPts val="0"/>
+              </a:spcBef>
+              <a:spcAft>
+                <a:spcPts val="0"/>
+              </a:spcAft>
+              <a:buClrTx/>
+              <a:buSzTx/>
+              <a:buFontTx/>
+              <a:buNone/>
+              <a:tabLst/>
+              <a:defRPr/>
+            </a:pPr>
+            <a:fld id="{D98A2CEC-3088-437B-B321-33BEC7D93FCD}" type="datetime4">
+              <a:rPr kumimoji="0" lang="en-GB" sz="800" b="0" i="0" u="none" strike="noStrike" kern="1200" cap="none" spc="0" normalizeH="0" baseline="0" noProof="0" smtClean="0">
+                <a:ln>
+                  <a:noFill/>
+                </a:ln>
+                <a:solidFill>
+                  <a:srgbClr val="414141"/>
+                </a:solidFill>
+                <a:effectLst/>
+                <a:uLnTx/>
+                <a:uFillTx/>
+                <a:latin typeface="Arial"/>
+                <a:ea typeface="+mn-ea"/>
+                <a:cs typeface="+mn-cs"/>
+              </a:rPr>
+              <a:pPr marL="0" marR="0" lvl="0" indent="0" algn="l" defTabSz="914400" rtl="0" eaLnBrk="1" fontAlgn="auto" latinLnBrk="0" hangingPunct="1">
+                <a:lnSpc>
+                  <a:spcPct val="100000"/>
+                </a:lnSpc>
+                <a:spcBef>
+                  <a:spcPts val="0"/>
+                </a:spcBef>
+                <a:spcAft>
+                  <a:spcPts val="0"/>
+                </a:spcAft>
+                <a:buClrTx/>
+                <a:buSzTx/>
+                <a:buFontTx/>
+                <a:buNone/>
+                <a:tabLst/>
+                <a:defRPr/>
+              </a:pPr>
+              <a:t>01 March 2018</a:t>
+            </a:fld>
+            <a:endParaRPr kumimoji="0" lang="en-GB" sz="800" b="0" i="0" u="none" strike="noStrike" kern="1200" cap="none" spc="0" normalizeH="0" baseline="0" noProof="0" dirty="0">
+              <a:ln>
+                <a:noFill/>
+              </a:ln>
+              <a:solidFill>
+                <a:srgbClr val="414141"/>
+              </a:solidFill>
+              <a:effectLst/>
+              <a:uLnTx/>
+              <a:uFillTx/>
+              <a:latin typeface="Arial"/>
+              <a:ea typeface="+mn-ea"/>
+              <a:cs typeface="+mn-cs"/>
+            </a:endParaRPr>
+          </a:p>
+        </p:txBody>
+      </p:sp>
+      <p:sp>
+        <p:nvSpPr>
+          <p:cNvPr id="8" name="Text Placeholder 7"/>
+          <p:cNvSpPr>
+            <a:spLocks noGrp="1"/>
+          </p:cNvSpPr>
+          <p:nvPr>
+            <p:ph type="body" sz="quarter" idx="11"/>
+          </p:nvPr>
+        </p:nvSpPr>
+        <p:spPr>
+          <a:xfrm>
+            <a:off x="687083" y="4295091"/>
+            <a:ext cx="4252912" cy="351480"/>
+          </a:xfrm>
+        </p:spPr>
+        <p:txBody>
+          <a:bodyPr/>
+          <a:lstStyle/>
+          <a:p>
+            <a:r>
+              <a:rPr lang="en-GB" dirty="0"/>
+              <a:t>a</a:t>
+            </a:r>
+            <a:r>
+              <a:rPr lang="en-GB" dirty="0" smtClean="0"/>
+              <a:t>viad.pilo@finastra.com</a:t>
+            </a:r>
+            <a:endParaRPr lang="en-GB" dirty="0" smtClean="0"/>
+          </a:p>
+          <a:p>
+            <a:endParaRPr lang="en-GB" dirty="0"/>
+          </a:p>
+        </p:txBody>
+      </p:sp>
+    </p:spTree>
+    <p:extLst>
+      <p:ext uri="{BB962C8B-B14F-4D97-AF65-F5344CB8AC3E}">
+        <p14:creationId xmlns:p14="http://schemas.microsoft.com/office/powerpoint/2010/main" val="4211489303"/>
       </p:ext>
     </p:extLst>
   </p:cSld>
@@ -5754,7 +6028,7 @@
           <a:p>
             <a:fld id="{6096F0BA-ECEE-44D1-ABE9-40C67B221300}" type="datetime4">
               <a:rPr lang="en-GB" smtClean="0"/>
-              <a:t>04 February 2018</a:t>
+              <a:t>01 March 2018</a:t>
             </a:fld>
             <a:endParaRPr lang="en-GB" dirty="0"/>
           </a:p>
@@ -5893,11 +6167,6 @@
               </a:rPr>
               <a:t>”</a:t>
             </a:r>
-            <a:endParaRPr lang="en-GB" dirty="0" smtClean="0">
-              <a:solidFill>
-                <a:schemeClr val="accent1"/>
-              </a:solidFill>
-            </a:endParaRPr>
           </a:p>
         </p:txBody>
       </p:sp>
@@ -5919,7 +6188,7 @@
             <a:fld id="{014A5046-EA5E-455B-A3BC-352818629394}" type="datetime4">
               <a:rPr lang="en-GB" smtClean="0"/>
               <a:pPr/>
-              <a:t>12 February 2018</a:t>
+              <a:t>01 March 2018</a:t>
             </a:fld>
             <a:endParaRPr lang="en-GB" dirty="0"/>
           </a:p>
@@ -6019,7 +6288,15 @@
                   <a:schemeClr val="accent2"/>
                 </a:solidFill>
               </a:rPr>
-              <a:t>Account lookup general flow</a:t>
+              <a:t>general </a:t>
+            </a:r>
+            <a:r>
+              <a:rPr lang="en-US" dirty="0" smtClean="0">
+                <a:solidFill>
+                  <a:schemeClr val="accent2"/>
+                </a:solidFill>
+              </a:rPr>
+              <a:t>flow</a:t>
             </a:r>
             <a:endParaRPr lang="en-GB" dirty="0"/>
           </a:p>
@@ -6043,7 +6320,7 @@
             <a:fld id="{BC3F1638-3586-4527-A760-38AC15BFC248}" type="datetime4">
               <a:rPr lang="en-GB" smtClean="0"/>
               <a:pPr/>
-              <a:t>15 February 2018</a:t>
+              <a:t>01 March 2018</a:t>
             </a:fld>
             <a:endParaRPr lang="en-GB" dirty="0"/>
           </a:p>
@@ -6081,8 +6358,8 @@
         </p:nvSpPr>
         <p:spPr>
           <a:xfrm>
-            <a:off x="481013" y="1044087"/>
-            <a:ext cx="9120187" cy="6077048"/>
+            <a:off x="1412631" y="1497104"/>
+            <a:ext cx="9120187" cy="840230"/>
           </a:xfrm>
           <a:prstGeom prst="rect">
             <a:avLst/>
@@ -6097,52 +6374,6 @@
             <a:spAutoFit/>
           </a:bodyPr>
           <a:lstStyle/>
-          <a:p>
-            <a:pPr marL="411163" indent="-411163">
-              <a:lnSpc>
-                <a:spcPct val="90000"/>
-              </a:lnSpc>
-              <a:spcBef>
-                <a:spcPts val="1500"/>
-              </a:spcBef>
-              <a:buSzPct val="150000"/>
-              <a:buBlip>
-                <a:blip r:embed="rId3"/>
-              </a:buBlip>
-            </a:pPr>
-            <a:endParaRPr lang="en-US" dirty="0" smtClean="0"/>
-          </a:p>
-          <a:p>
-            <a:pPr marL="411163" indent="-411163">
-              <a:lnSpc>
-                <a:spcPct val="90000"/>
-              </a:lnSpc>
-              <a:spcBef>
-                <a:spcPts val="1500"/>
-              </a:spcBef>
-              <a:buSzPct val="150000"/>
-              <a:buBlip>
-                <a:blip r:embed="rId3"/>
-              </a:buBlip>
-            </a:pPr>
-            <a:r>
-              <a:rPr lang="en-US" dirty="0" smtClean="0"/>
-              <a:t>Once </a:t>
-            </a:r>
-            <a:r>
-              <a:rPr lang="en-US" dirty="0"/>
-              <a:t>the Account Lookup interface is invoked, and if the interface is working </a:t>
-            </a:r>
-            <a:r>
-              <a:rPr lang="en-US" dirty="0" smtClean="0"/>
-              <a:t>in      </a:t>
-            </a:r>
-            <a:r>
-              <a:rPr lang="en-US" dirty="0"/>
-              <a:t>A-sync mode, the message processing is stopped and the message waits for the response in the queue (status) of Wait CDB response (CDBWAIT). </a:t>
-            </a:r>
-            <a:endParaRPr lang="en-US" dirty="0" smtClean="0"/>
-          </a:p>
           <a:p>
             <a:pPr>
               <a:lnSpc>
@@ -6153,70 +6384,23 @@
               </a:spcBef>
               <a:buSzPct val="150000"/>
             </a:pPr>
+            <a:r>
+              <a:rPr lang="en-US" dirty="0" smtClean="0"/>
+              <a:t>Once </a:t>
+            </a:r>
+            <a:r>
+              <a:rPr lang="en-US" dirty="0"/>
+              <a:t>the Account Lookup interface is invoked, and if the interface is working </a:t>
+            </a:r>
+            <a:r>
+              <a:rPr lang="en-US" dirty="0" smtClean="0"/>
+              <a:t>in      </a:t>
+            </a:r>
+            <a:r>
+              <a:rPr lang="en-US" dirty="0"/>
+              <a:t>A-sync mode, the message processing is stopped and the message waits for the response in the queue (status) of Wait CDB response (CDBWAIT). </a:t>
+            </a:r>
             <a:endParaRPr lang="en-US" dirty="0" smtClean="0"/>
-          </a:p>
-          <a:p>
-            <a:endParaRPr lang="en-US" sz="1600" dirty="0" smtClean="0"/>
-          </a:p>
-          <a:p>
-            <a:endParaRPr lang="en-US" sz="1600" dirty="0"/>
-          </a:p>
-          <a:p>
-            <a:endParaRPr lang="en-US" sz="1600" dirty="0" smtClean="0"/>
-          </a:p>
-          <a:p>
-            <a:endParaRPr lang="en-US" sz="1600" dirty="0"/>
-          </a:p>
-          <a:p>
-            <a:endParaRPr lang="en-US" sz="1600" dirty="0" smtClean="0"/>
-          </a:p>
-          <a:p>
-            <a:endParaRPr lang="en-US" sz="1600" dirty="0"/>
-          </a:p>
-          <a:p>
-            <a:endParaRPr lang="en-US" sz="1600" dirty="0" smtClean="0"/>
-          </a:p>
-          <a:p>
-            <a:endParaRPr lang="en-US" sz="1600" dirty="0" smtClean="0"/>
-          </a:p>
-          <a:p>
-            <a:endParaRPr lang="en-US" sz="1600" dirty="0"/>
-          </a:p>
-          <a:p>
-            <a:endParaRPr lang="en-US" sz="1600" dirty="0"/>
-          </a:p>
-          <a:p>
-            <a:endParaRPr lang="en-US" sz="1600" dirty="0" smtClean="0"/>
-          </a:p>
-          <a:p>
-            <a:endParaRPr lang="en-GB" sz="1600" dirty="0"/>
-          </a:p>
-          <a:p>
-            <a:endParaRPr lang="en-US" sz="1600" dirty="0" smtClean="0"/>
-          </a:p>
-          <a:p>
-            <a:endParaRPr lang="en-US" sz="1600" dirty="0" smtClean="0"/>
-          </a:p>
-          <a:p>
-            <a:endParaRPr lang="en-US" sz="1600" dirty="0" smtClean="0"/>
-          </a:p>
-          <a:p>
-            <a:endParaRPr lang="en-GB" sz="1600" dirty="0"/>
-          </a:p>
-          <a:p>
-            <a:pPr marL="411163" indent="-411163">
-              <a:lnSpc>
-                <a:spcPct val="90000"/>
-              </a:lnSpc>
-              <a:spcBef>
-                <a:spcPts val="1500"/>
-              </a:spcBef>
-              <a:buSzPct val="150000"/>
-              <a:buBlip>
-                <a:blip r:embed="rId3"/>
-              </a:buBlip>
-            </a:pPr>
-            <a:endParaRPr lang="he-IL" sz="1600" dirty="0"/>
           </a:p>
         </p:txBody>
       </p:sp>
@@ -6228,22 +6412,21 @@
         </p:nvSpPr>
         <p:spPr>
           <a:xfrm>
-            <a:off x="1940570" y="3017657"/>
+            <a:off x="2363213" y="3021959"/>
             <a:ext cx="1941921" cy="838985"/>
           </a:xfrm>
           <a:prstGeom prst="rect">
             <a:avLst/>
           </a:prstGeom>
           <a:solidFill>
-            <a:schemeClr val="bg2"/>
+            <a:schemeClr val="accent1">
+              <a:lumMod val="20000"/>
+              <a:lumOff val="80000"/>
+            </a:schemeClr>
           </a:solidFill>
           <a:ln>
             <a:solidFill>
-              <a:schemeClr val="accent2">
-                <a:lumMod val="40000"/>
-                <a:lumOff val="60000"/>
-                <a:alpha val="44000"/>
-              </a:schemeClr>
+              <a:schemeClr val="accent2"/>
             </a:solidFill>
           </a:ln>
         </p:spPr>
@@ -6256,29 +6439,15 @@
               <a:defRPr lang="en-US"/>
             </a:defPPr>
             <a:lvl1pPr algn="ctr">
-              <a:defRPr sz="1200">
-                <a:solidFill>
-                  <a:schemeClr val="bg2">
-                    <a:lumMod val="75000"/>
-                  </a:schemeClr>
-                </a:solidFill>
-              </a:defRPr>
+              <a:defRPr sz="1200"/>
             </a:lvl1pPr>
           </a:lstStyle>
           <a:p>
             <a:r>
-              <a:rPr lang="en-US" dirty="0">
-                <a:solidFill>
-                  <a:schemeClr val="tx1"/>
-                </a:solidFill>
-              </a:rPr>
+              <a:rPr lang="en-US" dirty="0"/>
               <a:t>Receive Payment Instruction</a:t>
             </a:r>
-            <a:endParaRPr lang="he-IL" dirty="0" err="1">
-              <a:solidFill>
-                <a:schemeClr val="tx1"/>
-              </a:solidFill>
-            </a:endParaRPr>
+            <a:endParaRPr lang="he-IL" dirty="0" err="1"/>
           </a:p>
         </p:txBody>
       </p:sp>
@@ -6290,22 +6459,21 @@
         </p:nvSpPr>
         <p:spPr>
           <a:xfrm>
-            <a:off x="4336550" y="3017657"/>
+            <a:off x="4759193" y="3021959"/>
             <a:ext cx="1941921" cy="838985"/>
           </a:xfrm>
           <a:prstGeom prst="flowChartPredefinedProcess">
             <a:avLst/>
           </a:prstGeom>
           <a:solidFill>
-            <a:schemeClr val="bg2"/>
+            <a:schemeClr val="accent1">
+              <a:lumMod val="20000"/>
+              <a:lumOff val="80000"/>
+            </a:schemeClr>
           </a:solidFill>
           <a:ln>
             <a:solidFill>
-              <a:schemeClr val="accent2">
-                <a:lumMod val="40000"/>
-                <a:lumOff val="60000"/>
-                <a:alpha val="44000"/>
-              </a:schemeClr>
+              <a:schemeClr val="accent2"/>
             </a:solidFill>
           </a:ln>
         </p:spPr>
@@ -6350,18 +6518,13 @@
         </p:nvCxnSpPr>
         <p:spPr>
           <a:xfrm>
-            <a:off x="3882491" y="3437150"/>
+            <a:off x="4305134" y="3441452"/>
             <a:ext cx="454059" cy="0"/>
           </a:xfrm>
           <a:prstGeom prst="straightConnector1">
             <a:avLst/>
           </a:prstGeom>
           <a:ln w="12700">
-            <a:solidFill>
-              <a:schemeClr val="accent2">
-                <a:alpha val="44000"/>
-              </a:schemeClr>
-            </a:solidFill>
             <a:tailEnd type="triangle" w="lg" len="lg"/>
           </a:ln>
         </p:spPr>
@@ -6388,22 +6551,21 @@
         </p:nvSpPr>
         <p:spPr>
           <a:xfrm>
-            <a:off x="6732530" y="3017657"/>
+            <a:off x="7155173" y="3021959"/>
             <a:ext cx="1941921" cy="838985"/>
           </a:xfrm>
           <a:prstGeom prst="flowChartPredefinedProcess">
             <a:avLst/>
           </a:prstGeom>
           <a:solidFill>
-            <a:schemeClr val="bg2"/>
+            <a:schemeClr val="accent1">
+              <a:lumMod val="20000"/>
+              <a:lumOff val="80000"/>
+            </a:schemeClr>
           </a:solidFill>
           <a:ln>
             <a:solidFill>
-              <a:schemeClr val="accent2">
-                <a:lumMod val="40000"/>
-                <a:lumOff val="60000"/>
-                <a:alpha val="44000"/>
-              </a:schemeClr>
+              <a:schemeClr val="accent2"/>
             </a:solidFill>
           </a:ln>
         </p:spPr>
@@ -6418,13 +6580,7 @@
               <a:rPr lang="en-US" sz="1200" dirty="0"/>
               <a:t>Load account and party from GPP DB </a:t>
             </a:r>
-            <a:endParaRPr lang="he-IL" sz="1200" dirty="0">
-              <a:solidFill>
-                <a:schemeClr val="bg2">
-                  <a:lumMod val="75000"/>
-                </a:schemeClr>
-              </a:solidFill>
-            </a:endParaRPr>
+            <a:endParaRPr lang="he-IL" sz="1200" dirty="0"/>
           </a:p>
         </p:txBody>
       </p:sp>
@@ -6436,22 +6592,21 @@
         </p:nvSpPr>
         <p:spPr>
           <a:xfrm>
-            <a:off x="9128510" y="3017657"/>
+            <a:off x="9551153" y="3026909"/>
             <a:ext cx="1941921" cy="838985"/>
           </a:xfrm>
           <a:prstGeom prst="flowChartPredefinedProcess">
             <a:avLst/>
           </a:prstGeom>
           <a:solidFill>
-            <a:schemeClr val="bg2"/>
+            <a:schemeClr val="accent1">
+              <a:lumMod val="20000"/>
+              <a:lumOff val="80000"/>
+            </a:schemeClr>
           </a:solidFill>
           <a:ln>
             <a:solidFill>
-              <a:schemeClr val="accent2">
-                <a:lumMod val="40000"/>
-                <a:lumOff val="60000"/>
-                <a:alpha val="44000"/>
-              </a:schemeClr>
+              <a:schemeClr val="accent2"/>
             </a:solidFill>
           </a:ln>
         </p:spPr>
@@ -6466,13 +6621,7 @@
               <a:rPr lang="en-US" sz="1200" dirty="0"/>
               <a:t>Evaluate Account Lookup Selection rules </a:t>
             </a:r>
-            <a:endParaRPr lang="he-IL" sz="1200" dirty="0">
-              <a:solidFill>
-                <a:schemeClr val="bg2">
-                  <a:lumMod val="75000"/>
-                </a:schemeClr>
-              </a:solidFill>
-            </a:endParaRPr>
+            <a:endParaRPr lang="he-IL" sz="1200" dirty="0"/>
           </a:p>
         </p:txBody>
       </p:sp>
@@ -6487,18 +6636,13 @@
         </p:nvCxnSpPr>
         <p:spPr>
           <a:xfrm>
-            <a:off x="6278471" y="3437150"/>
+            <a:off x="6701114" y="3441452"/>
             <a:ext cx="454059" cy="0"/>
           </a:xfrm>
           <a:prstGeom prst="straightConnector1">
             <a:avLst/>
           </a:prstGeom>
           <a:ln w="12700">
-            <a:solidFill>
-              <a:schemeClr val="accent2">
-                <a:alpha val="44000"/>
-              </a:schemeClr>
-            </a:solidFill>
             <a:tailEnd type="triangle" w="lg" len="lg"/>
           </a:ln>
         </p:spPr>
@@ -6528,18 +6672,13 @@
         </p:nvCxnSpPr>
         <p:spPr>
           <a:xfrm>
-            <a:off x="8674451" y="3437150"/>
-            <a:ext cx="454059" cy="0"/>
+            <a:off x="9097094" y="3441452"/>
+            <a:ext cx="454059" cy="4950"/>
           </a:xfrm>
           <a:prstGeom prst="straightConnector1">
             <a:avLst/>
           </a:prstGeom>
           <a:ln w="12700">
-            <a:solidFill>
-              <a:schemeClr val="accent2">
-                <a:alpha val="44000"/>
-              </a:schemeClr>
-            </a:solidFill>
             <a:tailEnd type="triangle" w="lg" len="lg"/>
           </a:ln>
         </p:spPr>
@@ -6566,7 +6705,7 @@
         </p:nvSpPr>
         <p:spPr>
           <a:xfrm>
-            <a:off x="201245" y="2894380"/>
+            <a:off x="623888" y="2898682"/>
             <a:ext cx="1271229" cy="1074656"/>
           </a:xfrm>
           <a:prstGeom prst="flowChartDocument">
@@ -6623,7 +6762,7 @@
         </p:nvCxnSpPr>
         <p:spPr>
           <a:xfrm>
-            <a:off x="1472474" y="3431708"/>
+            <a:off x="1895117" y="3436010"/>
             <a:ext cx="468096" cy="5442"/>
           </a:xfrm>
           <a:prstGeom prst="straightConnector1">
@@ -6655,23 +6794,25 @@
       <p:cxnSp>
         <p:nvCxnSpPr>
           <p:cNvPr id="36" name="Straight Arrow Connector 35"/>
-          <p:cNvCxnSpPr/>
+          <p:cNvCxnSpPr>
+            <a:stCxn id="38" idx="1"/>
+            <a:endCxn id="39" idx="3"/>
+          </p:cNvCxnSpPr>
           <p:nvPr/>
         </p:nvCxnSpPr>
         <p:spPr>
           <a:xfrm flipH="1" flipV="1">
-            <a:off x="8643499" y="4743581"/>
-            <a:ext cx="454058" cy="1"/>
+            <a:off x="6701114" y="4965062"/>
+            <a:ext cx="2850039" cy="9900"/>
           </a:xfrm>
           <a:prstGeom prst="straightConnector1">
             <a:avLst/>
           </a:prstGeom>
-          <a:ln w="12700">
+          <a:ln w="28575" cmpd="sng">
             <a:solidFill>
-              <a:schemeClr val="accent2">
-                <a:alpha val="44000"/>
-              </a:schemeClr>
+              <a:schemeClr val="accent2"/>
             </a:solidFill>
+            <a:prstDash val="sysDot"/>
             <a:tailEnd type="triangle" w="lg" len="lg"/>
           </a:ln>
         </p:spPr>
@@ -6698,22 +6839,21 @@
         </p:nvSpPr>
         <p:spPr>
           <a:xfrm>
-            <a:off x="9128510" y="4407731"/>
+            <a:off x="9551153" y="4555469"/>
             <a:ext cx="1941921" cy="838985"/>
           </a:xfrm>
           <a:prstGeom prst="flowChartPredefinedProcess">
             <a:avLst/>
           </a:prstGeom>
           <a:solidFill>
-            <a:schemeClr val="bg2"/>
+            <a:schemeClr val="accent1">
+              <a:lumMod val="20000"/>
+              <a:lumOff val="80000"/>
+            </a:schemeClr>
           </a:solidFill>
           <a:ln>
             <a:solidFill>
-              <a:schemeClr val="accent2">
-                <a:lumMod val="40000"/>
-                <a:lumOff val="60000"/>
-                <a:alpha val="44000"/>
-              </a:schemeClr>
+              <a:schemeClr val="accent2"/>
             </a:solidFill>
           </a:ln>
         </p:spPr>
@@ -6728,13 +6868,7 @@
               <a:rPr lang="en-GB" sz="1200" dirty="0"/>
               <a:t>Create account lookup request </a:t>
             </a:r>
-            <a:endParaRPr lang="he-IL" sz="1200" dirty="0">
-              <a:solidFill>
-                <a:schemeClr val="bg2">
-                  <a:lumMod val="75000"/>
-                </a:schemeClr>
-              </a:solidFill>
-            </a:endParaRPr>
+            <a:endParaRPr lang="he-IL" sz="1200" dirty="0"/>
           </a:p>
         </p:txBody>
       </p:sp>
@@ -6746,22 +6880,18 @@
         </p:nvSpPr>
         <p:spPr>
           <a:xfrm>
-            <a:off x="6687729" y="4418705"/>
+            <a:off x="4759193" y="4545569"/>
             <a:ext cx="1941921" cy="838985"/>
           </a:xfrm>
           <a:prstGeom prst="flowChartPredefinedProcess">
             <a:avLst/>
           </a:prstGeom>
           <a:solidFill>
-            <a:schemeClr val="bg2"/>
+            <a:schemeClr val="accent2"/>
           </a:solidFill>
           <a:ln>
             <a:solidFill>
-              <a:schemeClr val="accent2">
-                <a:lumMod val="40000"/>
-                <a:lumOff val="60000"/>
-                <a:alpha val="44000"/>
-              </a:schemeClr>
+              <a:schemeClr val="accent1"/>
             </a:solidFill>
           </a:ln>
         </p:spPr>
@@ -6773,30 +6903,24 @@
           <a:p>
             <a:pPr algn="ctr"/>
             <a:r>
-              <a:rPr lang="en-GB" sz="1200" dirty="0"/>
+              <a:rPr lang="en-GB" sz="1200" b="1" dirty="0">
+                <a:solidFill>
+                  <a:schemeClr val="bg1"/>
+                </a:solidFill>
+              </a:rPr>
               <a:t>Wait </a:t>
             </a:r>
             <a:r>
-              <a:rPr lang="en-GB" sz="1200" dirty="0" err="1"/>
-              <a:t>Behavior</a:t>
-            </a:r>
-            <a:r>
-              <a:rPr lang="en-GB" sz="1200" dirty="0"/>
-              <a:t> </a:t>
-            </a:r>
-            <a:r>
-              <a:rPr lang="en-GB" sz="1200" dirty="0" err="1"/>
-              <a:t>WaitCDB</a:t>
-            </a:r>
-            <a:r>
-              <a:rPr lang="en-GB" sz="1200" dirty="0"/>
-              <a:t> </a:t>
-            </a:r>
-            <a:endParaRPr lang="he-IL" sz="1200" dirty="0">
+              <a:rPr lang="en-GB" sz="1200" b="1" dirty="0" smtClean="0">
+                <a:solidFill>
+                  <a:schemeClr val="bg1"/>
+                </a:solidFill>
+              </a:rPr>
+              <a:t>Behaviour Wait CDB (CDBWAIT queue)</a:t>
+            </a:r>
+            <a:endParaRPr lang="he-IL" sz="1200" b="1" dirty="0">
               <a:solidFill>
-                <a:schemeClr val="bg2">
-                  <a:lumMod val="75000"/>
-                </a:schemeClr>
+                <a:schemeClr val="bg1"/>
               </a:solidFill>
             </a:endParaRPr>
           </a:p>
@@ -6804,27 +6928,23 @@
       </p:sp>
       <p:cxnSp>
         <p:nvCxnSpPr>
-          <p:cNvPr id="46" name="Straight Connector 45"/>
+          <p:cNvPr id="50" name="Straight Arrow Connector 49"/>
           <p:cNvCxnSpPr>
-            <a:stCxn id="31" idx="3"/>
+            <a:stCxn id="31" idx="2"/>
+            <a:endCxn id="38" idx="0"/>
           </p:cNvCxnSpPr>
           <p:nvPr/>
         </p:nvCxnSpPr>
         <p:spPr>
-          <a:xfrm flipV="1">
-            <a:off x="11070431" y="3431708"/>
-            <a:ext cx="248841" cy="5442"/>
-          </a:xfrm>
-          <a:prstGeom prst="line">
+          <a:xfrm>
+            <a:off x="10522114" y="3865894"/>
+            <a:ext cx="0" cy="689575"/>
+          </a:xfrm>
+          <a:prstGeom prst="straightConnector1">
             <a:avLst/>
           </a:prstGeom>
-          <a:ln>
-            <a:solidFill>
-              <a:schemeClr val="accent5">
-                <a:lumMod val="60000"/>
-                <a:lumOff val="40000"/>
-              </a:schemeClr>
-            </a:solidFill>
+          <a:ln w="12700">
+            <a:tailEnd type="triangle" w="lg" len="lg"/>
           </a:ln>
         </p:spPr>
         <p:style>
@@ -6842,83 +6962,102 @@
           </a:fontRef>
         </p:style>
       </p:cxnSp>
-      <p:cxnSp>
-        <p:nvCxnSpPr>
-          <p:cNvPr id="48" name="Straight Connector 47"/>
-          <p:cNvCxnSpPr/>
+      <p:graphicFrame>
+        <p:nvGraphicFramePr>
+          <p:cNvPr id="18" name="Object 17"/>
+          <p:cNvGraphicFramePr>
+            <a:graphicFrameLocks noChangeAspect="1"/>
+          </p:cNvGraphicFramePr>
+          <p:nvPr>
+            <p:extLst>
+              <p:ext uri="{D42A27DB-BD31-4B8C-83A1-F6EECF244321}">
+                <p14:modId xmlns:p14="http://schemas.microsoft.com/office/powerpoint/2010/main" val="2518428370"/>
+              </p:ext>
+            </p:extLst>
+          </p:nvPr>
+        </p:nvGraphicFramePr>
+        <p:xfrm>
+          <a:off x="7040563" y="5232400"/>
+          <a:ext cx="2173287" cy="482600"/>
+        </p:xfrm>
+        <a:graphic>
+          <a:graphicData uri="http://schemas.openxmlformats.org/presentationml/2006/ole">
+            <mc:AlternateContent xmlns:mc="http://schemas.openxmlformats.org/markup-compatibility/2006">
+              <mc:Choice xmlns:v="urn:schemas-microsoft-com:vml" Requires="v">
+                <p:oleObj spid="_x0000_s1035" name="Packager Shell Object" showAsIcon="1" r:id="rId4" imgW="2173320" imgH="482400" progId="Package">
+                  <p:embed/>
+                </p:oleObj>
+              </mc:Choice>
+              <mc:Fallback>
+                <p:oleObj name="Packager Shell Object" showAsIcon="1" r:id="rId4" imgW="2173320" imgH="482400" progId="Package">
+                  <p:embed/>
+                  <p:pic>
+                    <p:nvPicPr>
+                      <p:cNvPr id="0" name=""/>
+                      <p:cNvPicPr/>
+                      <p:nvPr/>
+                    </p:nvPicPr>
+                    <p:blipFill>
+                      <a:blip r:embed="rId5"/>
+                      <a:stretch>
+                        <a:fillRect/>
+                      </a:stretch>
+                    </p:blipFill>
+                    <p:spPr>
+                      <a:xfrm>
+                        <a:off x="7040563" y="5232400"/>
+                        <a:ext cx="2173287" cy="482600"/>
+                      </a:xfrm>
+                      <a:prstGeom prst="rect">
+                        <a:avLst/>
+                      </a:prstGeom>
+                    </p:spPr>
+                  </p:pic>
+                </p:oleObj>
+              </mc:Fallback>
+            </mc:AlternateContent>
+          </a:graphicData>
+        </a:graphic>
+      </p:graphicFrame>
+      <p:sp>
+        <p:nvSpPr>
+          <p:cNvPr id="37" name="TextBox 36"/>
+          <p:cNvSpPr txBox="1"/>
           <p:nvPr/>
-        </p:nvCxnSpPr>
-        <p:spPr>
-          <a:xfrm>
-            <a:off x="11319272" y="3431708"/>
-            <a:ext cx="0" cy="1395515"/>
-          </a:xfrm>
-          <a:prstGeom prst="line">
+        </p:nvSpPr>
+        <p:spPr>
+          <a:xfrm>
+            <a:off x="7302998" y="4660604"/>
+            <a:ext cx="1646271" cy="309408"/>
+          </a:xfrm>
+          <a:prstGeom prst="rect">
             <a:avLst/>
           </a:prstGeom>
-          <a:ln>
-            <a:solidFill>
-              <a:schemeClr val="accent5">
-                <a:lumMod val="75000"/>
-              </a:schemeClr>
-            </a:solidFill>
-          </a:ln>
-        </p:spPr>
-        <p:style>
-          <a:lnRef idx="1">
-            <a:schemeClr val="accent1"/>
-          </a:lnRef>
-          <a:fillRef idx="0">
-            <a:schemeClr val="accent1"/>
-          </a:fillRef>
-          <a:effectRef idx="0">
-            <a:schemeClr val="accent1"/>
-          </a:effectRef>
-          <a:fontRef idx="minor">
-            <a:schemeClr val="tx1"/>
-          </a:fontRef>
-        </p:style>
-      </p:cxnSp>
-      <p:cxnSp>
-        <p:nvCxnSpPr>
-          <p:cNvPr id="50" name="Straight Arrow Connector 49"/>
-          <p:cNvCxnSpPr>
-            <a:endCxn id="38" idx="3"/>
-          </p:cNvCxnSpPr>
-          <p:nvPr/>
-        </p:nvCxnSpPr>
-        <p:spPr>
-          <a:xfrm flipH="1">
-            <a:off x="11070431" y="4827223"/>
-            <a:ext cx="248841" cy="1"/>
-          </a:xfrm>
-          <a:prstGeom prst="straightConnector1">
-            <a:avLst/>
-          </a:prstGeom>
-          <a:ln w="12700">
-            <a:solidFill>
-              <a:schemeClr val="accent2">
-                <a:alpha val="44000"/>
-              </a:schemeClr>
-            </a:solidFill>
-            <a:tailEnd type="triangle" w="lg" len="lg"/>
-          </a:ln>
-        </p:spPr>
-        <p:style>
-          <a:lnRef idx="1">
-            <a:schemeClr val="accent1"/>
-          </a:lnRef>
-          <a:fillRef idx="0">
-            <a:schemeClr val="accent1"/>
-          </a:fillRef>
-          <a:effectRef idx="0">
-            <a:schemeClr val="accent1"/>
-          </a:effectRef>
-          <a:fontRef idx="minor">
-            <a:schemeClr val="tx1"/>
-          </a:fontRef>
-        </p:style>
-      </p:cxnSp>
+          <a:noFill/>
+        </p:spPr>
+        <p:txBody>
+          <a:bodyPr wrap="square" lIns="0" tIns="0" rIns="0" bIns="0" rtlCol="0">
+            <a:noAutofit/>
+          </a:bodyPr>
+          <a:lstStyle/>
+          <a:p>
+            <a:pPr algn="ctr"/>
+            <a:r>
+              <a:rPr lang="en-US" sz="1100" b="1" dirty="0" smtClean="0">
+                <a:solidFill>
+                  <a:schemeClr val="accent2"/>
+                </a:solidFill>
+              </a:rPr>
+              <a:t>account lookup request</a:t>
+            </a:r>
+            <a:endParaRPr lang="en-GB" sz="1100" b="1" dirty="0" err="1" smtClean="0">
+              <a:solidFill>
+                <a:schemeClr val="accent2"/>
+              </a:solidFill>
+            </a:endParaRPr>
+          </a:p>
+        </p:txBody>
+      </p:sp>
     </p:spTree>
     <p:extLst>
       <p:ext uri="{BB962C8B-B14F-4D97-AF65-F5344CB8AC3E}">
@@ -6984,12 +7123,20 @@
           <a:lstStyle/>
           <a:p>
             <a:r>
+              <a:rPr lang="en-US" dirty="0" smtClean="0">
+                <a:solidFill>
+                  <a:schemeClr val="accent2"/>
+                </a:solidFill>
+              </a:rPr>
+              <a:t>general </a:t>
+            </a:r>
+            <a:r>
               <a:rPr lang="en-US" dirty="0">
                 <a:solidFill>
                   <a:schemeClr val="accent2"/>
                 </a:solidFill>
               </a:rPr>
-              <a:t>Account lookup general flow</a:t>
+              <a:t>flow</a:t>
             </a:r>
             <a:endParaRPr lang="en-GB" dirty="0"/>
           </a:p>
@@ -7013,7 +7160,7 @@
             <a:fld id="{BC3F1638-3586-4527-A760-38AC15BFC248}" type="datetime4">
               <a:rPr lang="en-GB" smtClean="0"/>
               <a:pPr/>
-              <a:t>18 February 2018</a:t>
+              <a:t>01 March 2018</a:t>
             </a:fld>
             <a:endParaRPr lang="en-GB" dirty="0"/>
           </a:p>
@@ -7029,7 +7176,12 @@
             <p:ph type="sldNum" sz="quarter" idx="12"/>
           </p:nvPr>
         </p:nvSpPr>
-        <p:spPr/>
+        <p:spPr>
+          <a:xfrm>
+            <a:off x="11194718" y="6134326"/>
+            <a:ext cx="497682" cy="365125"/>
+          </a:xfrm>
+        </p:spPr>
         <p:txBody>
           <a:bodyPr/>
           <a:lstStyle/>
@@ -7051,8 +7203,8 @@
         </p:nvSpPr>
         <p:spPr>
           <a:xfrm>
-            <a:off x="481013" y="1044087"/>
-            <a:ext cx="9120187" cy="5327612"/>
+            <a:off x="1476965" y="1371792"/>
+            <a:ext cx="9120187" cy="590931"/>
           </a:xfrm>
           <a:prstGeom prst="rect">
             <a:avLst/>
@@ -7067,114 +7219,6 @@
             <a:spAutoFit/>
           </a:bodyPr>
           <a:lstStyle/>
-          <a:p>
-            <a:pPr marL="411163" indent="-411163">
-              <a:lnSpc>
-                <a:spcPct val="90000"/>
-              </a:lnSpc>
-              <a:spcBef>
-                <a:spcPts val="1500"/>
-              </a:spcBef>
-              <a:buSzPct val="150000"/>
-              <a:buBlip>
-                <a:blip r:embed="rId3"/>
-              </a:buBlip>
-            </a:pPr>
-            <a:endParaRPr lang="en-US" dirty="0" smtClean="0"/>
-          </a:p>
-          <a:p>
-            <a:pPr marL="411163" indent="-411163">
-              <a:lnSpc>
-                <a:spcPct val="90000"/>
-              </a:lnSpc>
-              <a:spcBef>
-                <a:spcPts val="1500"/>
-              </a:spcBef>
-              <a:buSzPct val="150000"/>
-              <a:buBlip>
-                <a:blip r:embed="rId3"/>
-              </a:buBlip>
-            </a:pPr>
-            <a:r>
-              <a:rPr lang="en-US" dirty="0" smtClean="0"/>
-              <a:t>If positive response with no posting restrictions, GPP stores the account information and the message continues the processing to the next step.</a:t>
-            </a:r>
-          </a:p>
-          <a:p>
-            <a:pPr marL="411163" indent="-411163">
-              <a:lnSpc>
-                <a:spcPct val="90000"/>
-              </a:lnSpc>
-              <a:spcBef>
-                <a:spcPts val="1500"/>
-              </a:spcBef>
-              <a:buSzPct val="150000"/>
-              <a:buBlip>
-                <a:blip r:embed="rId3"/>
-              </a:buBlip>
-            </a:pPr>
-            <a:endParaRPr lang="en-US" dirty="0"/>
-          </a:p>
-          <a:p>
-            <a:pPr marL="411163" indent="-411163">
-              <a:lnSpc>
-                <a:spcPct val="90000"/>
-              </a:lnSpc>
-              <a:spcBef>
-                <a:spcPts val="1500"/>
-              </a:spcBef>
-              <a:buSzPct val="150000"/>
-              <a:buBlip>
-                <a:blip r:embed="rId3"/>
-              </a:buBlip>
-            </a:pPr>
-            <a:endParaRPr lang="en-US" dirty="0" smtClean="0"/>
-          </a:p>
-          <a:p>
-            <a:pPr marL="411163" indent="-411163">
-              <a:lnSpc>
-                <a:spcPct val="90000"/>
-              </a:lnSpc>
-              <a:spcBef>
-                <a:spcPts val="1500"/>
-              </a:spcBef>
-              <a:buSzPct val="150000"/>
-              <a:buBlip>
-                <a:blip r:embed="rId3"/>
-              </a:buBlip>
-            </a:pPr>
-            <a:endParaRPr lang="en-US" dirty="0"/>
-          </a:p>
-          <a:p>
-            <a:pPr marL="411163" indent="-411163">
-              <a:lnSpc>
-                <a:spcPct val="90000"/>
-              </a:lnSpc>
-              <a:spcBef>
-                <a:spcPts val="1500"/>
-              </a:spcBef>
-              <a:buSzPct val="150000"/>
-              <a:buBlip>
-                <a:blip r:embed="rId3"/>
-              </a:buBlip>
-            </a:pPr>
-            <a:endParaRPr lang="en-US" dirty="0" smtClean="0"/>
-          </a:p>
-          <a:p>
-            <a:pPr marL="411163" indent="-411163">
-              <a:lnSpc>
-                <a:spcPct val="90000"/>
-              </a:lnSpc>
-              <a:spcBef>
-                <a:spcPts val="1500"/>
-              </a:spcBef>
-              <a:buSzPct val="150000"/>
-              <a:buBlip>
-                <a:blip r:embed="rId3"/>
-              </a:buBlip>
-            </a:pPr>
-            <a:endParaRPr lang="en-US" dirty="0" smtClean="0"/>
-          </a:p>
           <a:p>
             <a:pPr>
               <a:lnSpc>
@@ -7185,182 +7229,44 @@
               </a:spcBef>
               <a:buSzPct val="150000"/>
             </a:pPr>
-            <a:endParaRPr lang="en-US" dirty="0" smtClean="0"/>
-          </a:p>
-          <a:p>
-            <a:endParaRPr lang="en-GB" sz="1600" dirty="0"/>
-          </a:p>
-          <a:p>
-            <a:endParaRPr lang="en-US" sz="1600" dirty="0" smtClean="0"/>
-          </a:p>
-          <a:p>
-            <a:endParaRPr lang="en-US" sz="1600" dirty="0" smtClean="0"/>
-          </a:p>
-          <a:p>
-            <a:endParaRPr lang="en-US" sz="1600" dirty="0" smtClean="0"/>
-          </a:p>
-          <a:p>
-            <a:endParaRPr lang="en-GB" sz="1600" dirty="0"/>
-          </a:p>
-          <a:p>
-            <a:pPr marL="411163" indent="-411163">
-              <a:lnSpc>
-                <a:spcPct val="90000"/>
-              </a:lnSpc>
-              <a:spcBef>
-                <a:spcPts val="1500"/>
-              </a:spcBef>
-              <a:buSzPct val="150000"/>
-              <a:buBlip>
-                <a:blip r:embed="rId3"/>
-              </a:buBlip>
-            </a:pPr>
+            <a:r>
+              <a:rPr lang="en-US" dirty="0" smtClean="0"/>
+              <a:t>If </a:t>
+            </a:r>
+            <a:r>
+              <a:rPr lang="en-US" dirty="0" smtClean="0"/>
+              <a:t>positive response with no posting restrictions, GPP stores the account information and the message continues the processing to the next step</a:t>
+            </a:r>
+            <a:r>
+              <a:rPr lang="en-US" dirty="0" smtClean="0"/>
+              <a:t>.</a:t>
+            </a:r>
             <a:endParaRPr lang="he-IL" sz="1600" dirty="0"/>
-          </a:p>
-        </p:txBody>
-      </p:sp>
-      <p:sp>
-        <p:nvSpPr>
-          <p:cNvPr id="8" name="TextBox 7"/>
-          <p:cNvSpPr txBox="1"/>
-          <p:nvPr/>
-        </p:nvSpPr>
-        <p:spPr>
-          <a:xfrm>
-            <a:off x="1940570" y="3017657"/>
-            <a:ext cx="1941921" cy="838985"/>
-          </a:xfrm>
-          <a:prstGeom prst="rect">
-            <a:avLst/>
-          </a:prstGeom>
-          <a:solidFill>
-            <a:schemeClr val="bg2"/>
-          </a:solidFill>
-          <a:ln>
-            <a:solidFill>
-              <a:schemeClr val="accent2">
-                <a:lumMod val="40000"/>
-                <a:lumOff val="60000"/>
-                <a:alpha val="44000"/>
-              </a:schemeClr>
-            </a:solidFill>
-          </a:ln>
-        </p:spPr>
-        <p:txBody>
-          <a:bodyPr wrap="square" lIns="0" tIns="0" rIns="0" bIns="0" rtlCol="1" anchor="ctr">
-            <a:noAutofit/>
-          </a:bodyPr>
-          <a:lstStyle>
-            <a:defPPr>
-              <a:defRPr lang="en-US"/>
-            </a:defPPr>
-            <a:lvl1pPr algn="ctr">
-              <a:defRPr sz="1200">
-                <a:solidFill>
-                  <a:schemeClr val="bg2">
-                    <a:lumMod val="75000"/>
-                  </a:schemeClr>
-                </a:solidFill>
-              </a:defRPr>
-            </a:lvl1pPr>
-          </a:lstStyle>
-          <a:p>
-            <a:r>
-              <a:rPr lang="en-US" dirty="0">
-                <a:solidFill>
-                  <a:schemeClr val="tx1"/>
-                </a:solidFill>
-              </a:rPr>
-              <a:t>Receive Payment Instruction</a:t>
-            </a:r>
-            <a:endParaRPr lang="he-IL" dirty="0" err="1">
-              <a:solidFill>
-                <a:schemeClr val="tx1"/>
-              </a:solidFill>
-            </a:endParaRPr>
-          </a:p>
-        </p:txBody>
-      </p:sp>
-      <p:sp>
-        <p:nvSpPr>
-          <p:cNvPr id="9" name="Flowchart: Predefined Process 8"/>
-          <p:cNvSpPr/>
-          <p:nvPr/>
-        </p:nvSpPr>
-        <p:spPr>
-          <a:xfrm>
-            <a:off x="4336550" y="3017657"/>
-            <a:ext cx="1941921" cy="838985"/>
-          </a:xfrm>
-          <a:prstGeom prst="flowChartPredefinedProcess">
-            <a:avLst/>
-          </a:prstGeom>
-          <a:solidFill>
-            <a:schemeClr val="bg2"/>
-          </a:solidFill>
-          <a:ln>
-            <a:solidFill>
-              <a:schemeClr val="accent2">
-                <a:lumMod val="40000"/>
-                <a:lumOff val="60000"/>
-                <a:alpha val="44000"/>
-              </a:schemeClr>
-            </a:solidFill>
-          </a:ln>
-        </p:spPr>
-        <p:txBody>
-          <a:bodyPr wrap="square" lIns="0" tIns="0" rIns="0" bIns="0" rtlCol="1" anchor="ctr">
-            <a:noAutofit/>
-          </a:bodyPr>
-          <a:lstStyle/>
-          <a:p>
-            <a:pPr algn="ctr"/>
-            <a:r>
-              <a:rPr lang="en-US" sz="1200" dirty="0"/>
-              <a:t>Start </a:t>
-            </a:r>
-            <a:r>
-              <a:rPr lang="en-US" sz="1200" dirty="0" err="1"/>
-              <a:t>Dr</a:t>
-            </a:r>
-            <a:r>
-              <a:rPr lang="en-US" sz="1200" dirty="0"/>
-              <a:t>/Cr side</a:t>
-            </a:r>
-          </a:p>
-          <a:p>
-            <a:pPr algn="ctr"/>
-            <a:r>
-              <a:rPr lang="en-US" sz="1200" dirty="0"/>
-              <a:t>Processing</a:t>
-            </a:r>
-            <a:endParaRPr lang="he-IL" sz="1200" dirty="0"/>
           </a:p>
         </p:txBody>
       </p:sp>
       <p:cxnSp>
         <p:nvCxnSpPr>
-          <p:cNvPr id="10" name="Straight Arrow Connector 9"/>
+          <p:cNvPr id="24" name="Straight Arrow Connector 23"/>
           <p:cNvCxnSpPr>
-            <a:stCxn id="8" idx="3"/>
-            <a:endCxn id="9" idx="1"/>
+            <a:stCxn id="37" idx="1"/>
+            <a:endCxn id="25" idx="3"/>
           </p:cNvCxnSpPr>
           <p:nvPr/>
         </p:nvCxnSpPr>
         <p:spPr>
-          <a:xfrm>
-            <a:off x="3882491" y="3437150"/>
-            <a:ext cx="454059" cy="0"/>
+          <a:xfrm flipH="1" flipV="1">
+            <a:off x="2766557" y="4770164"/>
+            <a:ext cx="3094003" cy="8571"/>
           </a:xfrm>
           <a:prstGeom prst="straightConnector1">
             <a:avLst/>
           </a:prstGeom>
-          <a:ln w="12700">
+          <a:ln w="28575" cmpd="sng">
             <a:solidFill>
-              <a:schemeClr val="accent2">
-                <a:alpha val="44000"/>
-              </a:schemeClr>
+              <a:schemeClr val="accent2"/>
             </a:solidFill>
+            <a:prstDash val="sysDot"/>
             <a:tailEnd type="triangle" w="lg" len="lg"/>
           </a:ln>
         </p:spPr>
@@ -7381,28 +7287,24 @@
       </p:cxnSp>
       <p:sp>
         <p:nvSpPr>
-          <p:cNvPr id="12" name="Flowchart: Predefined Process 11"/>
+          <p:cNvPr id="25" name="Flowchart: Predefined Process 24"/>
           <p:cNvSpPr/>
           <p:nvPr/>
         </p:nvSpPr>
         <p:spPr>
           <a:xfrm>
-            <a:off x="6732530" y="3017657"/>
+            <a:off x="824636" y="4350671"/>
             <a:ext cx="1941921" cy="838985"/>
           </a:xfrm>
           <a:prstGeom prst="flowChartPredefinedProcess">
             <a:avLst/>
           </a:prstGeom>
           <a:solidFill>
-            <a:schemeClr val="bg2"/>
+            <a:schemeClr val="accent2"/>
           </a:solidFill>
           <a:ln>
             <a:solidFill>
-              <a:schemeClr val="accent2">
-                <a:lumMod val="40000"/>
-                <a:lumOff val="60000"/>
-                <a:alpha val="44000"/>
-              </a:schemeClr>
+              <a:schemeClr val="accent1"/>
             </a:solidFill>
           </a:ln>
         </p:spPr>
@@ -7414,14 +7316,24 @@
           <a:p>
             <a:pPr algn="ctr"/>
             <a:r>
-              <a:rPr lang="en-US" sz="1200" dirty="0"/>
-              <a:t>Load account and party from GPP DB </a:t>
-            </a:r>
-            <a:endParaRPr lang="he-IL" sz="1200" dirty="0">
+              <a:rPr lang="en-US" sz="1200" b="1" dirty="0">
+                <a:solidFill>
+                  <a:schemeClr val="bg1"/>
+                </a:solidFill>
+              </a:rPr>
+              <a:t>Message continue </a:t>
+            </a:r>
+            <a:r>
+              <a:rPr lang="en-US" sz="1200" b="1" dirty="0">
+                <a:solidFill>
+                  <a:schemeClr val="bg1"/>
+                </a:solidFill>
+              </a:rPr>
+              <a:t> with the flow</a:t>
+            </a:r>
+            <a:endParaRPr lang="he-IL" sz="1200" b="1" dirty="0">
               <a:solidFill>
-                <a:schemeClr val="bg2">
-                  <a:lumMod val="75000"/>
-                </a:schemeClr>
+                <a:schemeClr val="bg1"/>
               </a:solidFill>
             </a:endParaRPr>
           </a:p>
@@ -7429,28 +7341,115 @@
       </p:sp>
       <p:sp>
         <p:nvSpPr>
-          <p:cNvPr id="13" name="Flowchart: Predefined Process 12"/>
+          <p:cNvPr id="3" name="TextBox 2"/>
+          <p:cNvSpPr txBox="1"/>
+          <p:nvPr/>
+        </p:nvSpPr>
+        <p:spPr>
+          <a:xfrm>
+            <a:off x="3533499" y="4443556"/>
+            <a:ext cx="1504183" cy="233724"/>
+          </a:xfrm>
+          <a:prstGeom prst="rect">
+            <a:avLst/>
+          </a:prstGeom>
+          <a:noFill/>
+        </p:spPr>
+        <p:txBody>
+          <a:bodyPr wrap="square" lIns="0" tIns="0" rIns="0" bIns="0" rtlCol="0">
+            <a:noAutofit/>
+          </a:bodyPr>
+          <a:lstStyle>
+            <a:defPPr>
+              <a:defRPr lang="en-US"/>
+            </a:defPPr>
+            <a:lvl1pPr algn="ctr">
+              <a:defRPr sz="1100" b="1">
+                <a:solidFill>
+                  <a:schemeClr val="accent2"/>
+                </a:solidFill>
+              </a:defRPr>
+            </a:lvl1pPr>
+          </a:lstStyle>
+          <a:p>
+            <a:r>
+              <a:rPr lang="en-US" dirty="0"/>
+              <a:t>Positive response</a:t>
+            </a:r>
+            <a:endParaRPr lang="en-GB" dirty="0" err="1"/>
+          </a:p>
+        </p:txBody>
+      </p:sp>
+      <p:sp>
+        <p:nvSpPr>
+          <p:cNvPr id="26" name="TextBox 25"/>
+          <p:cNvSpPr txBox="1"/>
+          <p:nvPr/>
+        </p:nvSpPr>
+        <p:spPr>
+          <a:xfrm>
+            <a:off x="2562539" y="2396647"/>
+            <a:ext cx="1941921" cy="838985"/>
+          </a:xfrm>
+          <a:prstGeom prst="rect">
+            <a:avLst/>
+          </a:prstGeom>
+          <a:solidFill>
+            <a:schemeClr val="accent1">
+              <a:lumMod val="20000"/>
+              <a:lumOff val="80000"/>
+            </a:schemeClr>
+          </a:solidFill>
+          <a:ln>
+            <a:solidFill>
+              <a:schemeClr val="accent2"/>
+            </a:solidFill>
+          </a:ln>
+        </p:spPr>
+        <p:txBody>
+          <a:bodyPr wrap="square" lIns="0" tIns="0" rIns="0" bIns="0" rtlCol="1" anchor="ctr">
+            <a:noAutofit/>
+          </a:bodyPr>
+          <a:lstStyle>
+            <a:defPPr>
+              <a:defRPr lang="en-US"/>
+            </a:defPPr>
+            <a:lvl1pPr algn="ctr">
+              <a:defRPr sz="1200"/>
+            </a:lvl1pPr>
+          </a:lstStyle>
+          <a:p>
+            <a:r>
+              <a:rPr lang="en-US" dirty="0"/>
+              <a:t>Receive Payment Instruction</a:t>
+            </a:r>
+            <a:endParaRPr lang="he-IL" dirty="0" err="1"/>
+          </a:p>
+        </p:txBody>
+      </p:sp>
+      <p:sp>
+        <p:nvSpPr>
+          <p:cNvPr id="27" name="Flowchart: Predefined Process 26"/>
           <p:cNvSpPr/>
           <p:nvPr/>
         </p:nvSpPr>
         <p:spPr>
           <a:xfrm>
-            <a:off x="9128510" y="3017657"/>
+            <a:off x="4958519" y="2396647"/>
             <a:ext cx="1941921" cy="838985"/>
           </a:xfrm>
           <a:prstGeom prst="flowChartPredefinedProcess">
             <a:avLst/>
           </a:prstGeom>
           <a:solidFill>
-            <a:schemeClr val="bg2"/>
+            <a:schemeClr val="accent1">
+              <a:lumMod val="20000"/>
+              <a:lumOff val="80000"/>
+            </a:schemeClr>
           </a:solidFill>
           <a:ln>
             <a:solidFill>
-              <a:schemeClr val="accent2">
-                <a:lumMod val="40000"/>
-                <a:lumOff val="60000"/>
-                <a:alpha val="44000"/>
-              </a:schemeClr>
+              <a:schemeClr val="accent2"/>
             </a:solidFill>
           </a:ln>
         </p:spPr>
@@ -7463,41 +7462,163 @@
             <a:pPr algn="ctr"/>
             <a:r>
               <a:rPr lang="en-US" sz="1200" dirty="0"/>
-              <a:t>Evaluate Account Lookup Selection rules </a:t>
-            </a:r>
-            <a:endParaRPr lang="he-IL" sz="1200" dirty="0">
-              <a:solidFill>
-                <a:schemeClr val="bg2">
-                  <a:lumMod val="75000"/>
-                </a:schemeClr>
-              </a:solidFill>
-            </a:endParaRPr>
+              <a:t>Start </a:t>
+            </a:r>
+            <a:r>
+              <a:rPr lang="en-US" sz="1200" dirty="0" err="1"/>
+              <a:t>Dr</a:t>
+            </a:r>
+            <a:r>
+              <a:rPr lang="en-US" sz="1200" dirty="0"/>
+              <a:t>/Cr side</a:t>
+            </a:r>
+          </a:p>
+          <a:p>
+            <a:pPr algn="ctr"/>
+            <a:r>
+              <a:rPr lang="en-US" sz="1200" dirty="0"/>
+              <a:t>Processing</a:t>
+            </a:r>
+            <a:endParaRPr lang="he-IL" sz="1200" dirty="0"/>
           </a:p>
         </p:txBody>
       </p:sp>
       <p:cxnSp>
         <p:nvCxnSpPr>
-          <p:cNvPr id="14" name="Straight Arrow Connector 13"/>
+          <p:cNvPr id="28" name="Straight Arrow Connector 27"/>
           <p:cNvCxnSpPr>
-            <a:stCxn id="9" idx="3"/>
-            <a:endCxn id="12" idx="1"/>
+            <a:stCxn id="26" idx="3"/>
+            <a:endCxn id="27" idx="1"/>
           </p:cNvCxnSpPr>
           <p:nvPr/>
         </p:nvCxnSpPr>
         <p:spPr>
           <a:xfrm>
-            <a:off x="6278471" y="3437150"/>
+            <a:off x="4504460" y="2816140"/>
             <a:ext cx="454059" cy="0"/>
           </a:xfrm>
           <a:prstGeom prst="straightConnector1">
             <a:avLst/>
           </a:prstGeom>
           <a:ln w="12700">
+            <a:tailEnd type="triangle" w="lg" len="lg"/>
+          </a:ln>
+        </p:spPr>
+        <p:style>
+          <a:lnRef idx="1">
+            <a:schemeClr val="accent1"/>
+          </a:lnRef>
+          <a:fillRef idx="0">
+            <a:schemeClr val="accent1"/>
+          </a:fillRef>
+          <a:effectRef idx="0">
+            <a:schemeClr val="accent1"/>
+          </a:effectRef>
+          <a:fontRef idx="minor">
+            <a:schemeClr val="tx1"/>
+          </a:fontRef>
+        </p:style>
+      </p:cxnSp>
+      <p:sp>
+        <p:nvSpPr>
+          <p:cNvPr id="29" name="Flowchart: Predefined Process 28"/>
+          <p:cNvSpPr/>
+          <p:nvPr/>
+        </p:nvSpPr>
+        <p:spPr>
+          <a:xfrm>
+            <a:off x="7354499" y="2396647"/>
+            <a:ext cx="1941921" cy="838985"/>
+          </a:xfrm>
+          <a:prstGeom prst="flowChartPredefinedProcess">
+            <a:avLst/>
+          </a:prstGeom>
+          <a:solidFill>
+            <a:schemeClr val="accent1">
+              <a:lumMod val="20000"/>
+              <a:lumOff val="80000"/>
+            </a:schemeClr>
+          </a:solidFill>
+          <a:ln>
             <a:solidFill>
-              <a:schemeClr val="accent2">
-                <a:alpha val="44000"/>
-              </a:schemeClr>
+              <a:schemeClr val="accent2"/>
             </a:solidFill>
+          </a:ln>
+        </p:spPr>
+        <p:txBody>
+          <a:bodyPr wrap="square" lIns="0" tIns="0" rIns="0" bIns="0" rtlCol="1" anchor="ctr">
+            <a:noAutofit/>
+          </a:bodyPr>
+          <a:lstStyle/>
+          <a:p>
+            <a:pPr algn="ctr"/>
+            <a:r>
+              <a:rPr lang="en-US" sz="1200" dirty="0"/>
+              <a:t>Load account and party from GPP DB </a:t>
+            </a:r>
+            <a:endParaRPr lang="he-IL" sz="1200" dirty="0"/>
+          </a:p>
+        </p:txBody>
+      </p:sp>
+      <p:sp>
+        <p:nvSpPr>
+          <p:cNvPr id="30" name="Flowchart: Predefined Process 29"/>
+          <p:cNvSpPr/>
+          <p:nvPr/>
+        </p:nvSpPr>
+        <p:spPr>
+          <a:xfrm>
+            <a:off x="9750479" y="2401597"/>
+            <a:ext cx="1941921" cy="838985"/>
+          </a:xfrm>
+          <a:prstGeom prst="flowChartPredefinedProcess">
+            <a:avLst/>
+          </a:prstGeom>
+          <a:solidFill>
+            <a:schemeClr val="accent1">
+              <a:lumMod val="20000"/>
+              <a:lumOff val="80000"/>
+            </a:schemeClr>
+          </a:solidFill>
+          <a:ln>
+            <a:solidFill>
+              <a:schemeClr val="accent2"/>
+            </a:solidFill>
+          </a:ln>
+        </p:spPr>
+        <p:txBody>
+          <a:bodyPr wrap="square" lIns="0" tIns="0" rIns="0" bIns="0" rtlCol="1" anchor="ctr">
+            <a:noAutofit/>
+          </a:bodyPr>
+          <a:lstStyle/>
+          <a:p>
+            <a:pPr algn="ctr"/>
+            <a:r>
+              <a:rPr lang="en-US" sz="1200" dirty="0"/>
+              <a:t>Evaluate Account Lookup Selection rules </a:t>
+            </a:r>
+            <a:endParaRPr lang="he-IL" sz="1200" dirty="0"/>
+          </a:p>
+        </p:txBody>
+      </p:sp>
+      <p:cxnSp>
+        <p:nvCxnSpPr>
+          <p:cNvPr id="31" name="Straight Arrow Connector 30"/>
+          <p:cNvCxnSpPr>
+            <a:stCxn id="27" idx="3"/>
+            <a:endCxn id="29" idx="1"/>
+          </p:cNvCxnSpPr>
+          <p:nvPr/>
+        </p:nvCxnSpPr>
+        <p:spPr>
+          <a:xfrm>
+            <a:off x="6900440" y="2816140"/>
+            <a:ext cx="454059" cy="0"/>
+          </a:xfrm>
+          <a:prstGeom prst="straightConnector1">
+            <a:avLst/>
+          </a:prstGeom>
+          <a:ln w="12700">
             <a:tailEnd type="triangle" w="lg" len="lg"/>
           </a:ln>
         </p:spPr>
@@ -7518,27 +7639,22 @@
       </p:cxnSp>
       <p:cxnSp>
         <p:nvCxnSpPr>
-          <p:cNvPr id="15" name="Straight Arrow Connector 14"/>
+          <p:cNvPr id="32" name="Straight Arrow Connector 31"/>
           <p:cNvCxnSpPr>
-            <a:stCxn id="12" idx="3"/>
-            <a:endCxn id="13" idx="1"/>
+            <a:stCxn id="29" idx="3"/>
+            <a:endCxn id="30" idx="1"/>
           </p:cNvCxnSpPr>
           <p:nvPr/>
         </p:nvCxnSpPr>
         <p:spPr>
           <a:xfrm>
-            <a:off x="8674451" y="3437150"/>
-            <a:ext cx="454059" cy="0"/>
+            <a:off x="9296420" y="2816140"/>
+            <a:ext cx="454059" cy="4950"/>
           </a:xfrm>
           <a:prstGeom prst="straightConnector1">
             <a:avLst/>
           </a:prstGeom>
           <a:ln w="12700">
-            <a:solidFill>
-              <a:schemeClr val="accent2">
-                <a:alpha val="44000"/>
-              </a:schemeClr>
-            </a:solidFill>
             <a:tailEnd type="triangle" w="lg" len="lg"/>
           </a:ln>
         </p:spPr>
@@ -7559,13 +7675,13 @@
       </p:cxnSp>
       <p:sp>
         <p:nvSpPr>
-          <p:cNvPr id="16" name="Flowchart: Document 15"/>
+          <p:cNvPr id="33" name="Flowchart: Document 32"/>
           <p:cNvSpPr/>
           <p:nvPr/>
         </p:nvSpPr>
         <p:spPr>
           <a:xfrm>
-            <a:off x="201245" y="2894380"/>
+            <a:off x="823214" y="2273370"/>
             <a:ext cx="1271229" cy="1074656"/>
           </a:xfrm>
           <a:prstGeom prst="flowChartDocument">
@@ -7613,16 +7729,16 @@
       </p:sp>
       <p:cxnSp>
         <p:nvCxnSpPr>
-          <p:cNvPr id="17" name="Straight Arrow Connector 16"/>
+          <p:cNvPr id="34" name="Straight Arrow Connector 33"/>
           <p:cNvCxnSpPr>
-            <a:stCxn id="16" idx="3"/>
-            <a:endCxn id="8" idx="1"/>
+            <a:stCxn id="33" idx="3"/>
+            <a:endCxn id="26" idx="1"/>
           </p:cNvCxnSpPr>
           <p:nvPr/>
         </p:nvCxnSpPr>
         <p:spPr>
           <a:xfrm>
-            <a:off x="1472474" y="3431708"/>
+            <a:off x="2094443" y="2810698"/>
             <a:ext cx="468096" cy="5442"/>
           </a:xfrm>
           <a:prstGeom prst="straightConnector1">
@@ -7653,24 +7769,22 @@
       </p:cxnSp>
       <p:cxnSp>
         <p:nvCxnSpPr>
-          <p:cNvPr id="18" name="Straight Arrow Connector 17"/>
-          <p:cNvCxnSpPr/>
+          <p:cNvPr id="35" name="Straight Arrow Connector 34"/>
+          <p:cNvCxnSpPr>
+            <a:stCxn id="36" idx="1"/>
+            <a:endCxn id="37" idx="3"/>
+          </p:cNvCxnSpPr>
           <p:nvPr/>
         </p:nvCxnSpPr>
         <p:spPr>
           <a:xfrm flipH="1" flipV="1">
-            <a:off x="8643499" y="4743581"/>
-            <a:ext cx="454058" cy="1"/>
+            <a:off x="7802481" y="4778735"/>
+            <a:ext cx="1947998" cy="1"/>
           </a:xfrm>
           <a:prstGeom prst="straightConnector1">
             <a:avLst/>
           </a:prstGeom>
           <a:ln w="12700">
-            <a:solidFill>
-              <a:schemeClr val="accent2">
-                <a:alpha val="44000"/>
-              </a:schemeClr>
-            </a:solidFill>
             <a:tailEnd type="triangle" w="lg" len="lg"/>
           </a:ln>
         </p:spPr>
@@ -7691,13 +7805,54 @@
       </p:cxnSp>
       <p:sp>
         <p:nvSpPr>
-          <p:cNvPr id="19" name="Flowchart: Predefined Process 18"/>
+          <p:cNvPr id="36" name="Flowchart: Predefined Process 35"/>
           <p:cNvSpPr/>
           <p:nvPr/>
         </p:nvSpPr>
         <p:spPr>
           <a:xfrm>
-            <a:off x="9128510" y="4407731"/>
+            <a:off x="9750479" y="4359243"/>
+            <a:ext cx="1941921" cy="838985"/>
+          </a:xfrm>
+          <a:prstGeom prst="flowChartPredefinedProcess">
+            <a:avLst/>
+          </a:prstGeom>
+          <a:solidFill>
+            <a:schemeClr val="accent1">
+              <a:lumMod val="20000"/>
+              <a:lumOff val="80000"/>
+            </a:schemeClr>
+          </a:solidFill>
+          <a:ln>
+            <a:solidFill>
+              <a:schemeClr val="accent2"/>
+            </a:solidFill>
+          </a:ln>
+        </p:spPr>
+        <p:txBody>
+          <a:bodyPr wrap="square" lIns="0" tIns="0" rIns="0" bIns="0" rtlCol="1" anchor="ctr">
+            <a:noAutofit/>
+          </a:bodyPr>
+          <a:lstStyle/>
+          <a:p>
+            <a:pPr algn="ctr"/>
+            <a:r>
+              <a:rPr lang="en-GB" sz="1200" dirty="0"/>
+              <a:t>Create account lookup request </a:t>
+            </a:r>
+            <a:endParaRPr lang="he-IL" sz="1200" dirty="0"/>
+          </a:p>
+        </p:txBody>
+      </p:sp>
+      <p:sp>
+        <p:nvSpPr>
+          <p:cNvPr id="37" name="Flowchart: Predefined Process 36"/>
+          <p:cNvSpPr/>
+          <p:nvPr/>
+        </p:nvSpPr>
+        <p:spPr>
+          <a:xfrm>
+            <a:off x="5860560" y="4359242"/>
             <a:ext cx="1941921" cy="838985"/>
           </a:xfrm>
           <a:prstGeom prst="flowChartPredefinedProcess">
@@ -7725,105 +7880,46 @@
             <a:pPr algn="ctr"/>
             <a:r>
               <a:rPr lang="en-GB" sz="1200" dirty="0"/>
-              <a:t>Create account lookup request </a:t>
-            </a:r>
-            <a:endParaRPr lang="he-IL" sz="1200" dirty="0">
-              <a:solidFill>
-                <a:schemeClr val="bg2">
-                  <a:lumMod val="75000"/>
-                </a:schemeClr>
-              </a:solidFill>
-            </a:endParaRPr>
-          </a:p>
-        </p:txBody>
-      </p:sp>
-      <p:sp>
-        <p:nvSpPr>
-          <p:cNvPr id="20" name="Flowchart: Predefined Process 19"/>
-          <p:cNvSpPr/>
-          <p:nvPr/>
-        </p:nvSpPr>
-        <p:spPr>
-          <a:xfrm>
-            <a:off x="6687729" y="4418705"/>
-            <a:ext cx="1941921" cy="838985"/>
-          </a:xfrm>
-          <a:prstGeom prst="flowChartPredefinedProcess">
-            <a:avLst/>
-          </a:prstGeom>
-          <a:solidFill>
-            <a:schemeClr val="bg2"/>
-          </a:solidFill>
-          <a:ln>
-            <a:solidFill>
-              <a:schemeClr val="accent2">
-                <a:lumMod val="40000"/>
-                <a:lumOff val="60000"/>
-                <a:alpha val="44000"/>
-              </a:schemeClr>
-            </a:solidFill>
-          </a:ln>
-        </p:spPr>
-        <p:txBody>
-          <a:bodyPr wrap="square" lIns="0" tIns="0" rIns="0" bIns="0" rtlCol="1" anchor="ctr">
-            <a:noAutofit/>
-          </a:bodyPr>
-          <a:lstStyle/>
+              <a:t>Wait </a:t>
+            </a:r>
+            <a:r>
+              <a:rPr lang="en-GB" sz="1200" dirty="0"/>
+              <a:t>Behaviour Wait CDB </a:t>
+            </a:r>
+          </a:p>
           <a:p>
             <a:pPr algn="ctr"/>
             <a:r>
               <a:rPr lang="en-GB" sz="1200" dirty="0"/>
-              <a:t>Wait </a:t>
-            </a:r>
-            <a:r>
-              <a:rPr lang="en-GB" sz="1200" dirty="0" err="1"/>
-              <a:t>Behavior</a:t>
-            </a:r>
-            <a:r>
-              <a:rPr lang="en-GB" sz="1200" dirty="0"/>
-              <a:t> </a:t>
-            </a:r>
-            <a:r>
-              <a:rPr lang="en-GB" sz="1200" dirty="0" err="1"/>
-              <a:t>WaitCDB</a:t>
-            </a:r>
-            <a:r>
-              <a:rPr lang="en-GB" sz="1200" dirty="0"/>
-              <a:t> </a:t>
-            </a:r>
-            <a:endParaRPr lang="he-IL" sz="1200" dirty="0">
-              <a:solidFill>
-                <a:schemeClr val="bg2">
-                  <a:lumMod val="75000"/>
-                </a:schemeClr>
-              </a:solidFill>
-            </a:endParaRPr>
+              <a:t>(CDBWAIT </a:t>
+            </a:r>
+            <a:r>
+              <a:rPr lang="en-GB" sz="1200" dirty="0" smtClean="0"/>
+              <a:t>queue)</a:t>
+            </a:r>
+            <a:endParaRPr lang="he-IL" sz="1200" dirty="0"/>
           </a:p>
         </p:txBody>
       </p:sp>
       <p:cxnSp>
         <p:nvCxnSpPr>
-          <p:cNvPr id="21" name="Straight Connector 20"/>
+          <p:cNvPr id="38" name="Straight Arrow Connector 37"/>
           <p:cNvCxnSpPr>
-            <a:stCxn id="13" idx="3"/>
+            <a:stCxn id="30" idx="2"/>
+            <a:endCxn id="36" idx="0"/>
           </p:cNvCxnSpPr>
           <p:nvPr/>
         </p:nvCxnSpPr>
         <p:spPr>
-          <a:xfrm flipV="1">
-            <a:off x="11070431" y="3431708"/>
-            <a:ext cx="248841" cy="5442"/>
-          </a:xfrm>
-          <a:prstGeom prst="line">
+          <a:xfrm>
+            <a:off x="10721440" y="3240582"/>
+            <a:ext cx="0" cy="1118661"/>
+          </a:xfrm>
+          <a:prstGeom prst="straightConnector1">
             <a:avLst/>
           </a:prstGeom>
-          <a:ln>
-            <a:solidFill>
-              <a:schemeClr val="accent5">
-                <a:lumMod val="60000"/>
-                <a:lumOff val="40000"/>
-              </a:schemeClr>
-            </a:solidFill>
+          <a:ln w="12700">
+            <a:tailEnd type="triangle" w="lg" len="lg"/>
           </a:ln>
         </p:spPr>
         <p:style>
@@ -7841,185 +7937,16 @@
           </a:fontRef>
         </p:style>
       </p:cxnSp>
-      <p:cxnSp>
-        <p:nvCxnSpPr>
-          <p:cNvPr id="22" name="Straight Connector 21"/>
-          <p:cNvCxnSpPr/>
-          <p:nvPr/>
-        </p:nvCxnSpPr>
-        <p:spPr>
-          <a:xfrm>
-            <a:off x="11319272" y="3431708"/>
-            <a:ext cx="0" cy="1395515"/>
-          </a:xfrm>
-          <a:prstGeom prst="line">
-            <a:avLst/>
-          </a:prstGeom>
-          <a:ln>
-            <a:solidFill>
-              <a:schemeClr val="accent5">
-                <a:lumMod val="75000"/>
-              </a:schemeClr>
-            </a:solidFill>
-          </a:ln>
-        </p:spPr>
-        <p:style>
-          <a:lnRef idx="1">
-            <a:schemeClr val="accent1"/>
-          </a:lnRef>
-          <a:fillRef idx="0">
-            <a:schemeClr val="accent1"/>
-          </a:fillRef>
-          <a:effectRef idx="0">
-            <a:schemeClr val="accent1"/>
-          </a:effectRef>
-          <a:fontRef idx="minor">
-            <a:schemeClr val="tx1"/>
-          </a:fontRef>
-        </p:style>
-      </p:cxnSp>
-      <p:cxnSp>
-        <p:nvCxnSpPr>
-          <p:cNvPr id="23" name="Straight Arrow Connector 22"/>
-          <p:cNvCxnSpPr>
-            <a:endCxn id="19" idx="3"/>
-          </p:cNvCxnSpPr>
-          <p:nvPr/>
-        </p:nvCxnSpPr>
-        <p:spPr>
-          <a:xfrm flipH="1">
-            <a:off x="11070431" y="4827223"/>
-            <a:ext cx="248841" cy="1"/>
-          </a:xfrm>
-          <a:prstGeom prst="straightConnector1">
-            <a:avLst/>
-          </a:prstGeom>
-          <a:ln w="12700">
-            <a:solidFill>
-              <a:schemeClr val="accent2">
-                <a:alpha val="44000"/>
-              </a:schemeClr>
-            </a:solidFill>
-            <a:tailEnd type="triangle" w="lg" len="lg"/>
-          </a:ln>
-        </p:spPr>
-        <p:style>
-          <a:lnRef idx="1">
-            <a:schemeClr val="accent1"/>
-          </a:lnRef>
-          <a:fillRef idx="0">
-            <a:schemeClr val="accent1"/>
-          </a:fillRef>
-          <a:effectRef idx="0">
-            <a:schemeClr val="accent1"/>
-          </a:effectRef>
-          <a:fontRef idx="minor">
-            <a:schemeClr val="tx1"/>
-          </a:fontRef>
-        </p:style>
-      </p:cxnSp>
-      <p:cxnSp>
-        <p:nvCxnSpPr>
-          <p:cNvPr id="24" name="Straight Arrow Connector 23"/>
-          <p:cNvCxnSpPr>
-            <a:endCxn id="25" idx="3"/>
-          </p:cNvCxnSpPr>
-          <p:nvPr/>
-        </p:nvCxnSpPr>
-        <p:spPr>
-          <a:xfrm flipH="1">
-            <a:off x="5576885" y="4838198"/>
-            <a:ext cx="1116585" cy="0"/>
-          </a:xfrm>
-          <a:prstGeom prst="straightConnector1">
-            <a:avLst/>
-          </a:prstGeom>
-          <a:ln w="12700">
-            <a:solidFill>
-              <a:schemeClr val="accent2">
-                <a:alpha val="44000"/>
-              </a:schemeClr>
-            </a:solidFill>
-            <a:tailEnd type="triangle" w="lg" len="lg"/>
-          </a:ln>
-        </p:spPr>
-        <p:style>
-          <a:lnRef idx="1">
-            <a:schemeClr val="accent1"/>
-          </a:lnRef>
-          <a:fillRef idx="0">
-            <a:schemeClr val="accent1"/>
-          </a:fillRef>
-          <a:effectRef idx="0">
-            <a:schemeClr val="accent1"/>
-          </a:effectRef>
-          <a:fontRef idx="minor">
-            <a:schemeClr val="tx1"/>
-          </a:fontRef>
-        </p:style>
-      </p:cxnSp>
-      <p:sp>
-        <p:nvSpPr>
-          <p:cNvPr id="25" name="Flowchart: Predefined Process 24"/>
-          <p:cNvSpPr/>
-          <p:nvPr/>
-        </p:nvSpPr>
-        <p:spPr>
-          <a:xfrm>
-            <a:off x="3634964" y="4418705"/>
-            <a:ext cx="1941921" cy="838985"/>
-          </a:xfrm>
-          <a:prstGeom prst="flowChartPredefinedProcess">
-            <a:avLst/>
-          </a:prstGeom>
-          <a:solidFill>
-            <a:schemeClr val="bg2"/>
-          </a:solidFill>
-          <a:ln>
-            <a:solidFill>
-              <a:schemeClr val="accent2">
-                <a:lumMod val="40000"/>
-                <a:lumOff val="60000"/>
-                <a:alpha val="44000"/>
-              </a:schemeClr>
-            </a:solidFill>
-          </a:ln>
-        </p:spPr>
-        <p:txBody>
-          <a:bodyPr wrap="square" lIns="0" tIns="0" rIns="0" bIns="0" rtlCol="1" anchor="ctr">
-            <a:noAutofit/>
-          </a:bodyPr>
-          <a:lstStyle/>
-          <a:p>
-            <a:pPr algn="ctr"/>
-            <a:r>
-              <a:rPr lang="en-US" sz="1200" dirty="0"/>
-              <a:t>Message continue </a:t>
-            </a:r>
-            <a:r>
-              <a:rPr lang="en-US" sz="1200" dirty="0" smtClean="0"/>
-              <a:t> with the flow</a:t>
-            </a:r>
-            <a:endParaRPr lang="he-IL" sz="1200" dirty="0">
-              <a:solidFill>
-                <a:schemeClr val="bg2">
-                  <a:lumMod val="75000"/>
-                </a:schemeClr>
-              </a:solidFill>
-            </a:endParaRPr>
-          </a:p>
-        </p:txBody>
-      </p:sp>
-      <p:sp>
-        <p:nvSpPr>
-          <p:cNvPr id="3" name="TextBox 2"/>
+      <p:sp>
+        <p:nvSpPr>
+          <p:cNvPr id="44" name="TextBox 43"/>
           <p:cNvSpPr txBox="1"/>
           <p:nvPr/>
         </p:nvSpPr>
         <p:spPr>
           <a:xfrm>
-            <a:off x="5850221" y="4276135"/>
-            <a:ext cx="922558" cy="467447"/>
+            <a:off x="7985016" y="4443556"/>
+            <a:ext cx="1646271" cy="309408"/>
           </a:xfrm>
           <a:prstGeom prst="rect">
             <a:avLst/>
@@ -8032,22 +7959,80 @@
           </a:bodyPr>
           <a:lstStyle/>
           <a:p>
+            <a:pPr algn="ctr"/>
             <a:r>
               <a:rPr lang="en-US" sz="1100" dirty="0" smtClean="0">
                 <a:solidFill>
-                  <a:schemeClr val="tx2"/>
+                  <a:schemeClr val="accent1"/>
                 </a:solidFill>
               </a:rPr>
-              <a:t>Positive response</a:t>
+              <a:t>account lookup request</a:t>
             </a:r>
             <a:endParaRPr lang="en-GB" sz="1100" dirty="0" err="1" smtClean="0">
               <a:solidFill>
-                <a:schemeClr val="tx2"/>
+                <a:schemeClr val="accent1"/>
               </a:solidFill>
             </a:endParaRPr>
           </a:p>
         </p:txBody>
       </p:sp>
+      <p:graphicFrame>
+        <p:nvGraphicFramePr>
+          <p:cNvPr id="46" name="Object 45"/>
+          <p:cNvGraphicFramePr>
+            <a:graphicFrameLocks noChangeAspect="1"/>
+          </p:cNvGraphicFramePr>
+          <p:nvPr>
+            <p:extLst>
+              <p:ext uri="{D42A27DB-BD31-4B8C-83A1-F6EECF244321}">
+                <p14:modId xmlns:p14="http://schemas.microsoft.com/office/powerpoint/2010/main" val="2263963297"/>
+              </p:ext>
+            </p:extLst>
+          </p:nvPr>
+        </p:nvGraphicFramePr>
+        <p:xfrm>
+          <a:off x="2875752" y="5084822"/>
+          <a:ext cx="2875613" cy="482600"/>
+        </p:xfrm>
+        <a:graphic>
+          <a:graphicData uri="http://schemas.openxmlformats.org/presentationml/2006/ole">
+            <mc:AlternateContent xmlns:mc="http://schemas.openxmlformats.org/markup-compatibility/2006">
+              <mc:Choice xmlns:v="urn:schemas-microsoft-com:vml" Requires="v">
+                <p:oleObj spid="_x0000_s2058" name="Packager Shell Object" showAsIcon="1" r:id="rId4" imgW="3005280" imgH="482400" progId="Package">
+                  <p:embed/>
+                </p:oleObj>
+              </mc:Choice>
+              <mc:Fallback>
+                <p:oleObj name="Packager Shell Object" showAsIcon="1" r:id="rId4" imgW="3005280" imgH="482400" progId="Package">
+                  <p:embed/>
+                  <p:pic>
+                    <p:nvPicPr>
+                      <p:cNvPr id="0" name=""/>
+                      <p:cNvPicPr/>
+                      <p:nvPr/>
+                    </p:nvPicPr>
+                    <p:blipFill>
+                      <a:blip r:embed="rId5"/>
+                      <a:stretch>
+                        <a:fillRect/>
+                      </a:stretch>
+                    </p:blipFill>
+                    <p:spPr>
+                      <a:xfrm>
+                        <a:off x="2875752" y="5084822"/>
+                        <a:ext cx="2875613" cy="482600"/>
+                      </a:xfrm>
+                      <a:prstGeom prst="rect">
+                        <a:avLst/>
+                      </a:prstGeom>
+                    </p:spPr>
+                  </p:pic>
+                </p:oleObj>
+              </mc:Fallback>
+            </mc:AlternateContent>
+          </a:graphicData>
+        </a:graphic>
+      </p:graphicFrame>
     </p:spTree>
     <p:extLst>
       <p:ext uri="{BB962C8B-B14F-4D97-AF65-F5344CB8AC3E}">
@@ -8113,12 +8098,20 @@
           <a:lstStyle/>
           <a:p>
             <a:r>
+              <a:rPr lang="en-US" dirty="0" smtClean="0">
+                <a:solidFill>
+                  <a:schemeClr val="accent2"/>
+                </a:solidFill>
+              </a:rPr>
+              <a:t>general </a:t>
+            </a:r>
+            <a:r>
               <a:rPr lang="en-US" dirty="0">
                 <a:solidFill>
                   <a:schemeClr val="accent2"/>
                 </a:solidFill>
               </a:rPr>
-              <a:t>Account lookup general flow</a:t>
+              <a:t>flow</a:t>
             </a:r>
             <a:endParaRPr lang="en-GB" dirty="0"/>
           </a:p>
@@ -8134,7 +8127,12 @@
             <p:ph type="dt" sz="half" idx="10"/>
           </p:nvPr>
         </p:nvSpPr>
-        <p:spPr/>
+        <p:spPr>
+          <a:xfrm>
+            <a:off x="1607940" y="3835628"/>
+            <a:ext cx="1400908" cy="365125"/>
+          </a:xfrm>
+        </p:spPr>
         <p:txBody>
           <a:bodyPr/>
           <a:lstStyle/>
@@ -8142,7 +8140,7 @@
             <a:fld id="{BC3F1638-3586-4527-A760-38AC15BFC248}" type="datetime4">
               <a:rPr lang="en-GB" smtClean="0"/>
               <a:pPr/>
-              <a:t>18 February 2018</a:t>
+              <a:t>01 March 2018</a:t>
             </a:fld>
             <a:endParaRPr lang="en-GB" dirty="0"/>
           </a:p>
@@ -8158,7 +8156,12 @@
             <p:ph type="sldNum" sz="quarter" idx="12"/>
           </p:nvPr>
         </p:nvSpPr>
-        <p:spPr/>
+        <p:spPr>
+          <a:xfrm>
+            <a:off x="11178923" y="5895248"/>
+            <a:ext cx="497682" cy="365125"/>
+          </a:xfrm>
+        </p:spPr>
         <p:txBody>
           <a:bodyPr/>
           <a:lstStyle/>
@@ -8180,8 +8183,8 @@
         </p:nvSpPr>
         <p:spPr>
           <a:xfrm>
-            <a:off x="481013" y="1044087"/>
-            <a:ext cx="9120187" cy="3611758"/>
+            <a:off x="1472474" y="1375948"/>
+            <a:ext cx="9120187" cy="590931"/>
           </a:xfrm>
           <a:prstGeom prst="rect">
             <a:avLst/>
@@ -8206,108 +8209,89 @@
               </a:spcBef>
               <a:buSzPct val="150000"/>
             </a:pPr>
-            <a:endParaRPr lang="en-US" dirty="0" smtClean="0"/>
-          </a:p>
-          <a:p>
-            <a:pPr marL="411163" indent="-411163">
-              <a:lnSpc>
-                <a:spcPct val="90000"/>
-              </a:lnSpc>
-              <a:spcBef>
-                <a:spcPts val="1500"/>
-              </a:spcBef>
-              <a:buSzPct val="150000"/>
-              <a:buBlip>
-                <a:blip r:embed="rId3"/>
-              </a:buBlip>
-            </a:pPr>
             <a:r>
               <a:rPr lang="en-US" dirty="0" smtClean="0"/>
-              <a:t>If a response with posting restrictions, the message is routed to the Posting Restriction (POSTREST) queue, for manual override or retry. </a:t>
-            </a:r>
-          </a:p>
-          <a:p>
-            <a:pPr marL="411163" indent="-411163">
-              <a:lnSpc>
-                <a:spcPct val="90000"/>
-              </a:lnSpc>
-              <a:spcBef>
-                <a:spcPts val="1500"/>
-              </a:spcBef>
-              <a:buSzPct val="150000"/>
-              <a:buBlip>
-                <a:blip r:embed="rId3"/>
-              </a:buBlip>
-            </a:pPr>
-            <a:endParaRPr lang="en-US" dirty="0" smtClean="0"/>
-          </a:p>
-          <a:p>
-            <a:endParaRPr lang="en-US" sz="1600" dirty="0" smtClean="0"/>
-          </a:p>
-          <a:p>
-            <a:endParaRPr lang="en-US" sz="1600" dirty="0"/>
-          </a:p>
-          <a:p>
-            <a:endParaRPr lang="en-GB" sz="1600" dirty="0"/>
-          </a:p>
-          <a:p>
-            <a:endParaRPr lang="en-US" sz="1600" dirty="0" smtClean="0"/>
-          </a:p>
-          <a:p>
-            <a:endParaRPr lang="en-US" sz="1600" dirty="0" smtClean="0"/>
-          </a:p>
-          <a:p>
-            <a:endParaRPr lang="en-US" sz="1600" dirty="0" smtClean="0"/>
-          </a:p>
-          <a:p>
-            <a:endParaRPr lang="en-GB" sz="1600" dirty="0"/>
-          </a:p>
-          <a:p>
-            <a:pPr marL="411163" indent="-411163">
-              <a:lnSpc>
-                <a:spcPct val="90000"/>
-              </a:lnSpc>
-              <a:spcBef>
-                <a:spcPts val="1500"/>
-              </a:spcBef>
-              <a:buSzPct val="150000"/>
-              <a:buBlip>
-                <a:blip r:embed="rId3"/>
-              </a:buBlip>
-            </a:pPr>
-            <a:endParaRPr lang="he-IL" sz="1600" dirty="0"/>
-          </a:p>
-        </p:txBody>
-      </p:sp>
-      <p:sp>
-        <p:nvSpPr>
-          <p:cNvPr id="8" name="TextBox 7"/>
+              <a:t>If </a:t>
+            </a:r>
+            <a:r>
+              <a:rPr lang="en-US" dirty="0" smtClean="0"/>
+              <a:t>a response with posting restrictions, the message is routed to the Posting Restriction (POSTREST) queue, for manual override or retry. </a:t>
+            </a:r>
+          </a:p>
+        </p:txBody>
+      </p:sp>
+      <p:sp>
+        <p:nvSpPr>
+          <p:cNvPr id="34" name="Flowchart: Predefined Process 33"/>
+          <p:cNvSpPr/>
+          <p:nvPr/>
+        </p:nvSpPr>
+        <p:spPr>
+          <a:xfrm>
+            <a:off x="589548" y="4575353"/>
+            <a:ext cx="1941921" cy="838985"/>
+          </a:xfrm>
+          <a:prstGeom prst="flowChartPredefinedProcess">
+            <a:avLst/>
+          </a:prstGeom>
+          <a:solidFill>
+            <a:schemeClr val="accent2"/>
+          </a:solidFill>
+          <a:ln>
+            <a:solidFill>
+              <a:schemeClr val="accent1"/>
+            </a:solidFill>
+          </a:ln>
+        </p:spPr>
+        <p:txBody>
+          <a:bodyPr wrap="square" lIns="0" tIns="0" rIns="0" bIns="0" rtlCol="1" anchor="ctr">
+            <a:noAutofit/>
+          </a:bodyPr>
+          <a:lstStyle/>
+          <a:p>
+            <a:pPr algn="ctr"/>
+            <a:r>
+              <a:rPr lang="en-US" sz="1200" b="1" dirty="0">
+                <a:solidFill>
+                  <a:schemeClr val="bg1"/>
+                </a:solidFill>
+              </a:rPr>
+              <a:t>Message is routed </a:t>
+            </a:r>
+            <a:r>
+              <a:rPr lang="en-US" sz="1200" b="1" dirty="0" smtClean="0">
+                <a:solidFill>
+                  <a:schemeClr val="bg1"/>
+                </a:solidFill>
+              </a:rPr>
+              <a:t>(POSTREST queue) </a:t>
+            </a:r>
+            <a:endParaRPr lang="he-IL" sz="1200" b="1" dirty="0">
+              <a:solidFill>
+                <a:schemeClr val="bg1"/>
+              </a:solidFill>
+            </a:endParaRPr>
+          </a:p>
+        </p:txBody>
+      </p:sp>
+      <p:sp>
+        <p:nvSpPr>
+          <p:cNvPr id="35" name="TextBox 34"/>
           <p:cNvSpPr txBox="1"/>
           <p:nvPr/>
         </p:nvSpPr>
         <p:spPr>
           <a:xfrm>
-            <a:off x="1940570" y="3017657"/>
-            <a:ext cx="1941921" cy="838985"/>
+            <a:off x="3019988" y="4668951"/>
+            <a:ext cx="2057868" cy="467447"/>
           </a:xfrm>
           <a:prstGeom prst="rect">
             <a:avLst/>
           </a:prstGeom>
-          <a:solidFill>
-            <a:schemeClr val="bg2"/>
-          </a:solidFill>
-          <a:ln>
-            <a:solidFill>
-              <a:schemeClr val="accent2">
-                <a:lumMod val="40000"/>
-                <a:lumOff val="60000"/>
-                <a:alpha val="44000"/>
-              </a:schemeClr>
-            </a:solidFill>
-          </a:ln>
-        </p:spPr>
-        <p:txBody>
-          <a:bodyPr wrap="square" lIns="0" tIns="0" rIns="0" bIns="0" rtlCol="1" anchor="ctr">
+          <a:noFill/>
+        </p:spPr>
+        <p:txBody>
+          <a:bodyPr wrap="square" lIns="0" tIns="0" rIns="0" bIns="0" rtlCol="0">
             <a:noAutofit/>
           </a:bodyPr>
           <a:lstStyle>
@@ -8315,112 +8299,44 @@
               <a:defRPr lang="en-US"/>
             </a:defPPr>
             <a:lvl1pPr algn="ctr">
-              <a:defRPr sz="1200">
+              <a:defRPr sz="1100" b="1">
                 <a:solidFill>
-                  <a:schemeClr val="bg2">
-                    <a:lumMod val="75000"/>
-                  </a:schemeClr>
+                  <a:schemeClr val="accent2"/>
                 </a:solidFill>
               </a:defRPr>
             </a:lvl1pPr>
           </a:lstStyle>
           <a:p>
             <a:r>
-              <a:rPr lang="en-US" dirty="0">
-                <a:solidFill>
-                  <a:schemeClr val="tx1"/>
-                </a:solidFill>
-              </a:rPr>
-              <a:t>Receive Payment Instruction</a:t>
-            </a:r>
-            <a:endParaRPr lang="he-IL" dirty="0" err="1">
-              <a:solidFill>
-                <a:schemeClr val="tx1"/>
-              </a:solidFill>
-            </a:endParaRPr>
-          </a:p>
-        </p:txBody>
-      </p:sp>
-      <p:sp>
-        <p:nvSpPr>
-          <p:cNvPr id="9" name="Flowchart: Predefined Process 8"/>
-          <p:cNvSpPr/>
-          <p:nvPr/>
-        </p:nvSpPr>
-        <p:spPr>
-          <a:xfrm>
-            <a:off x="4336550" y="3017657"/>
-            <a:ext cx="1941921" cy="838985"/>
-          </a:xfrm>
-          <a:prstGeom prst="flowChartPredefinedProcess">
-            <a:avLst/>
-          </a:prstGeom>
-          <a:solidFill>
-            <a:schemeClr val="bg2"/>
-          </a:solidFill>
-          <a:ln>
-            <a:solidFill>
-              <a:schemeClr val="accent2">
-                <a:lumMod val="40000"/>
-                <a:lumOff val="60000"/>
-                <a:alpha val="44000"/>
-              </a:schemeClr>
-            </a:solidFill>
-          </a:ln>
-        </p:spPr>
-        <p:txBody>
-          <a:bodyPr wrap="square" lIns="0" tIns="0" rIns="0" bIns="0" rtlCol="1" anchor="ctr">
-            <a:noAutofit/>
-          </a:bodyPr>
-          <a:lstStyle/>
-          <a:p>
-            <a:pPr algn="ctr"/>
-            <a:r>
-              <a:rPr lang="en-US" sz="1200" dirty="0"/>
-              <a:t>Start </a:t>
-            </a:r>
-            <a:r>
-              <a:rPr lang="en-US" sz="1200" dirty="0" err="1"/>
-              <a:t>Dr</a:t>
-            </a:r>
-            <a:r>
-              <a:rPr lang="en-US" sz="1200" dirty="0"/>
-              <a:t>/Cr side</a:t>
-            </a:r>
-          </a:p>
-          <a:p>
-            <a:pPr algn="ctr"/>
-            <a:r>
-              <a:rPr lang="en-US" sz="1200" dirty="0"/>
-              <a:t>Processing</a:t>
-            </a:r>
-            <a:endParaRPr lang="he-IL" sz="1200" dirty="0"/>
+              <a:rPr lang="en-US" dirty="0"/>
+              <a:t>Posting Restriction response</a:t>
+            </a:r>
+            <a:endParaRPr lang="en-GB" dirty="0" err="1"/>
           </a:p>
         </p:txBody>
       </p:sp>
       <p:cxnSp>
         <p:nvCxnSpPr>
-          <p:cNvPr id="10" name="Straight Arrow Connector 9"/>
+          <p:cNvPr id="36" name="Straight Arrow Connector 35"/>
           <p:cNvCxnSpPr>
-            <a:stCxn id="8" idx="3"/>
-            <a:endCxn id="9" idx="1"/>
+            <a:stCxn id="50" idx="1"/>
+            <a:endCxn id="34" idx="3"/>
           </p:cNvCxnSpPr>
           <p:nvPr/>
         </p:nvCxnSpPr>
         <p:spPr>
-          <a:xfrm>
-            <a:off x="3882491" y="3437150"/>
-            <a:ext cx="454059" cy="0"/>
+          <a:xfrm flipH="1" flipV="1">
+            <a:off x="2531469" y="4994846"/>
+            <a:ext cx="3064455" cy="9284"/>
           </a:xfrm>
           <a:prstGeom prst="straightConnector1">
             <a:avLst/>
           </a:prstGeom>
-          <a:ln w="12700">
+          <a:ln w="28575" cmpd="sng">
             <a:solidFill>
-              <a:schemeClr val="accent2">
-                <a:alpha val="44000"/>
-              </a:schemeClr>
+              <a:schemeClr val="accent2"/>
             </a:solidFill>
+            <a:prstDash val="sysDot"/>
             <a:tailEnd type="triangle" w="lg" len="lg"/>
           </a:ln>
         </p:spPr>
@@ -8441,28 +8357,74 @@
       </p:cxnSp>
       <p:sp>
         <p:nvSpPr>
-          <p:cNvPr id="12" name="Flowchart: Predefined Process 11"/>
+          <p:cNvPr id="39" name="TextBox 38"/>
+          <p:cNvSpPr txBox="1"/>
+          <p:nvPr/>
+        </p:nvSpPr>
+        <p:spPr>
+          <a:xfrm>
+            <a:off x="2297903" y="2622042"/>
+            <a:ext cx="1941921" cy="838985"/>
+          </a:xfrm>
+          <a:prstGeom prst="rect">
+            <a:avLst/>
+          </a:prstGeom>
+          <a:solidFill>
+            <a:schemeClr val="accent1">
+              <a:lumMod val="20000"/>
+              <a:lumOff val="80000"/>
+            </a:schemeClr>
+          </a:solidFill>
+          <a:ln>
+            <a:solidFill>
+              <a:schemeClr val="accent2"/>
+            </a:solidFill>
+          </a:ln>
+        </p:spPr>
+        <p:txBody>
+          <a:bodyPr wrap="square" lIns="0" tIns="0" rIns="0" bIns="0" rtlCol="1" anchor="ctr">
+            <a:noAutofit/>
+          </a:bodyPr>
+          <a:lstStyle>
+            <a:defPPr>
+              <a:defRPr lang="en-US"/>
+            </a:defPPr>
+            <a:lvl1pPr algn="ctr">
+              <a:defRPr sz="1200"/>
+            </a:lvl1pPr>
+          </a:lstStyle>
+          <a:p>
+            <a:r>
+              <a:rPr lang="en-US" dirty="0"/>
+              <a:t>Receive Payment Instruction</a:t>
+            </a:r>
+            <a:endParaRPr lang="he-IL" dirty="0" err="1"/>
+          </a:p>
+        </p:txBody>
+      </p:sp>
+      <p:sp>
+        <p:nvSpPr>
+          <p:cNvPr id="40" name="Flowchart: Predefined Process 39"/>
           <p:cNvSpPr/>
           <p:nvPr/>
         </p:nvSpPr>
         <p:spPr>
           <a:xfrm>
-            <a:off x="6732530" y="3017657"/>
+            <a:off x="4693883" y="2622042"/>
             <a:ext cx="1941921" cy="838985"/>
           </a:xfrm>
           <a:prstGeom prst="flowChartPredefinedProcess">
             <a:avLst/>
           </a:prstGeom>
           <a:solidFill>
-            <a:schemeClr val="bg2"/>
+            <a:schemeClr val="accent1">
+              <a:lumMod val="20000"/>
+              <a:lumOff val="80000"/>
+            </a:schemeClr>
           </a:solidFill>
           <a:ln>
             <a:solidFill>
-              <a:schemeClr val="accent2">
-                <a:lumMod val="40000"/>
-                <a:lumOff val="60000"/>
-                <a:alpha val="44000"/>
-              </a:schemeClr>
+              <a:schemeClr val="accent2"/>
             </a:solidFill>
           </a:ln>
         </p:spPr>
@@ -8475,42 +8437,86 @@
             <a:pPr algn="ctr"/>
             <a:r>
               <a:rPr lang="en-US" sz="1200" dirty="0"/>
-              <a:t>Load account and party from GPP DB </a:t>
-            </a:r>
-            <a:endParaRPr lang="he-IL" sz="1200" dirty="0">
-              <a:solidFill>
-                <a:schemeClr val="bg2">
-                  <a:lumMod val="75000"/>
-                </a:schemeClr>
-              </a:solidFill>
-            </a:endParaRPr>
-          </a:p>
-        </p:txBody>
-      </p:sp>
-      <p:sp>
-        <p:nvSpPr>
-          <p:cNvPr id="13" name="Flowchart: Predefined Process 12"/>
+              <a:t>Start </a:t>
+            </a:r>
+            <a:r>
+              <a:rPr lang="en-US" sz="1200" dirty="0" err="1"/>
+              <a:t>Dr</a:t>
+            </a:r>
+            <a:r>
+              <a:rPr lang="en-US" sz="1200" dirty="0"/>
+              <a:t>/Cr side</a:t>
+            </a:r>
+          </a:p>
+          <a:p>
+            <a:pPr algn="ctr"/>
+            <a:r>
+              <a:rPr lang="en-US" sz="1200" dirty="0"/>
+              <a:t>Processing</a:t>
+            </a:r>
+            <a:endParaRPr lang="he-IL" sz="1200" dirty="0"/>
+          </a:p>
+        </p:txBody>
+      </p:sp>
+      <p:cxnSp>
+        <p:nvCxnSpPr>
+          <p:cNvPr id="41" name="Straight Arrow Connector 40"/>
+          <p:cNvCxnSpPr>
+            <a:stCxn id="39" idx="3"/>
+            <a:endCxn id="40" idx="1"/>
+          </p:cNvCxnSpPr>
+          <p:nvPr/>
+        </p:nvCxnSpPr>
+        <p:spPr>
+          <a:xfrm>
+            <a:off x="4239824" y="3041535"/>
+            <a:ext cx="454059" cy="0"/>
+          </a:xfrm>
+          <a:prstGeom prst="straightConnector1">
+            <a:avLst/>
+          </a:prstGeom>
+          <a:ln w="12700">
+            <a:tailEnd type="triangle" w="lg" len="lg"/>
+          </a:ln>
+        </p:spPr>
+        <p:style>
+          <a:lnRef idx="1">
+            <a:schemeClr val="accent1"/>
+          </a:lnRef>
+          <a:fillRef idx="0">
+            <a:schemeClr val="accent1"/>
+          </a:fillRef>
+          <a:effectRef idx="0">
+            <a:schemeClr val="accent1"/>
+          </a:effectRef>
+          <a:fontRef idx="minor">
+            <a:schemeClr val="tx1"/>
+          </a:fontRef>
+        </p:style>
+      </p:cxnSp>
+      <p:sp>
+        <p:nvSpPr>
+          <p:cNvPr id="42" name="Flowchart: Predefined Process 41"/>
           <p:cNvSpPr/>
           <p:nvPr/>
         </p:nvSpPr>
         <p:spPr>
           <a:xfrm>
-            <a:off x="9128510" y="3017657"/>
+            <a:off x="7089863" y="2622042"/>
             <a:ext cx="1941921" cy="838985"/>
           </a:xfrm>
           <a:prstGeom prst="flowChartPredefinedProcess">
             <a:avLst/>
           </a:prstGeom>
           <a:solidFill>
-            <a:schemeClr val="bg2"/>
+            <a:schemeClr val="accent1">
+              <a:lumMod val="20000"/>
+              <a:lumOff val="80000"/>
+            </a:schemeClr>
           </a:solidFill>
           <a:ln>
             <a:solidFill>
-              <a:schemeClr val="accent2">
-                <a:lumMod val="40000"/>
-                <a:lumOff val="60000"/>
-                <a:alpha val="44000"/>
-              </a:schemeClr>
+              <a:schemeClr val="accent2"/>
             </a:solidFill>
           </a:ln>
         </p:spPr>
@@ -8523,41 +8529,71 @@
             <a:pPr algn="ctr"/>
             <a:r>
               <a:rPr lang="en-US" sz="1200" dirty="0"/>
+              <a:t>Load account and party from GPP DB </a:t>
+            </a:r>
+            <a:endParaRPr lang="he-IL" sz="1200" dirty="0"/>
+          </a:p>
+        </p:txBody>
+      </p:sp>
+      <p:sp>
+        <p:nvSpPr>
+          <p:cNvPr id="43" name="Flowchart: Predefined Process 42"/>
+          <p:cNvSpPr/>
+          <p:nvPr/>
+        </p:nvSpPr>
+        <p:spPr>
+          <a:xfrm>
+            <a:off x="9485843" y="2626992"/>
+            <a:ext cx="1941921" cy="838985"/>
+          </a:xfrm>
+          <a:prstGeom prst="flowChartPredefinedProcess">
+            <a:avLst/>
+          </a:prstGeom>
+          <a:solidFill>
+            <a:schemeClr val="accent1">
+              <a:lumMod val="20000"/>
+              <a:lumOff val="80000"/>
+            </a:schemeClr>
+          </a:solidFill>
+          <a:ln>
+            <a:solidFill>
+              <a:schemeClr val="accent2"/>
+            </a:solidFill>
+          </a:ln>
+        </p:spPr>
+        <p:txBody>
+          <a:bodyPr wrap="square" lIns="0" tIns="0" rIns="0" bIns="0" rtlCol="1" anchor="ctr">
+            <a:noAutofit/>
+          </a:bodyPr>
+          <a:lstStyle/>
+          <a:p>
+            <a:pPr algn="ctr"/>
+            <a:r>
+              <a:rPr lang="en-US" sz="1200" dirty="0"/>
               <a:t>Evaluate Account Lookup Selection rules </a:t>
             </a:r>
-            <a:endParaRPr lang="he-IL" sz="1200" dirty="0">
-              <a:solidFill>
-                <a:schemeClr val="bg2">
-                  <a:lumMod val="75000"/>
-                </a:schemeClr>
-              </a:solidFill>
-            </a:endParaRPr>
+            <a:endParaRPr lang="he-IL" sz="1200" dirty="0"/>
           </a:p>
         </p:txBody>
       </p:sp>
       <p:cxnSp>
         <p:nvCxnSpPr>
-          <p:cNvPr id="14" name="Straight Arrow Connector 13"/>
+          <p:cNvPr id="44" name="Straight Arrow Connector 43"/>
           <p:cNvCxnSpPr>
-            <a:stCxn id="9" idx="3"/>
-            <a:endCxn id="12" idx="1"/>
+            <a:stCxn id="40" idx="3"/>
+            <a:endCxn id="42" idx="1"/>
           </p:cNvCxnSpPr>
           <p:nvPr/>
         </p:nvCxnSpPr>
         <p:spPr>
           <a:xfrm>
-            <a:off x="6278471" y="3437150"/>
+            <a:off x="6635804" y="3041535"/>
             <a:ext cx="454059" cy="0"/>
           </a:xfrm>
           <a:prstGeom prst="straightConnector1">
             <a:avLst/>
           </a:prstGeom>
           <a:ln w="12700">
-            <a:solidFill>
-              <a:schemeClr val="accent2">
-                <a:alpha val="44000"/>
-              </a:schemeClr>
-            </a:solidFill>
             <a:tailEnd type="triangle" w="lg" len="lg"/>
           </a:ln>
         </p:spPr>
@@ -8578,27 +8614,22 @@
       </p:cxnSp>
       <p:cxnSp>
         <p:nvCxnSpPr>
-          <p:cNvPr id="15" name="Straight Arrow Connector 14"/>
+          <p:cNvPr id="45" name="Straight Arrow Connector 44"/>
           <p:cNvCxnSpPr>
-            <a:stCxn id="12" idx="3"/>
-            <a:endCxn id="13" idx="1"/>
+            <a:stCxn id="42" idx="3"/>
+            <a:endCxn id="43" idx="1"/>
           </p:cNvCxnSpPr>
           <p:nvPr/>
         </p:nvCxnSpPr>
         <p:spPr>
           <a:xfrm>
-            <a:off x="8674451" y="3437150"/>
-            <a:ext cx="454059" cy="0"/>
+            <a:off x="9031784" y="3041535"/>
+            <a:ext cx="454059" cy="4950"/>
           </a:xfrm>
           <a:prstGeom prst="straightConnector1">
             <a:avLst/>
           </a:prstGeom>
           <a:ln w="12700">
-            <a:solidFill>
-              <a:schemeClr val="accent2">
-                <a:alpha val="44000"/>
-              </a:schemeClr>
-            </a:solidFill>
             <a:tailEnd type="triangle" w="lg" len="lg"/>
           </a:ln>
         </p:spPr>
@@ -8619,13 +8650,13 @@
       </p:cxnSp>
       <p:sp>
         <p:nvSpPr>
-          <p:cNvPr id="16" name="Flowchart: Document 15"/>
+          <p:cNvPr id="46" name="Flowchart: Document 45"/>
           <p:cNvSpPr/>
           <p:nvPr/>
         </p:nvSpPr>
         <p:spPr>
           <a:xfrm>
-            <a:off x="201245" y="2894380"/>
+            <a:off x="558578" y="2498765"/>
             <a:ext cx="1271229" cy="1074656"/>
           </a:xfrm>
           <a:prstGeom prst="flowChartDocument">
@@ -8673,16 +8704,16 @@
       </p:sp>
       <p:cxnSp>
         <p:nvCxnSpPr>
-          <p:cNvPr id="17" name="Straight Arrow Connector 16"/>
+          <p:cNvPr id="47" name="Straight Arrow Connector 46"/>
           <p:cNvCxnSpPr>
-            <a:stCxn id="16" idx="3"/>
-            <a:endCxn id="8" idx="1"/>
+            <a:stCxn id="46" idx="3"/>
+            <a:endCxn id="39" idx="1"/>
           </p:cNvCxnSpPr>
           <p:nvPr/>
         </p:nvCxnSpPr>
         <p:spPr>
           <a:xfrm>
-            <a:off x="1472474" y="3431708"/>
+            <a:off x="1829807" y="3036093"/>
             <a:ext cx="468096" cy="5442"/>
           </a:xfrm>
           <a:prstGeom prst="straightConnector1">
@@ -8713,24 +8744,22 @@
       </p:cxnSp>
       <p:cxnSp>
         <p:nvCxnSpPr>
-          <p:cNvPr id="18" name="Straight Arrow Connector 17"/>
-          <p:cNvCxnSpPr/>
+          <p:cNvPr id="48" name="Straight Arrow Connector 47"/>
+          <p:cNvCxnSpPr>
+            <a:stCxn id="49" idx="1"/>
+            <a:endCxn id="50" idx="3"/>
+          </p:cNvCxnSpPr>
           <p:nvPr/>
         </p:nvCxnSpPr>
         <p:spPr>
           <a:xfrm flipH="1" flipV="1">
-            <a:off x="8643499" y="4743581"/>
-            <a:ext cx="454058" cy="1"/>
+            <a:off x="7537845" y="5004130"/>
+            <a:ext cx="1947998" cy="1"/>
           </a:xfrm>
           <a:prstGeom prst="straightConnector1">
             <a:avLst/>
           </a:prstGeom>
           <a:ln w="12700">
-            <a:solidFill>
-              <a:schemeClr val="accent2">
-                <a:alpha val="44000"/>
-              </a:schemeClr>
-            </a:solidFill>
             <a:tailEnd type="triangle" w="lg" len="lg"/>
           </a:ln>
         </p:spPr>
@@ -8751,13 +8780,54 @@
       </p:cxnSp>
       <p:sp>
         <p:nvSpPr>
-          <p:cNvPr id="19" name="Flowchart: Predefined Process 18"/>
+          <p:cNvPr id="49" name="Flowchart: Predefined Process 48"/>
           <p:cNvSpPr/>
           <p:nvPr/>
         </p:nvSpPr>
         <p:spPr>
           <a:xfrm>
-            <a:off x="9128510" y="4407731"/>
+            <a:off x="9485843" y="4584638"/>
+            <a:ext cx="1941921" cy="838985"/>
+          </a:xfrm>
+          <a:prstGeom prst="flowChartPredefinedProcess">
+            <a:avLst/>
+          </a:prstGeom>
+          <a:solidFill>
+            <a:schemeClr val="accent1">
+              <a:lumMod val="20000"/>
+              <a:lumOff val="80000"/>
+            </a:schemeClr>
+          </a:solidFill>
+          <a:ln>
+            <a:solidFill>
+              <a:schemeClr val="accent2"/>
+            </a:solidFill>
+          </a:ln>
+        </p:spPr>
+        <p:txBody>
+          <a:bodyPr wrap="square" lIns="0" tIns="0" rIns="0" bIns="0" rtlCol="1" anchor="ctr">
+            <a:noAutofit/>
+          </a:bodyPr>
+          <a:lstStyle/>
+          <a:p>
+            <a:pPr algn="ctr"/>
+            <a:r>
+              <a:rPr lang="en-GB" sz="1200" dirty="0"/>
+              <a:t>Create account lookup request </a:t>
+            </a:r>
+            <a:endParaRPr lang="he-IL" sz="1200" dirty="0"/>
+          </a:p>
+        </p:txBody>
+      </p:sp>
+      <p:sp>
+        <p:nvSpPr>
+          <p:cNvPr id="50" name="Flowchart: Predefined Process 49"/>
+          <p:cNvSpPr/>
+          <p:nvPr/>
+        </p:nvSpPr>
+        <p:spPr>
+          <a:xfrm>
+            <a:off x="5595924" y="4584637"/>
             <a:ext cx="1941921" cy="838985"/>
           </a:xfrm>
           <a:prstGeom prst="flowChartPredefinedProcess">
@@ -8785,105 +8855,46 @@
             <a:pPr algn="ctr"/>
             <a:r>
               <a:rPr lang="en-GB" sz="1200" dirty="0"/>
-              <a:t>Create account lookup request </a:t>
-            </a:r>
-            <a:endParaRPr lang="he-IL" sz="1200" dirty="0">
-              <a:solidFill>
-                <a:schemeClr val="bg2">
-                  <a:lumMod val="75000"/>
-                </a:schemeClr>
-              </a:solidFill>
-            </a:endParaRPr>
-          </a:p>
-        </p:txBody>
-      </p:sp>
-      <p:sp>
-        <p:nvSpPr>
-          <p:cNvPr id="20" name="Flowchart: Predefined Process 19"/>
-          <p:cNvSpPr/>
-          <p:nvPr/>
-        </p:nvSpPr>
-        <p:spPr>
-          <a:xfrm>
-            <a:off x="6687729" y="4418705"/>
-            <a:ext cx="1941921" cy="838985"/>
-          </a:xfrm>
-          <a:prstGeom prst="flowChartPredefinedProcess">
-            <a:avLst/>
-          </a:prstGeom>
-          <a:solidFill>
-            <a:schemeClr val="bg2"/>
-          </a:solidFill>
-          <a:ln>
-            <a:solidFill>
-              <a:schemeClr val="accent2">
-                <a:lumMod val="40000"/>
-                <a:lumOff val="60000"/>
-                <a:alpha val="44000"/>
-              </a:schemeClr>
-            </a:solidFill>
-          </a:ln>
-        </p:spPr>
-        <p:txBody>
-          <a:bodyPr wrap="square" lIns="0" tIns="0" rIns="0" bIns="0" rtlCol="1" anchor="ctr">
-            <a:noAutofit/>
-          </a:bodyPr>
-          <a:lstStyle/>
+              <a:t>Wait </a:t>
+            </a:r>
+            <a:r>
+              <a:rPr lang="en-GB" sz="1200" dirty="0"/>
+              <a:t>Behaviour Wait CDB </a:t>
+            </a:r>
+          </a:p>
           <a:p>
             <a:pPr algn="ctr"/>
             <a:r>
               <a:rPr lang="en-GB" sz="1200" dirty="0"/>
-              <a:t>Wait </a:t>
-            </a:r>
-            <a:r>
-              <a:rPr lang="en-GB" sz="1200" dirty="0" err="1"/>
-              <a:t>Behavior</a:t>
-            </a:r>
-            <a:r>
-              <a:rPr lang="en-GB" sz="1200" dirty="0"/>
-              <a:t> </a:t>
-            </a:r>
-            <a:r>
-              <a:rPr lang="en-GB" sz="1200" dirty="0" err="1"/>
-              <a:t>WaitCDB</a:t>
-            </a:r>
-            <a:r>
-              <a:rPr lang="en-GB" sz="1200" dirty="0"/>
-              <a:t> </a:t>
-            </a:r>
-            <a:endParaRPr lang="he-IL" sz="1200" dirty="0">
-              <a:solidFill>
-                <a:schemeClr val="bg2">
-                  <a:lumMod val="75000"/>
-                </a:schemeClr>
-              </a:solidFill>
-            </a:endParaRPr>
+              <a:t>(CDBWAIT </a:t>
+            </a:r>
+            <a:r>
+              <a:rPr lang="en-GB" sz="1200" dirty="0" smtClean="0"/>
+              <a:t>queue)</a:t>
+            </a:r>
+            <a:endParaRPr lang="he-IL" sz="1200" dirty="0"/>
           </a:p>
         </p:txBody>
       </p:sp>
       <p:cxnSp>
         <p:nvCxnSpPr>
-          <p:cNvPr id="21" name="Straight Connector 20"/>
+          <p:cNvPr id="51" name="Straight Arrow Connector 50"/>
           <p:cNvCxnSpPr>
-            <a:stCxn id="13" idx="3"/>
+            <a:stCxn id="43" idx="2"/>
+            <a:endCxn id="49" idx="0"/>
           </p:cNvCxnSpPr>
           <p:nvPr/>
         </p:nvCxnSpPr>
         <p:spPr>
-          <a:xfrm flipV="1">
-            <a:off x="11070431" y="3431708"/>
-            <a:ext cx="248841" cy="5442"/>
-          </a:xfrm>
-          <a:prstGeom prst="line">
+          <a:xfrm>
+            <a:off x="10456804" y="3465977"/>
+            <a:ext cx="0" cy="1118661"/>
+          </a:xfrm>
+          <a:prstGeom prst="straightConnector1">
             <a:avLst/>
           </a:prstGeom>
-          <a:ln>
-            <a:solidFill>
-              <a:schemeClr val="accent5">
-                <a:lumMod val="60000"/>
-                <a:lumOff val="40000"/>
-              </a:schemeClr>
-            </a:solidFill>
+          <a:ln w="12700">
+            <a:tailEnd type="triangle" w="lg" len="lg"/>
           </a:ln>
         </p:spPr>
         <p:style>
@@ -8901,613 +8912,16 @@
           </a:fontRef>
         </p:style>
       </p:cxnSp>
-      <p:cxnSp>
-        <p:nvCxnSpPr>
-          <p:cNvPr id="22" name="Straight Connector 21"/>
-          <p:cNvCxnSpPr/>
-          <p:nvPr/>
-        </p:nvCxnSpPr>
-        <p:spPr>
-          <a:xfrm>
-            <a:off x="11319272" y="3431708"/>
-            <a:ext cx="0" cy="1395515"/>
-          </a:xfrm>
-          <a:prstGeom prst="line">
-            <a:avLst/>
-          </a:prstGeom>
-          <a:ln>
-            <a:solidFill>
-              <a:schemeClr val="accent5">
-                <a:lumMod val="75000"/>
-              </a:schemeClr>
-            </a:solidFill>
-          </a:ln>
-        </p:spPr>
-        <p:style>
-          <a:lnRef idx="1">
-            <a:schemeClr val="accent1"/>
-          </a:lnRef>
-          <a:fillRef idx="0">
-            <a:schemeClr val="accent1"/>
-          </a:fillRef>
-          <a:effectRef idx="0">
-            <a:schemeClr val="accent1"/>
-          </a:effectRef>
-          <a:fontRef idx="minor">
-            <a:schemeClr val="tx1"/>
-          </a:fontRef>
-        </p:style>
-      </p:cxnSp>
-      <p:cxnSp>
-        <p:nvCxnSpPr>
-          <p:cNvPr id="23" name="Straight Arrow Connector 22"/>
-          <p:cNvCxnSpPr>
-            <a:endCxn id="19" idx="3"/>
-          </p:cNvCxnSpPr>
-          <p:nvPr/>
-        </p:nvCxnSpPr>
-        <p:spPr>
-          <a:xfrm flipH="1">
-            <a:off x="11070431" y="4827223"/>
-            <a:ext cx="248841" cy="1"/>
-          </a:xfrm>
-          <a:prstGeom prst="straightConnector1">
-            <a:avLst/>
-          </a:prstGeom>
-          <a:ln w="12700">
-            <a:solidFill>
-              <a:schemeClr val="accent2">
-                <a:alpha val="44000"/>
-              </a:schemeClr>
-            </a:solidFill>
-            <a:tailEnd type="triangle" w="lg" len="lg"/>
-          </a:ln>
-        </p:spPr>
-        <p:style>
-          <a:lnRef idx="1">
-            <a:schemeClr val="accent1"/>
-          </a:lnRef>
-          <a:fillRef idx="0">
-            <a:schemeClr val="accent1"/>
-          </a:fillRef>
-          <a:effectRef idx="0">
-            <a:schemeClr val="accent1"/>
-          </a:effectRef>
-          <a:fontRef idx="minor">
-            <a:schemeClr val="tx1"/>
-          </a:fontRef>
-        </p:style>
-      </p:cxnSp>
-      <p:sp>
-        <p:nvSpPr>
-          <p:cNvPr id="24" name="TextBox 23"/>
+      <p:sp>
+        <p:nvSpPr>
+          <p:cNvPr id="52" name="TextBox 51"/>
           <p:cNvSpPr txBox="1"/>
           <p:nvPr/>
         </p:nvSpPr>
         <p:spPr>
           <a:xfrm>
-            <a:off x="1940570" y="3012215"/>
-            <a:ext cx="1941921" cy="838985"/>
-          </a:xfrm>
-          <a:prstGeom prst="rect">
-            <a:avLst/>
-          </a:prstGeom>
-          <a:solidFill>
-            <a:schemeClr val="bg2"/>
-          </a:solidFill>
-          <a:ln>
-            <a:solidFill>
-              <a:schemeClr val="accent2">
-                <a:lumMod val="40000"/>
-                <a:lumOff val="60000"/>
-                <a:alpha val="44000"/>
-              </a:schemeClr>
-            </a:solidFill>
-          </a:ln>
-        </p:spPr>
-        <p:txBody>
-          <a:bodyPr wrap="square" lIns="0" tIns="0" rIns="0" bIns="0" rtlCol="1" anchor="ctr">
-            <a:noAutofit/>
-          </a:bodyPr>
-          <a:lstStyle>
-            <a:defPPr>
-              <a:defRPr lang="en-US"/>
-            </a:defPPr>
-            <a:lvl1pPr algn="ctr">
-              <a:defRPr sz="1200">
-                <a:solidFill>
-                  <a:schemeClr val="bg2">
-                    <a:lumMod val="75000"/>
-                  </a:schemeClr>
-                </a:solidFill>
-              </a:defRPr>
-            </a:lvl1pPr>
-          </a:lstStyle>
-          <a:p>
-            <a:r>
-              <a:rPr lang="en-US" dirty="0">
-                <a:solidFill>
-                  <a:schemeClr val="tx1"/>
-                </a:solidFill>
-              </a:rPr>
-              <a:t>Receive Payment Instruction</a:t>
-            </a:r>
-            <a:endParaRPr lang="he-IL" dirty="0" err="1">
-              <a:solidFill>
-                <a:schemeClr val="tx1"/>
-              </a:solidFill>
-            </a:endParaRPr>
-          </a:p>
-        </p:txBody>
-      </p:sp>
-      <p:sp>
-        <p:nvSpPr>
-          <p:cNvPr id="25" name="Flowchart: Predefined Process 24"/>
-          <p:cNvSpPr/>
-          <p:nvPr/>
-        </p:nvSpPr>
-        <p:spPr>
-          <a:xfrm>
-            <a:off x="4336550" y="3012215"/>
-            <a:ext cx="1941921" cy="838985"/>
-          </a:xfrm>
-          <a:prstGeom prst="flowChartPredefinedProcess">
-            <a:avLst/>
-          </a:prstGeom>
-          <a:solidFill>
-            <a:schemeClr val="bg2"/>
-          </a:solidFill>
-          <a:ln>
-            <a:solidFill>
-              <a:schemeClr val="accent2">
-                <a:lumMod val="40000"/>
-                <a:lumOff val="60000"/>
-                <a:alpha val="44000"/>
-              </a:schemeClr>
-            </a:solidFill>
-          </a:ln>
-        </p:spPr>
-        <p:txBody>
-          <a:bodyPr wrap="square" lIns="0" tIns="0" rIns="0" bIns="0" rtlCol="1" anchor="ctr">
-            <a:noAutofit/>
-          </a:bodyPr>
-          <a:lstStyle/>
-          <a:p>
-            <a:pPr algn="ctr"/>
-            <a:r>
-              <a:rPr lang="en-US" sz="1200" dirty="0"/>
-              <a:t>Start </a:t>
-            </a:r>
-            <a:r>
-              <a:rPr lang="en-US" sz="1200" dirty="0" err="1"/>
-              <a:t>Dr</a:t>
-            </a:r>
-            <a:r>
-              <a:rPr lang="en-US" sz="1200" dirty="0"/>
-              <a:t>/Cr side</a:t>
-            </a:r>
-          </a:p>
-          <a:p>
-            <a:pPr algn="ctr"/>
-            <a:r>
-              <a:rPr lang="en-US" sz="1200" dirty="0"/>
-              <a:t>Processing</a:t>
-            </a:r>
-            <a:endParaRPr lang="he-IL" sz="1200" dirty="0"/>
-          </a:p>
-        </p:txBody>
-      </p:sp>
-      <p:cxnSp>
-        <p:nvCxnSpPr>
-          <p:cNvPr id="26" name="Straight Arrow Connector 25"/>
-          <p:cNvCxnSpPr>
-            <a:stCxn id="24" idx="3"/>
-            <a:endCxn id="25" idx="1"/>
-          </p:cNvCxnSpPr>
-          <p:nvPr/>
-        </p:nvCxnSpPr>
-        <p:spPr>
-          <a:xfrm>
-            <a:off x="3882491" y="3431708"/>
-            <a:ext cx="454059" cy="0"/>
-          </a:xfrm>
-          <a:prstGeom prst="straightConnector1">
-            <a:avLst/>
-          </a:prstGeom>
-          <a:ln w="12700">
-            <a:solidFill>
-              <a:schemeClr val="accent2">
-                <a:alpha val="44000"/>
-              </a:schemeClr>
-            </a:solidFill>
-            <a:tailEnd type="triangle" w="lg" len="lg"/>
-          </a:ln>
-        </p:spPr>
-        <p:style>
-          <a:lnRef idx="1">
-            <a:schemeClr val="accent1"/>
-          </a:lnRef>
-          <a:fillRef idx="0">
-            <a:schemeClr val="accent1"/>
-          </a:fillRef>
-          <a:effectRef idx="0">
-            <a:schemeClr val="accent1"/>
-          </a:effectRef>
-          <a:fontRef idx="minor">
-            <a:schemeClr val="tx1"/>
-          </a:fontRef>
-        </p:style>
-      </p:cxnSp>
-      <p:sp>
-        <p:nvSpPr>
-          <p:cNvPr id="27" name="Flowchart: Predefined Process 26"/>
-          <p:cNvSpPr/>
-          <p:nvPr/>
-        </p:nvSpPr>
-        <p:spPr>
-          <a:xfrm>
-            <a:off x="6732530" y="3012215"/>
-            <a:ext cx="1941921" cy="838985"/>
-          </a:xfrm>
-          <a:prstGeom prst="flowChartPredefinedProcess">
-            <a:avLst/>
-          </a:prstGeom>
-          <a:solidFill>
-            <a:schemeClr val="bg2"/>
-          </a:solidFill>
-          <a:ln>
-            <a:solidFill>
-              <a:schemeClr val="accent2">
-                <a:lumMod val="40000"/>
-                <a:lumOff val="60000"/>
-                <a:alpha val="44000"/>
-              </a:schemeClr>
-            </a:solidFill>
-          </a:ln>
-        </p:spPr>
-        <p:txBody>
-          <a:bodyPr wrap="square" lIns="0" tIns="0" rIns="0" bIns="0" rtlCol="1" anchor="ctr">
-            <a:noAutofit/>
-          </a:bodyPr>
-          <a:lstStyle/>
-          <a:p>
-            <a:pPr algn="ctr"/>
-            <a:r>
-              <a:rPr lang="en-US" sz="1200" dirty="0"/>
-              <a:t>Load account and party from GPP DB </a:t>
-            </a:r>
-            <a:endParaRPr lang="he-IL" sz="1200" dirty="0">
-              <a:solidFill>
-                <a:schemeClr val="bg2">
-                  <a:lumMod val="75000"/>
-                </a:schemeClr>
-              </a:solidFill>
-            </a:endParaRPr>
-          </a:p>
-        </p:txBody>
-      </p:sp>
-      <p:sp>
-        <p:nvSpPr>
-          <p:cNvPr id="28" name="Flowchart: Predefined Process 27"/>
-          <p:cNvSpPr/>
-          <p:nvPr/>
-        </p:nvSpPr>
-        <p:spPr>
-          <a:xfrm>
-            <a:off x="9128510" y="3012215"/>
-            <a:ext cx="1941921" cy="838985"/>
-          </a:xfrm>
-          <a:prstGeom prst="flowChartPredefinedProcess">
-            <a:avLst/>
-          </a:prstGeom>
-          <a:solidFill>
-            <a:schemeClr val="bg2"/>
-          </a:solidFill>
-          <a:ln>
-            <a:solidFill>
-              <a:schemeClr val="accent2">
-                <a:lumMod val="40000"/>
-                <a:lumOff val="60000"/>
-                <a:alpha val="44000"/>
-              </a:schemeClr>
-            </a:solidFill>
-          </a:ln>
-        </p:spPr>
-        <p:txBody>
-          <a:bodyPr wrap="square" lIns="0" tIns="0" rIns="0" bIns="0" rtlCol="1" anchor="ctr">
-            <a:noAutofit/>
-          </a:bodyPr>
-          <a:lstStyle/>
-          <a:p>
-            <a:pPr algn="ctr"/>
-            <a:r>
-              <a:rPr lang="en-US" sz="1200" dirty="0"/>
-              <a:t>Evaluate Account Lookup Selection rules </a:t>
-            </a:r>
-            <a:endParaRPr lang="he-IL" sz="1200" dirty="0">
-              <a:solidFill>
-                <a:schemeClr val="bg2">
-                  <a:lumMod val="75000"/>
-                </a:schemeClr>
-              </a:solidFill>
-            </a:endParaRPr>
-          </a:p>
-        </p:txBody>
-      </p:sp>
-      <p:cxnSp>
-        <p:nvCxnSpPr>
-          <p:cNvPr id="29" name="Straight Arrow Connector 28"/>
-          <p:cNvCxnSpPr>
-            <a:stCxn id="25" idx="3"/>
-            <a:endCxn id="27" idx="1"/>
-          </p:cNvCxnSpPr>
-          <p:nvPr/>
-        </p:nvCxnSpPr>
-        <p:spPr>
-          <a:xfrm>
-            <a:off x="6278471" y="3431708"/>
-            <a:ext cx="454059" cy="0"/>
-          </a:xfrm>
-          <a:prstGeom prst="straightConnector1">
-            <a:avLst/>
-          </a:prstGeom>
-          <a:ln w="12700">
-            <a:solidFill>
-              <a:schemeClr val="accent2">
-                <a:alpha val="44000"/>
-              </a:schemeClr>
-            </a:solidFill>
-            <a:tailEnd type="triangle" w="lg" len="lg"/>
-          </a:ln>
-        </p:spPr>
-        <p:style>
-          <a:lnRef idx="1">
-            <a:schemeClr val="accent1"/>
-          </a:lnRef>
-          <a:fillRef idx="0">
-            <a:schemeClr val="accent1"/>
-          </a:fillRef>
-          <a:effectRef idx="0">
-            <a:schemeClr val="accent1"/>
-          </a:effectRef>
-          <a:fontRef idx="minor">
-            <a:schemeClr val="tx1"/>
-          </a:fontRef>
-        </p:style>
-      </p:cxnSp>
-      <p:cxnSp>
-        <p:nvCxnSpPr>
-          <p:cNvPr id="30" name="Straight Arrow Connector 29"/>
-          <p:cNvCxnSpPr>
-            <a:stCxn id="27" idx="3"/>
-            <a:endCxn id="28" idx="1"/>
-          </p:cNvCxnSpPr>
-          <p:nvPr/>
-        </p:nvCxnSpPr>
-        <p:spPr>
-          <a:xfrm>
-            <a:off x="8674451" y="3431708"/>
-            <a:ext cx="454059" cy="0"/>
-          </a:xfrm>
-          <a:prstGeom prst="straightConnector1">
-            <a:avLst/>
-          </a:prstGeom>
-          <a:ln w="12700">
-            <a:solidFill>
-              <a:schemeClr val="accent2">
-                <a:alpha val="44000"/>
-              </a:schemeClr>
-            </a:solidFill>
-            <a:tailEnd type="triangle" w="lg" len="lg"/>
-          </a:ln>
-        </p:spPr>
-        <p:style>
-          <a:lnRef idx="1">
-            <a:schemeClr val="accent1"/>
-          </a:lnRef>
-          <a:fillRef idx="0">
-            <a:schemeClr val="accent1"/>
-          </a:fillRef>
-          <a:effectRef idx="0">
-            <a:schemeClr val="accent1"/>
-          </a:effectRef>
-          <a:fontRef idx="minor">
-            <a:schemeClr val="tx1"/>
-          </a:fontRef>
-        </p:style>
-      </p:cxnSp>
-      <p:sp>
-        <p:nvSpPr>
-          <p:cNvPr id="31" name="Flowchart: Document 30"/>
-          <p:cNvSpPr/>
-          <p:nvPr/>
-        </p:nvSpPr>
-        <p:spPr>
-          <a:xfrm>
-            <a:off x="201245" y="2888938"/>
-            <a:ext cx="1271229" cy="1074656"/>
-          </a:xfrm>
-          <a:prstGeom prst="flowChartDocument">
-            <a:avLst/>
-          </a:prstGeom>
-          <a:solidFill>
-            <a:schemeClr val="accent2"/>
-          </a:solidFill>
-          <a:ln>
-            <a:solidFill>
-              <a:schemeClr val="accent1"/>
-            </a:solidFill>
-          </a:ln>
-        </p:spPr>
-        <p:txBody>
-          <a:bodyPr wrap="square" lIns="0" tIns="0" rIns="0" bIns="0" rtlCol="1" anchor="ctr">
-            <a:noAutofit/>
-          </a:bodyPr>
-          <a:lstStyle/>
-          <a:p>
-            <a:pPr algn="ctr"/>
-            <a:r>
-              <a:rPr lang="en-US" sz="1200" dirty="0">
-                <a:solidFill>
-                  <a:schemeClr val="bg1"/>
-                </a:solidFill>
-              </a:rPr>
-              <a:t>Internet </a:t>
-            </a:r>
-            <a:r>
-              <a:rPr lang="en-US" sz="1200" dirty="0" smtClean="0">
-                <a:solidFill>
-                  <a:schemeClr val="bg1"/>
-                </a:solidFill>
-              </a:rPr>
-              <a:t>Banking,  Branch-OTC, SWIFT, Local Clearing</a:t>
-            </a:r>
-            <a:endParaRPr lang="he-IL" sz="1200" dirty="0">
-              <a:solidFill>
-                <a:schemeClr val="bg1"/>
-              </a:solidFill>
-            </a:endParaRPr>
-          </a:p>
-        </p:txBody>
-      </p:sp>
-      <p:cxnSp>
-        <p:nvCxnSpPr>
-          <p:cNvPr id="32" name="Straight Arrow Connector 31"/>
-          <p:cNvCxnSpPr>
-            <a:stCxn id="31" idx="3"/>
-            <a:endCxn id="24" idx="1"/>
-          </p:cNvCxnSpPr>
-          <p:nvPr/>
-        </p:nvCxnSpPr>
-        <p:spPr>
-          <a:xfrm>
-            <a:off x="1472474" y="3426266"/>
-            <a:ext cx="468096" cy="5442"/>
-          </a:xfrm>
-          <a:prstGeom prst="straightConnector1">
-            <a:avLst/>
-          </a:prstGeom>
-          <a:ln w="28575" cmpd="sng">
-            <a:solidFill>
-              <a:schemeClr val="accent2"/>
-            </a:solidFill>
-            <a:prstDash val="sysDot"/>
-            <a:tailEnd type="triangle" w="lg" len="lg"/>
-          </a:ln>
-        </p:spPr>
-        <p:style>
-          <a:lnRef idx="1">
-            <a:schemeClr val="accent1"/>
-          </a:lnRef>
-          <a:fillRef idx="0">
-            <a:schemeClr val="accent1"/>
-          </a:fillRef>
-          <a:effectRef idx="0">
-            <a:schemeClr val="accent1"/>
-          </a:effectRef>
-          <a:fontRef idx="minor">
-            <a:schemeClr val="tx1"/>
-          </a:fontRef>
-        </p:style>
-      </p:cxnSp>
-      <p:cxnSp>
-        <p:nvCxnSpPr>
-          <p:cNvPr id="33" name="Straight Arrow Connector 32"/>
-          <p:cNvCxnSpPr>
-            <a:endCxn id="34" idx="3"/>
-          </p:cNvCxnSpPr>
-          <p:nvPr/>
-        </p:nvCxnSpPr>
-        <p:spPr>
-          <a:xfrm flipH="1">
-            <a:off x="5576885" y="4838198"/>
-            <a:ext cx="1116585" cy="0"/>
-          </a:xfrm>
-          <a:prstGeom prst="straightConnector1">
-            <a:avLst/>
-          </a:prstGeom>
-          <a:ln w="12700">
-            <a:solidFill>
-              <a:schemeClr val="accent2">
-                <a:alpha val="44000"/>
-              </a:schemeClr>
-            </a:solidFill>
-            <a:tailEnd type="triangle" w="lg" len="lg"/>
-          </a:ln>
-        </p:spPr>
-        <p:style>
-          <a:lnRef idx="1">
-            <a:schemeClr val="accent1"/>
-          </a:lnRef>
-          <a:fillRef idx="0">
-            <a:schemeClr val="accent1"/>
-          </a:fillRef>
-          <a:effectRef idx="0">
-            <a:schemeClr val="accent1"/>
-          </a:effectRef>
-          <a:fontRef idx="minor">
-            <a:schemeClr val="tx1"/>
-          </a:fontRef>
-        </p:style>
-      </p:cxnSp>
-      <p:sp>
-        <p:nvSpPr>
-          <p:cNvPr id="34" name="Flowchart: Predefined Process 33"/>
-          <p:cNvSpPr/>
-          <p:nvPr/>
-        </p:nvSpPr>
-        <p:spPr>
-          <a:xfrm>
-            <a:off x="3634964" y="4418705"/>
-            <a:ext cx="1941921" cy="838985"/>
-          </a:xfrm>
-          <a:prstGeom prst="flowChartPredefinedProcess">
-            <a:avLst/>
-          </a:prstGeom>
-          <a:solidFill>
-            <a:schemeClr val="bg2"/>
-          </a:solidFill>
-          <a:ln>
-            <a:solidFill>
-              <a:schemeClr val="accent2">
-                <a:lumMod val="40000"/>
-                <a:lumOff val="60000"/>
-                <a:alpha val="44000"/>
-              </a:schemeClr>
-            </a:solidFill>
-          </a:ln>
-        </p:spPr>
-        <p:txBody>
-          <a:bodyPr wrap="square" lIns="0" tIns="0" rIns="0" bIns="0" rtlCol="1" anchor="ctr">
-            <a:noAutofit/>
-          </a:bodyPr>
-          <a:lstStyle/>
-          <a:p>
-            <a:pPr algn="ctr"/>
-            <a:r>
-              <a:rPr lang="en-US" sz="1200" dirty="0" smtClean="0"/>
-              <a:t>Message is routed to POSTREST queue </a:t>
-            </a:r>
-            <a:endParaRPr lang="he-IL" sz="1200" dirty="0">
-              <a:solidFill>
-                <a:schemeClr val="bg2">
-                  <a:lumMod val="75000"/>
-                </a:schemeClr>
-              </a:solidFill>
-            </a:endParaRPr>
-          </a:p>
-        </p:txBody>
-      </p:sp>
-      <p:sp>
-        <p:nvSpPr>
-          <p:cNvPr id="35" name="TextBox 34"/>
-          <p:cNvSpPr txBox="1"/>
-          <p:nvPr/>
-        </p:nvSpPr>
-        <p:spPr>
-          <a:xfrm>
-            <a:off x="5850221" y="4276135"/>
-            <a:ext cx="922558" cy="467447"/>
+            <a:off x="7720380" y="4668951"/>
+            <a:ext cx="1646271" cy="309408"/>
           </a:xfrm>
           <a:prstGeom prst="rect">
             <a:avLst/>
@@ -9520,17 +8934,18 @@
           </a:bodyPr>
           <a:lstStyle/>
           <a:p>
+            <a:pPr algn="ctr"/>
             <a:r>
               <a:rPr lang="en-US" sz="1100" dirty="0" smtClean="0">
                 <a:solidFill>
-                  <a:schemeClr val="tx2"/>
+                  <a:schemeClr val="accent1"/>
                 </a:solidFill>
               </a:rPr>
-              <a:t>Posting Restriction response</a:t>
+              <a:t>account lookup request</a:t>
             </a:r>
             <a:endParaRPr lang="en-GB" sz="1100" dirty="0" err="1" smtClean="0">
               <a:solidFill>
-                <a:schemeClr val="tx2"/>
+                <a:schemeClr val="accent1"/>
               </a:solidFill>
             </a:endParaRPr>
           </a:p>
@@ -9601,12 +9016,20 @@
           <a:lstStyle/>
           <a:p>
             <a:r>
+              <a:rPr lang="en-US" dirty="0" smtClean="0">
+                <a:solidFill>
+                  <a:schemeClr val="accent2"/>
+                </a:solidFill>
+              </a:rPr>
+              <a:t>general </a:t>
+            </a:r>
+            <a:r>
               <a:rPr lang="en-US" dirty="0">
                 <a:solidFill>
                   <a:schemeClr val="accent2"/>
                 </a:solidFill>
               </a:rPr>
-              <a:t>Account lookup general flow</a:t>
+              <a:t>flow</a:t>
             </a:r>
             <a:endParaRPr lang="en-GB" dirty="0"/>
           </a:p>
@@ -9630,7 +9053,7 @@
             <a:fld id="{BC3F1638-3586-4527-A760-38AC15BFC248}" type="datetime4">
               <a:rPr lang="en-GB" smtClean="0"/>
               <a:pPr/>
-              <a:t>18 February 2018</a:t>
+              <a:t>01 March 2018</a:t>
             </a:fld>
             <a:endParaRPr lang="en-GB" dirty="0"/>
           </a:p>
@@ -9668,8 +9091,8 @@
         </p:nvSpPr>
         <p:spPr>
           <a:xfrm>
-            <a:off x="481013" y="1044087"/>
-            <a:ext cx="9120187" cy="3170099"/>
+            <a:off x="1472474" y="1168196"/>
+            <a:ext cx="9120187" cy="590931"/>
           </a:xfrm>
           <a:prstGeom prst="rect">
             <a:avLst/>
@@ -9694,85 +9117,43 @@
               </a:spcBef>
               <a:buSzPct val="150000"/>
             </a:pPr>
-            <a:endParaRPr lang="en-US" dirty="0" smtClean="0"/>
-          </a:p>
-          <a:p>
-            <a:pPr marL="411163" indent="-411163">
-              <a:lnSpc>
-                <a:spcPct val="90000"/>
-              </a:lnSpc>
-              <a:spcBef>
-                <a:spcPts val="1500"/>
-              </a:spcBef>
-              <a:buSzPct val="150000"/>
-              <a:buBlip>
-                <a:blip r:embed="rId3"/>
-              </a:buBlip>
-            </a:pPr>
             <a:r>
               <a:rPr lang="en-US" dirty="0" smtClean="0"/>
-              <a:t>If  negative response, either technical or functional, the message is routed to the Repair queue, for manual handling.</a:t>
-            </a:r>
-          </a:p>
-          <a:p>
-            <a:endParaRPr lang="en-US" sz="1600" dirty="0" smtClean="0"/>
-          </a:p>
-          <a:p>
-            <a:endParaRPr lang="en-US" sz="1600" dirty="0"/>
-          </a:p>
-          <a:p>
-            <a:endParaRPr lang="en-GB" sz="1600" dirty="0"/>
-          </a:p>
-          <a:p>
-            <a:endParaRPr lang="en-US" sz="1600" dirty="0" smtClean="0"/>
-          </a:p>
-          <a:p>
-            <a:endParaRPr lang="en-US" sz="1600" dirty="0" smtClean="0"/>
-          </a:p>
-          <a:p>
-            <a:endParaRPr lang="en-US" sz="1600" dirty="0" smtClean="0"/>
-          </a:p>
-          <a:p>
-            <a:endParaRPr lang="en-GB" sz="1600" dirty="0"/>
-          </a:p>
-          <a:p>
-            <a:pPr marL="411163" indent="-411163">
-              <a:lnSpc>
-                <a:spcPct val="90000"/>
-              </a:lnSpc>
-              <a:spcBef>
-                <a:spcPts val="1500"/>
-              </a:spcBef>
-              <a:buSzPct val="150000"/>
-              <a:buBlip>
-                <a:blip r:embed="rId3"/>
-              </a:buBlip>
-            </a:pPr>
+              <a:t>If  </a:t>
+            </a:r>
+            <a:r>
+              <a:rPr lang="en-US" dirty="0" smtClean="0"/>
+              <a:t>negative response, either technical or functional, the message is routed to the Repair queue, for manual handling</a:t>
+            </a:r>
+            <a:r>
+              <a:rPr lang="en-US" dirty="0" smtClean="0"/>
+              <a:t>.</a:t>
+            </a:r>
             <a:endParaRPr lang="he-IL" sz="1600" dirty="0"/>
           </a:p>
         </p:txBody>
       </p:sp>
       <p:cxnSp>
         <p:nvCxnSpPr>
-          <p:cNvPr id="8" name="Straight Arrow Connector 7"/>
+          <p:cNvPr id="12" name="Straight Connector 11"/>
           <p:cNvCxnSpPr/>
           <p:nvPr/>
         </p:nvCxnSpPr>
         <p:spPr>
-          <a:xfrm flipH="1" flipV="1">
-            <a:off x="8643499" y="4743581"/>
-            <a:ext cx="454058" cy="1"/>
-          </a:xfrm>
-          <a:prstGeom prst="straightConnector1">
+          <a:xfrm flipV="1">
+            <a:off x="11230229" y="6183785"/>
+            <a:ext cx="248841" cy="5442"/>
+          </a:xfrm>
+          <a:prstGeom prst="line">
             <a:avLst/>
           </a:prstGeom>
-          <a:ln w="12700">
+          <a:ln>
             <a:solidFill>
-              <a:schemeClr val="accent2">
-                <a:alpha val="44000"/>
+              <a:schemeClr val="accent5">
+                <a:lumMod val="60000"/>
+                <a:lumOff val="40000"/>
               </a:schemeClr>
             </a:solidFill>
-            <a:tailEnd type="triangle" w="lg" len="lg"/>
           </a:ln>
         </p:spPr>
         <p:style>
@@ -9792,28 +9173,189 @@
       </p:cxnSp>
       <p:sp>
         <p:nvSpPr>
-          <p:cNvPr id="9" name="Flowchart: Predefined Process 8"/>
+          <p:cNvPr id="26" name="TextBox 25"/>
+          <p:cNvSpPr txBox="1"/>
+          <p:nvPr/>
+        </p:nvSpPr>
+        <p:spPr>
+          <a:xfrm>
+            <a:off x="3036904" y="4684883"/>
+            <a:ext cx="2053585" cy="264588"/>
+          </a:xfrm>
+          <a:prstGeom prst="rect">
+            <a:avLst/>
+          </a:prstGeom>
+          <a:noFill/>
+        </p:spPr>
+        <p:txBody>
+          <a:bodyPr wrap="square" lIns="0" tIns="0" rIns="0" bIns="0" rtlCol="0">
+            <a:noAutofit/>
+          </a:bodyPr>
+          <a:lstStyle>
+            <a:defPPr>
+              <a:defRPr lang="en-US"/>
+            </a:defPPr>
+            <a:lvl1pPr algn="ctr">
+              <a:defRPr sz="1100" b="1">
+                <a:solidFill>
+                  <a:schemeClr val="accent2"/>
+                </a:solidFill>
+              </a:defRPr>
+            </a:lvl1pPr>
+          </a:lstStyle>
+          <a:p>
+            <a:r>
+              <a:rPr lang="en-US" dirty="0"/>
+              <a:t>Technical error response</a:t>
+            </a:r>
+            <a:endParaRPr lang="en-GB" dirty="0" err="1"/>
+          </a:p>
+        </p:txBody>
+      </p:sp>
+      <p:sp>
+        <p:nvSpPr>
+          <p:cNvPr id="27" name="Date Placeholder 4"/>
+          <p:cNvSpPr txBox="1">
+            <a:spLocks/>
+          </p:cNvSpPr>
+          <p:nvPr/>
+        </p:nvSpPr>
+        <p:spPr>
+          <a:xfrm>
+            <a:off x="1607940" y="3835628"/>
+            <a:ext cx="1400908" cy="365125"/>
+          </a:xfrm>
+          <a:prstGeom prst="rect">
+            <a:avLst/>
+          </a:prstGeom>
+        </p:spPr>
+        <p:txBody>
+          <a:bodyPr vert="horz" lIns="0" tIns="0" rIns="0" bIns="0" rtlCol="0" anchor="ctr" anchorCtr="0"/>
+          <a:lstStyle>
+            <a:defPPr>
+              <a:defRPr lang="en-US"/>
+            </a:defPPr>
+            <a:lvl1pPr marL="0" algn="l" defTabSz="914400" rtl="0" eaLnBrk="1" latinLnBrk="0" hangingPunct="1">
+              <a:defRPr sz="800" kern="1200">
+                <a:solidFill>
+                  <a:schemeClr val="tx2"/>
+                </a:solidFill>
+                <a:latin typeface="+mn-lt"/>
+                <a:ea typeface="+mn-ea"/>
+                <a:cs typeface="+mn-cs"/>
+              </a:defRPr>
+            </a:lvl1pPr>
+            <a:lvl2pPr marL="457200" algn="l" defTabSz="914400" rtl="0" eaLnBrk="1" latinLnBrk="0" hangingPunct="1">
+              <a:defRPr sz="1800" kern="1200">
+                <a:solidFill>
+                  <a:schemeClr val="tx1"/>
+                </a:solidFill>
+                <a:latin typeface="+mn-lt"/>
+                <a:ea typeface="+mn-ea"/>
+                <a:cs typeface="+mn-cs"/>
+              </a:defRPr>
+            </a:lvl2pPr>
+            <a:lvl3pPr marL="914400" algn="l" defTabSz="914400" rtl="0" eaLnBrk="1" latinLnBrk="0" hangingPunct="1">
+              <a:defRPr sz="1800" kern="1200">
+                <a:solidFill>
+                  <a:schemeClr val="tx1"/>
+                </a:solidFill>
+                <a:latin typeface="+mn-lt"/>
+                <a:ea typeface="+mn-ea"/>
+                <a:cs typeface="+mn-cs"/>
+              </a:defRPr>
+            </a:lvl3pPr>
+            <a:lvl4pPr marL="1371600" algn="l" defTabSz="914400" rtl="0" eaLnBrk="1" latinLnBrk="0" hangingPunct="1">
+              <a:defRPr sz="1800" kern="1200">
+                <a:solidFill>
+                  <a:schemeClr val="tx1"/>
+                </a:solidFill>
+                <a:latin typeface="+mn-lt"/>
+                <a:ea typeface="+mn-ea"/>
+                <a:cs typeface="+mn-cs"/>
+              </a:defRPr>
+            </a:lvl4pPr>
+            <a:lvl5pPr marL="1828800" algn="l" defTabSz="914400" rtl="0" eaLnBrk="1" latinLnBrk="0" hangingPunct="1">
+              <a:defRPr sz="1800" kern="1200">
+                <a:solidFill>
+                  <a:schemeClr val="tx1"/>
+                </a:solidFill>
+                <a:latin typeface="+mn-lt"/>
+                <a:ea typeface="+mn-ea"/>
+                <a:cs typeface="+mn-cs"/>
+              </a:defRPr>
+            </a:lvl5pPr>
+            <a:lvl6pPr marL="2286000" algn="l" defTabSz="914400" rtl="0" eaLnBrk="1" latinLnBrk="0" hangingPunct="1">
+              <a:defRPr sz="1800" kern="1200">
+                <a:solidFill>
+                  <a:schemeClr val="tx1"/>
+                </a:solidFill>
+                <a:latin typeface="+mn-lt"/>
+                <a:ea typeface="+mn-ea"/>
+                <a:cs typeface="+mn-cs"/>
+              </a:defRPr>
+            </a:lvl6pPr>
+            <a:lvl7pPr marL="2743200" algn="l" defTabSz="914400" rtl="0" eaLnBrk="1" latinLnBrk="0" hangingPunct="1">
+              <a:defRPr sz="1800" kern="1200">
+                <a:solidFill>
+                  <a:schemeClr val="tx1"/>
+                </a:solidFill>
+                <a:latin typeface="+mn-lt"/>
+                <a:ea typeface="+mn-ea"/>
+                <a:cs typeface="+mn-cs"/>
+              </a:defRPr>
+            </a:lvl7pPr>
+            <a:lvl8pPr marL="3200400" algn="l" defTabSz="914400" rtl="0" eaLnBrk="1" latinLnBrk="0" hangingPunct="1">
+              <a:defRPr sz="1800" kern="1200">
+                <a:solidFill>
+                  <a:schemeClr val="tx1"/>
+                </a:solidFill>
+                <a:latin typeface="+mn-lt"/>
+                <a:ea typeface="+mn-ea"/>
+                <a:cs typeface="+mn-cs"/>
+              </a:defRPr>
+            </a:lvl8pPr>
+            <a:lvl9pPr marL="3657600" algn="l" defTabSz="914400" rtl="0" eaLnBrk="1" latinLnBrk="0" hangingPunct="1">
+              <a:defRPr sz="1800" kern="1200">
+                <a:solidFill>
+                  <a:schemeClr val="tx1"/>
+                </a:solidFill>
+                <a:latin typeface="+mn-lt"/>
+                <a:ea typeface="+mn-ea"/>
+                <a:cs typeface="+mn-cs"/>
+              </a:defRPr>
+            </a:lvl9pPr>
+          </a:lstStyle>
+          <a:p>
+            <a:fld id="{BC3F1638-3586-4527-A760-38AC15BFC248}" type="datetime4">
+              <a:rPr lang="en-GB" smtClean="0"/>
+              <a:pPr/>
+              <a:t>01 March 2018</a:t>
+            </a:fld>
+            <a:endParaRPr lang="en-GB" dirty="0"/>
+          </a:p>
+        </p:txBody>
+      </p:sp>
+      <p:sp>
+        <p:nvSpPr>
+          <p:cNvPr id="28" name="Flowchart: Predefined Process 27"/>
           <p:cNvSpPr/>
           <p:nvPr/>
         </p:nvSpPr>
         <p:spPr>
           <a:xfrm>
-            <a:off x="9128510" y="4407731"/>
+            <a:off x="589548" y="4575353"/>
             <a:ext cx="1941921" cy="838985"/>
           </a:xfrm>
           <a:prstGeom prst="flowChartPredefinedProcess">
             <a:avLst/>
           </a:prstGeom>
           <a:solidFill>
-            <a:schemeClr val="bg2"/>
+            <a:schemeClr val="accent2"/>
           </a:solidFill>
           <a:ln>
             <a:solidFill>
-              <a:schemeClr val="accent2">
-                <a:lumMod val="40000"/>
-                <a:lumOff val="60000"/>
-                <a:alpha val="44000"/>
-              </a:schemeClr>
+              <a:schemeClr val="accent1"/>
             </a:solidFill>
           </a:ln>
         </p:spPr>
@@ -9825,43 +9367,139 @@
           <a:p>
             <a:pPr algn="ctr"/>
             <a:r>
-              <a:rPr lang="en-GB" sz="1200" b="1" dirty="0"/>
-              <a:t>Create account lookup request </a:t>
+              <a:rPr lang="en-US" sz="1200" b="1" dirty="0">
+                <a:solidFill>
+                  <a:schemeClr val="bg1"/>
+                </a:solidFill>
+              </a:rPr>
+              <a:t>Message is routed </a:t>
+            </a:r>
+            <a:r>
+              <a:rPr lang="en-US" sz="1200" b="1" dirty="0" smtClean="0">
+                <a:solidFill>
+                  <a:schemeClr val="bg1"/>
+                </a:solidFill>
+              </a:rPr>
+              <a:t>(REPAIR queue) </a:t>
             </a:r>
             <a:endParaRPr lang="he-IL" sz="1200" b="1" dirty="0">
               <a:solidFill>
-                <a:schemeClr val="bg2">
-                  <a:lumMod val="75000"/>
-                </a:schemeClr>
+                <a:schemeClr val="bg1"/>
               </a:solidFill>
             </a:endParaRPr>
           </a:p>
         </p:txBody>
       </p:sp>
-      <p:sp>
-        <p:nvSpPr>
-          <p:cNvPr id="10" name="Flowchart: Predefined Process 9"/>
+      <p:cxnSp>
+        <p:nvCxnSpPr>
+          <p:cNvPr id="30" name="Straight Arrow Connector 29"/>
+          <p:cNvCxnSpPr>
+            <a:stCxn id="42" idx="1"/>
+            <a:endCxn id="28" idx="3"/>
+          </p:cNvCxnSpPr>
+          <p:nvPr/>
+        </p:nvCxnSpPr>
+        <p:spPr>
+          <a:xfrm flipH="1" flipV="1">
+            <a:off x="2531469" y="4994846"/>
+            <a:ext cx="3064455" cy="9284"/>
+          </a:xfrm>
+          <a:prstGeom prst="straightConnector1">
+            <a:avLst/>
+          </a:prstGeom>
+          <a:ln w="28575" cmpd="sng">
+            <a:solidFill>
+              <a:schemeClr val="accent2"/>
+            </a:solidFill>
+            <a:prstDash val="sysDot"/>
+            <a:tailEnd type="triangle" w="lg" len="lg"/>
+          </a:ln>
+        </p:spPr>
+        <p:style>
+          <a:lnRef idx="1">
+            <a:schemeClr val="accent1"/>
+          </a:lnRef>
+          <a:fillRef idx="0">
+            <a:schemeClr val="accent1"/>
+          </a:fillRef>
+          <a:effectRef idx="0">
+            <a:schemeClr val="accent1"/>
+          </a:effectRef>
+          <a:fontRef idx="minor">
+            <a:schemeClr val="tx1"/>
+          </a:fontRef>
+        </p:style>
+      </p:cxnSp>
+      <p:sp>
+        <p:nvSpPr>
+          <p:cNvPr id="31" name="TextBox 30"/>
+          <p:cNvSpPr txBox="1"/>
+          <p:nvPr/>
+        </p:nvSpPr>
+        <p:spPr>
+          <a:xfrm>
+            <a:off x="2297903" y="2622042"/>
+            <a:ext cx="1941921" cy="838985"/>
+          </a:xfrm>
+          <a:prstGeom prst="rect">
+            <a:avLst/>
+          </a:prstGeom>
+          <a:solidFill>
+            <a:schemeClr val="accent1">
+              <a:lumMod val="20000"/>
+              <a:lumOff val="80000"/>
+            </a:schemeClr>
+          </a:solidFill>
+          <a:ln>
+            <a:solidFill>
+              <a:schemeClr val="accent2"/>
+            </a:solidFill>
+          </a:ln>
+        </p:spPr>
+        <p:txBody>
+          <a:bodyPr wrap="square" lIns="0" tIns="0" rIns="0" bIns="0" rtlCol="1" anchor="ctr">
+            <a:noAutofit/>
+          </a:bodyPr>
+          <a:lstStyle>
+            <a:defPPr>
+              <a:defRPr lang="en-US"/>
+            </a:defPPr>
+            <a:lvl1pPr algn="ctr">
+              <a:defRPr sz="1200"/>
+            </a:lvl1pPr>
+          </a:lstStyle>
+          <a:p>
+            <a:r>
+              <a:rPr lang="en-US" dirty="0"/>
+              <a:t>Receive Payment Instruction</a:t>
+            </a:r>
+            <a:endParaRPr lang="he-IL" dirty="0" err="1"/>
+          </a:p>
+        </p:txBody>
+      </p:sp>
+      <p:sp>
+        <p:nvSpPr>
+          <p:cNvPr id="32" name="Flowchart: Predefined Process 31"/>
           <p:cNvSpPr/>
           <p:nvPr/>
         </p:nvSpPr>
         <p:spPr>
           <a:xfrm>
-            <a:off x="6687729" y="4418705"/>
+            <a:off x="4693883" y="2622042"/>
             <a:ext cx="1941921" cy="838985"/>
           </a:xfrm>
           <a:prstGeom prst="flowChartPredefinedProcess">
             <a:avLst/>
           </a:prstGeom>
           <a:solidFill>
-            <a:schemeClr val="bg2"/>
+            <a:schemeClr val="accent1">
+              <a:lumMod val="20000"/>
+              <a:lumOff val="80000"/>
+            </a:schemeClr>
           </a:solidFill>
           <a:ln>
             <a:solidFill>
-              <a:schemeClr val="accent2">
-                <a:lumMod val="40000"/>
-                <a:lumOff val="60000"/>
-                <a:alpha val="44000"/>
-              </a:schemeClr>
+              <a:schemeClr val="accent2"/>
             </a:solidFill>
           </a:ln>
         </p:spPr>
@@ -9873,56 +9511,165 @@
           <a:p>
             <a:pPr algn="ctr"/>
             <a:r>
-              <a:rPr lang="en-GB" sz="1200" b="1" dirty="0"/>
-              <a:t>Wait </a:t>
-            </a:r>
-            <a:r>
-              <a:rPr lang="en-GB" sz="1200" b="1" dirty="0" err="1"/>
-              <a:t>Behavior</a:t>
-            </a:r>
-            <a:r>
-              <a:rPr lang="en-GB" sz="1200" b="1" dirty="0"/>
-              <a:t> </a:t>
-            </a:r>
-            <a:r>
-              <a:rPr lang="en-GB" sz="1200" b="1" dirty="0" err="1"/>
-              <a:t>WaitCDB</a:t>
-            </a:r>
-            <a:r>
-              <a:rPr lang="en-GB" sz="1200" b="1" dirty="0"/>
-              <a:t> </a:t>
-            </a:r>
-            <a:endParaRPr lang="he-IL" sz="1200" b="1" dirty="0">
-              <a:solidFill>
-                <a:schemeClr val="bg2">
-                  <a:lumMod val="75000"/>
-                </a:schemeClr>
-              </a:solidFill>
-            </a:endParaRPr>
+              <a:rPr lang="en-US" sz="1200" dirty="0"/>
+              <a:t>Start </a:t>
+            </a:r>
+            <a:r>
+              <a:rPr lang="en-US" sz="1200" dirty="0" err="1"/>
+              <a:t>Dr</a:t>
+            </a:r>
+            <a:r>
+              <a:rPr lang="en-US" sz="1200" dirty="0"/>
+              <a:t>/Cr side</a:t>
+            </a:r>
+          </a:p>
+          <a:p>
+            <a:pPr algn="ctr"/>
+            <a:r>
+              <a:rPr lang="en-US" sz="1200" dirty="0"/>
+              <a:t>Processing</a:t>
+            </a:r>
+            <a:endParaRPr lang="he-IL" sz="1200" dirty="0"/>
           </a:p>
         </p:txBody>
       </p:sp>
       <p:cxnSp>
         <p:nvCxnSpPr>
-          <p:cNvPr id="12" name="Straight Connector 11"/>
-          <p:cNvCxnSpPr/>
+          <p:cNvPr id="33" name="Straight Arrow Connector 32"/>
+          <p:cNvCxnSpPr>
+            <a:stCxn id="31" idx="3"/>
+            <a:endCxn id="32" idx="1"/>
+          </p:cNvCxnSpPr>
           <p:nvPr/>
         </p:nvCxnSpPr>
         <p:spPr>
-          <a:xfrm flipV="1">
-            <a:off x="11070431" y="3431708"/>
-            <a:ext cx="248841" cy="5442"/>
-          </a:xfrm>
-          <a:prstGeom prst="line">
+          <a:xfrm>
+            <a:off x="4239824" y="3041535"/>
+            <a:ext cx="454059" cy="0"/>
+          </a:xfrm>
+          <a:prstGeom prst="straightConnector1">
             <a:avLst/>
           </a:prstGeom>
+          <a:ln w="12700">
+            <a:tailEnd type="triangle" w="lg" len="lg"/>
+          </a:ln>
+        </p:spPr>
+        <p:style>
+          <a:lnRef idx="1">
+            <a:schemeClr val="accent1"/>
+          </a:lnRef>
+          <a:fillRef idx="0">
+            <a:schemeClr val="accent1"/>
+          </a:fillRef>
+          <a:effectRef idx="0">
+            <a:schemeClr val="accent1"/>
+          </a:effectRef>
+          <a:fontRef idx="minor">
+            <a:schemeClr val="tx1"/>
+          </a:fontRef>
+        </p:style>
+      </p:cxnSp>
+      <p:sp>
+        <p:nvSpPr>
+          <p:cNvPr id="34" name="Flowchart: Predefined Process 33"/>
+          <p:cNvSpPr/>
+          <p:nvPr/>
+        </p:nvSpPr>
+        <p:spPr>
+          <a:xfrm>
+            <a:off x="7089863" y="2622042"/>
+            <a:ext cx="1941921" cy="838985"/>
+          </a:xfrm>
+          <a:prstGeom prst="flowChartPredefinedProcess">
+            <a:avLst/>
+          </a:prstGeom>
+          <a:solidFill>
+            <a:schemeClr val="accent1">
+              <a:lumMod val="20000"/>
+              <a:lumOff val="80000"/>
+            </a:schemeClr>
+          </a:solidFill>
           <a:ln>
             <a:solidFill>
-              <a:schemeClr val="accent5">
-                <a:lumMod val="60000"/>
-                <a:lumOff val="40000"/>
-              </a:schemeClr>
+              <a:schemeClr val="accent2"/>
             </a:solidFill>
+          </a:ln>
+        </p:spPr>
+        <p:txBody>
+          <a:bodyPr wrap="square" lIns="0" tIns="0" rIns="0" bIns="0" rtlCol="1" anchor="ctr">
+            <a:noAutofit/>
+          </a:bodyPr>
+          <a:lstStyle/>
+          <a:p>
+            <a:pPr algn="ctr"/>
+            <a:r>
+              <a:rPr lang="en-US" sz="1200" dirty="0"/>
+              <a:t>Load account and party from GPP DB </a:t>
+            </a:r>
+            <a:endParaRPr lang="he-IL" sz="1200" dirty="0"/>
+          </a:p>
+        </p:txBody>
+      </p:sp>
+      <p:sp>
+        <p:nvSpPr>
+          <p:cNvPr id="35" name="Flowchart: Predefined Process 34"/>
+          <p:cNvSpPr/>
+          <p:nvPr/>
+        </p:nvSpPr>
+        <p:spPr>
+          <a:xfrm>
+            <a:off x="9485843" y="2626992"/>
+            <a:ext cx="1941921" cy="838985"/>
+          </a:xfrm>
+          <a:prstGeom prst="flowChartPredefinedProcess">
+            <a:avLst/>
+          </a:prstGeom>
+          <a:solidFill>
+            <a:schemeClr val="accent1">
+              <a:lumMod val="20000"/>
+              <a:lumOff val="80000"/>
+            </a:schemeClr>
+          </a:solidFill>
+          <a:ln>
+            <a:solidFill>
+              <a:schemeClr val="accent2"/>
+            </a:solidFill>
+          </a:ln>
+        </p:spPr>
+        <p:txBody>
+          <a:bodyPr wrap="square" lIns="0" tIns="0" rIns="0" bIns="0" rtlCol="1" anchor="ctr">
+            <a:noAutofit/>
+          </a:bodyPr>
+          <a:lstStyle/>
+          <a:p>
+            <a:pPr algn="ctr"/>
+            <a:r>
+              <a:rPr lang="en-US" sz="1200" dirty="0"/>
+              <a:t>Evaluate Account Lookup Selection rules </a:t>
+            </a:r>
+            <a:endParaRPr lang="he-IL" sz="1200" dirty="0"/>
+          </a:p>
+        </p:txBody>
+      </p:sp>
+      <p:cxnSp>
+        <p:nvCxnSpPr>
+          <p:cNvPr id="36" name="Straight Arrow Connector 35"/>
+          <p:cNvCxnSpPr>
+            <a:stCxn id="32" idx="3"/>
+            <a:endCxn id="34" idx="1"/>
+          </p:cNvCxnSpPr>
+          <p:nvPr/>
+        </p:nvCxnSpPr>
+        <p:spPr>
+          <a:xfrm>
+            <a:off x="6635804" y="3041535"/>
+            <a:ext cx="454059" cy="0"/>
+          </a:xfrm>
+          <a:prstGeom prst="straightConnector1">
+            <a:avLst/>
+          </a:prstGeom>
+          <a:ln w="12700">
+            <a:tailEnd type="triangle" w="lg" len="lg"/>
           </a:ln>
         </p:spPr>
         <p:style>
@@ -9942,24 +9689,117 @@
       </p:cxnSp>
       <p:cxnSp>
         <p:nvCxnSpPr>
-          <p:cNvPr id="13" name="Straight Connector 12"/>
-          <p:cNvCxnSpPr/>
+          <p:cNvPr id="37" name="Straight Arrow Connector 36"/>
+          <p:cNvCxnSpPr>
+            <a:stCxn id="34" idx="3"/>
+            <a:endCxn id="35" idx="1"/>
+          </p:cNvCxnSpPr>
           <p:nvPr/>
         </p:nvCxnSpPr>
         <p:spPr>
           <a:xfrm>
-            <a:off x="11319272" y="3431708"/>
-            <a:ext cx="0" cy="1395515"/>
-          </a:xfrm>
-          <a:prstGeom prst="line">
+            <a:off x="9031784" y="3041535"/>
+            <a:ext cx="454059" cy="4950"/>
+          </a:xfrm>
+          <a:prstGeom prst="straightConnector1">
             <a:avLst/>
           </a:prstGeom>
+          <a:ln w="12700">
+            <a:tailEnd type="triangle" w="lg" len="lg"/>
+          </a:ln>
+        </p:spPr>
+        <p:style>
+          <a:lnRef idx="1">
+            <a:schemeClr val="accent1"/>
+          </a:lnRef>
+          <a:fillRef idx="0">
+            <a:schemeClr val="accent1"/>
+          </a:fillRef>
+          <a:effectRef idx="0">
+            <a:schemeClr val="accent1"/>
+          </a:effectRef>
+          <a:fontRef idx="minor">
+            <a:schemeClr val="tx1"/>
+          </a:fontRef>
+        </p:style>
+      </p:cxnSp>
+      <p:sp>
+        <p:nvSpPr>
+          <p:cNvPr id="38" name="Flowchart: Document 37"/>
+          <p:cNvSpPr/>
+          <p:nvPr/>
+        </p:nvSpPr>
+        <p:spPr>
+          <a:xfrm>
+            <a:off x="558578" y="2498765"/>
+            <a:ext cx="1271229" cy="1074656"/>
+          </a:xfrm>
+          <a:prstGeom prst="flowChartDocument">
+            <a:avLst/>
+          </a:prstGeom>
+          <a:solidFill>
+            <a:schemeClr val="accent2"/>
+          </a:solidFill>
           <a:ln>
             <a:solidFill>
-              <a:schemeClr val="accent5">
-                <a:lumMod val="75000"/>
-              </a:schemeClr>
+              <a:schemeClr val="accent1"/>
             </a:solidFill>
+          </a:ln>
+        </p:spPr>
+        <p:txBody>
+          <a:bodyPr wrap="square" lIns="0" tIns="0" rIns="0" bIns="0" rtlCol="1" anchor="ctr">
+            <a:noAutofit/>
+          </a:bodyPr>
+          <a:lstStyle/>
+          <a:p>
+            <a:pPr algn="ctr"/>
+            <a:r>
+              <a:rPr lang="en-US" sz="1200" dirty="0">
+                <a:solidFill>
+                  <a:schemeClr val="bg1"/>
+                </a:solidFill>
+              </a:rPr>
+              <a:t>Internet </a:t>
+            </a:r>
+            <a:r>
+              <a:rPr lang="en-US" sz="1200" dirty="0" smtClean="0">
+                <a:solidFill>
+                  <a:schemeClr val="bg1"/>
+                </a:solidFill>
+              </a:rPr>
+              <a:t>Banking,  Branch-OTC, SWIFT, Local Clearing</a:t>
+            </a:r>
+            <a:endParaRPr lang="he-IL" sz="1200" dirty="0">
+              <a:solidFill>
+                <a:schemeClr val="bg1"/>
+              </a:solidFill>
+            </a:endParaRPr>
+          </a:p>
+        </p:txBody>
+      </p:sp>
+      <p:cxnSp>
+        <p:nvCxnSpPr>
+          <p:cNvPr id="39" name="Straight Arrow Connector 38"/>
+          <p:cNvCxnSpPr>
+            <a:stCxn id="38" idx="3"/>
+            <a:endCxn id="31" idx="1"/>
+          </p:cNvCxnSpPr>
+          <p:nvPr/>
+        </p:nvCxnSpPr>
+        <p:spPr>
+          <a:xfrm>
+            <a:off x="1829807" y="3036093"/>
+            <a:ext cx="468096" cy="5442"/>
+          </a:xfrm>
+          <a:prstGeom prst="straightConnector1">
+            <a:avLst/>
+          </a:prstGeom>
+          <a:ln w="28575" cmpd="sng">
+            <a:solidFill>
+              <a:schemeClr val="accent2"/>
+            </a:solidFill>
+            <a:prstDash val="sysDot"/>
+            <a:tailEnd type="triangle" w="lg" len="lg"/>
           </a:ln>
         </p:spPr>
         <p:style>
@@ -9979,26 +9819,22 @@
       </p:cxnSp>
       <p:cxnSp>
         <p:nvCxnSpPr>
-          <p:cNvPr id="14" name="Straight Arrow Connector 13"/>
+          <p:cNvPr id="40" name="Straight Arrow Connector 39"/>
           <p:cNvCxnSpPr>
-            <a:endCxn id="9" idx="3"/>
+            <a:stCxn id="41" idx="1"/>
+            <a:endCxn id="42" idx="3"/>
           </p:cNvCxnSpPr>
           <p:nvPr/>
         </p:nvCxnSpPr>
         <p:spPr>
-          <a:xfrm flipH="1">
-            <a:off x="11070431" y="4827223"/>
-            <a:ext cx="248841" cy="1"/>
+          <a:xfrm flipH="1" flipV="1">
+            <a:off x="7537845" y="5004130"/>
+            <a:ext cx="1947998" cy="1"/>
           </a:xfrm>
           <a:prstGeom prst="straightConnector1">
             <a:avLst/>
           </a:prstGeom>
           <a:ln w="12700">
-            <a:solidFill>
-              <a:schemeClr val="accent2">
-                <a:alpha val="44000"/>
-              </a:schemeClr>
-            </a:solidFill>
             <a:tailEnd type="triangle" w="lg" len="lg"/>
           </a:ln>
         </p:spPr>
@@ -10019,28 +9855,27 @@
       </p:cxnSp>
       <p:sp>
         <p:nvSpPr>
-          <p:cNvPr id="15" name="TextBox 14"/>
-          <p:cNvSpPr txBox="1"/>
+          <p:cNvPr id="41" name="Flowchart: Predefined Process 40"/>
+          <p:cNvSpPr/>
           <p:nvPr/>
         </p:nvSpPr>
         <p:spPr>
           <a:xfrm>
-            <a:off x="1940570" y="3012215"/>
+            <a:off x="9485843" y="4584638"/>
             <a:ext cx="1941921" cy="838985"/>
           </a:xfrm>
-          <a:prstGeom prst="rect">
+          <a:prstGeom prst="flowChartPredefinedProcess">
             <a:avLst/>
           </a:prstGeom>
           <a:solidFill>
-            <a:schemeClr val="bg2"/>
+            <a:schemeClr val="accent1">
+              <a:lumMod val="20000"/>
+              <a:lumOff val="80000"/>
+            </a:schemeClr>
           </a:solidFill>
           <a:ln>
             <a:solidFill>
-              <a:schemeClr val="accent2">
-                <a:lumMod val="40000"/>
-                <a:lumOff val="60000"/>
-                <a:alpha val="44000"/>
-              </a:schemeClr>
+              <a:schemeClr val="accent2"/>
             </a:solidFill>
           </a:ln>
         </p:spPr>
@@ -10048,46 +9883,26 @@
           <a:bodyPr wrap="square" lIns="0" tIns="0" rIns="0" bIns="0" rtlCol="1" anchor="ctr">
             <a:noAutofit/>
           </a:bodyPr>
-          <a:lstStyle>
-            <a:defPPr>
-              <a:defRPr lang="en-US"/>
-            </a:defPPr>
-            <a:lvl1pPr algn="ctr">
-              <a:defRPr sz="1200">
-                <a:solidFill>
-                  <a:schemeClr val="bg2">
-                    <a:lumMod val="75000"/>
-                  </a:schemeClr>
-                </a:solidFill>
-              </a:defRPr>
-            </a:lvl1pPr>
-          </a:lstStyle>
-          <a:p>
-            <a:r>
-              <a:rPr lang="en-US" b="1" dirty="0">
-                <a:solidFill>
-                  <a:schemeClr val="tx1"/>
-                </a:solidFill>
-              </a:rPr>
-              <a:t>Receive Payment Instruction</a:t>
-            </a:r>
-            <a:endParaRPr lang="he-IL" b="1" dirty="0" err="1">
-              <a:solidFill>
-                <a:schemeClr val="tx1"/>
-              </a:solidFill>
-            </a:endParaRPr>
-          </a:p>
-        </p:txBody>
-      </p:sp>
-      <p:sp>
-        <p:nvSpPr>
-          <p:cNvPr id="16" name="Flowchart: Predefined Process 15"/>
+          <a:lstStyle/>
+          <a:p>
+            <a:pPr algn="ctr"/>
+            <a:r>
+              <a:rPr lang="en-GB" sz="1200" dirty="0"/>
+              <a:t>Create account lookup request </a:t>
+            </a:r>
+            <a:endParaRPr lang="he-IL" sz="1200" dirty="0"/>
+          </a:p>
+        </p:txBody>
+      </p:sp>
+      <p:sp>
+        <p:nvSpPr>
+          <p:cNvPr id="42" name="Flowchart: Predefined Process 41"/>
           <p:cNvSpPr/>
           <p:nvPr/>
         </p:nvSpPr>
         <p:spPr>
           <a:xfrm>
-            <a:off x="4336550" y="3012215"/>
+            <a:off x="5595924" y="4584637"/>
             <a:ext cx="1941921" cy="838985"/>
           </a:xfrm>
           <a:prstGeom prst="flowChartPredefinedProcess">
@@ -10114,51 +9929,46 @@
           <a:p>
             <a:pPr algn="ctr"/>
             <a:r>
-              <a:rPr lang="en-US" sz="1200" b="1" dirty="0"/>
-              <a:t>Start </a:t>
-            </a:r>
-            <a:r>
-              <a:rPr lang="en-US" sz="1200" b="1" dirty="0" err="1"/>
-              <a:t>Dr</a:t>
-            </a:r>
-            <a:r>
-              <a:rPr lang="en-US" sz="1200" b="1" dirty="0"/>
-              <a:t>/Cr side</a:t>
+              <a:rPr lang="en-GB" sz="1200" dirty="0"/>
+              <a:t>Wait </a:t>
+            </a:r>
+            <a:r>
+              <a:rPr lang="en-GB" sz="1200" dirty="0"/>
+              <a:t>Behaviour Wait CDB </a:t>
             </a:r>
           </a:p>
           <a:p>
             <a:pPr algn="ctr"/>
             <a:r>
-              <a:rPr lang="en-US" sz="1200" b="1" dirty="0"/>
-              <a:t>Processing</a:t>
-            </a:r>
-            <a:endParaRPr lang="he-IL" sz="1200" b="1" dirty="0"/>
+              <a:rPr lang="en-GB" sz="1200" dirty="0"/>
+              <a:t>(CDBWAIT </a:t>
+            </a:r>
+            <a:r>
+              <a:rPr lang="en-GB" sz="1200" dirty="0" smtClean="0"/>
+              <a:t>queue)</a:t>
+            </a:r>
+            <a:endParaRPr lang="he-IL" sz="1200" dirty="0"/>
           </a:p>
         </p:txBody>
       </p:sp>
       <p:cxnSp>
         <p:nvCxnSpPr>
-          <p:cNvPr id="17" name="Straight Arrow Connector 16"/>
+          <p:cNvPr id="43" name="Straight Arrow Connector 42"/>
           <p:cNvCxnSpPr>
-            <a:stCxn id="15" idx="3"/>
-            <a:endCxn id="16" idx="1"/>
+            <a:stCxn id="35" idx="2"/>
+            <a:endCxn id="41" idx="0"/>
           </p:cNvCxnSpPr>
           <p:nvPr/>
         </p:nvCxnSpPr>
         <p:spPr>
           <a:xfrm>
-            <a:off x="3882491" y="3431708"/>
-            <a:ext cx="454059" cy="0"/>
+            <a:off x="10456804" y="3465977"/>
+            <a:ext cx="0" cy="1118661"/>
           </a:xfrm>
           <a:prstGeom prst="straightConnector1">
             <a:avLst/>
           </a:prstGeom>
           <a:ln w="12700">
-            <a:solidFill>
-              <a:schemeClr val="accent2">
-                <a:alpha val="44000"/>
-              </a:schemeClr>
-            </a:solidFill>
             <a:tailEnd type="triangle" w="lg" len="lg"/>
           </a:ln>
         </p:spPr>
@@ -10179,374 +9989,14 @@
       </p:cxnSp>
       <p:sp>
         <p:nvSpPr>
-          <p:cNvPr id="18" name="Flowchart: Predefined Process 17"/>
-          <p:cNvSpPr/>
-          <p:nvPr/>
-        </p:nvSpPr>
-        <p:spPr>
-          <a:xfrm>
-            <a:off x="6732530" y="3012215"/>
-            <a:ext cx="1941921" cy="838985"/>
-          </a:xfrm>
-          <a:prstGeom prst="flowChartPredefinedProcess">
-            <a:avLst/>
-          </a:prstGeom>
-          <a:solidFill>
-            <a:schemeClr val="bg2"/>
-          </a:solidFill>
-          <a:ln>
-            <a:solidFill>
-              <a:schemeClr val="accent2">
-                <a:lumMod val="40000"/>
-                <a:lumOff val="60000"/>
-                <a:alpha val="44000"/>
-              </a:schemeClr>
-            </a:solidFill>
-          </a:ln>
-        </p:spPr>
-        <p:txBody>
-          <a:bodyPr wrap="square" lIns="0" tIns="0" rIns="0" bIns="0" rtlCol="1" anchor="ctr">
-            <a:noAutofit/>
-          </a:bodyPr>
-          <a:lstStyle/>
-          <a:p>
-            <a:pPr algn="ctr"/>
-            <a:r>
-              <a:rPr lang="en-US" sz="1200" b="1" dirty="0"/>
-              <a:t>Load account and party from GPP DB </a:t>
-            </a:r>
-            <a:endParaRPr lang="he-IL" sz="1200" b="1" dirty="0">
-              <a:solidFill>
-                <a:schemeClr val="bg2">
-                  <a:lumMod val="75000"/>
-                </a:schemeClr>
-              </a:solidFill>
-            </a:endParaRPr>
-          </a:p>
-        </p:txBody>
-      </p:sp>
-      <p:sp>
-        <p:nvSpPr>
-          <p:cNvPr id="19" name="Flowchart: Predefined Process 18"/>
-          <p:cNvSpPr/>
-          <p:nvPr/>
-        </p:nvSpPr>
-        <p:spPr>
-          <a:xfrm>
-            <a:off x="9128510" y="3012215"/>
-            <a:ext cx="1941921" cy="838985"/>
-          </a:xfrm>
-          <a:prstGeom prst="flowChartPredefinedProcess">
-            <a:avLst/>
-          </a:prstGeom>
-          <a:solidFill>
-            <a:schemeClr val="bg2"/>
-          </a:solidFill>
-          <a:ln>
-            <a:solidFill>
-              <a:schemeClr val="accent2">
-                <a:lumMod val="40000"/>
-                <a:lumOff val="60000"/>
-                <a:alpha val="44000"/>
-              </a:schemeClr>
-            </a:solidFill>
-          </a:ln>
-        </p:spPr>
-        <p:txBody>
-          <a:bodyPr wrap="square" lIns="0" tIns="0" rIns="0" bIns="0" rtlCol="1" anchor="ctr">
-            <a:noAutofit/>
-          </a:bodyPr>
-          <a:lstStyle/>
-          <a:p>
-            <a:pPr algn="ctr"/>
-            <a:r>
-              <a:rPr lang="en-US" sz="1200" b="1" dirty="0"/>
-              <a:t>Evaluate Account Lookup Selection rules </a:t>
-            </a:r>
-            <a:endParaRPr lang="he-IL" sz="1200" b="1" dirty="0">
-              <a:solidFill>
-                <a:schemeClr val="bg2">
-                  <a:lumMod val="75000"/>
-                </a:schemeClr>
-              </a:solidFill>
-            </a:endParaRPr>
-          </a:p>
-        </p:txBody>
-      </p:sp>
-      <p:cxnSp>
-        <p:nvCxnSpPr>
-          <p:cNvPr id="20" name="Straight Arrow Connector 19"/>
-          <p:cNvCxnSpPr>
-            <a:stCxn id="16" idx="3"/>
-            <a:endCxn id="18" idx="1"/>
-          </p:cNvCxnSpPr>
-          <p:nvPr/>
-        </p:nvCxnSpPr>
-        <p:spPr>
-          <a:xfrm>
-            <a:off x="6278471" y="3431708"/>
-            <a:ext cx="454059" cy="0"/>
-          </a:xfrm>
-          <a:prstGeom prst="straightConnector1">
-            <a:avLst/>
-          </a:prstGeom>
-          <a:ln w="12700">
-            <a:solidFill>
-              <a:schemeClr val="accent2">
-                <a:alpha val="44000"/>
-              </a:schemeClr>
-            </a:solidFill>
-            <a:tailEnd type="triangle" w="lg" len="lg"/>
-          </a:ln>
-        </p:spPr>
-        <p:style>
-          <a:lnRef idx="1">
-            <a:schemeClr val="accent1"/>
-          </a:lnRef>
-          <a:fillRef idx="0">
-            <a:schemeClr val="accent1"/>
-          </a:fillRef>
-          <a:effectRef idx="0">
-            <a:schemeClr val="accent1"/>
-          </a:effectRef>
-          <a:fontRef idx="minor">
-            <a:schemeClr val="tx1"/>
-          </a:fontRef>
-        </p:style>
-      </p:cxnSp>
-      <p:cxnSp>
-        <p:nvCxnSpPr>
-          <p:cNvPr id="21" name="Straight Arrow Connector 20"/>
-          <p:cNvCxnSpPr>
-            <a:stCxn id="18" idx="3"/>
-            <a:endCxn id="19" idx="1"/>
-          </p:cNvCxnSpPr>
-          <p:nvPr/>
-        </p:nvCxnSpPr>
-        <p:spPr>
-          <a:xfrm>
-            <a:off x="8674451" y="3431708"/>
-            <a:ext cx="454059" cy="0"/>
-          </a:xfrm>
-          <a:prstGeom prst="straightConnector1">
-            <a:avLst/>
-          </a:prstGeom>
-          <a:ln w="12700">
-            <a:solidFill>
-              <a:schemeClr val="accent2">
-                <a:alpha val="44000"/>
-              </a:schemeClr>
-            </a:solidFill>
-            <a:tailEnd type="triangle" w="lg" len="lg"/>
-          </a:ln>
-        </p:spPr>
-        <p:style>
-          <a:lnRef idx="1">
-            <a:schemeClr val="accent1"/>
-          </a:lnRef>
-          <a:fillRef idx="0">
-            <a:schemeClr val="accent1"/>
-          </a:fillRef>
-          <a:effectRef idx="0">
-            <a:schemeClr val="accent1"/>
-          </a:effectRef>
-          <a:fontRef idx="minor">
-            <a:schemeClr val="tx1"/>
-          </a:fontRef>
-        </p:style>
-      </p:cxnSp>
-      <p:sp>
-        <p:nvSpPr>
-          <p:cNvPr id="22" name="Flowchart: Document 21"/>
-          <p:cNvSpPr/>
-          <p:nvPr/>
-        </p:nvSpPr>
-        <p:spPr>
-          <a:xfrm>
-            <a:off x="201245" y="2888938"/>
-            <a:ext cx="1271229" cy="1074656"/>
-          </a:xfrm>
-          <a:prstGeom prst="flowChartDocument">
-            <a:avLst/>
-          </a:prstGeom>
-          <a:solidFill>
-            <a:schemeClr val="accent2"/>
-          </a:solidFill>
-          <a:ln>
-            <a:solidFill>
-              <a:schemeClr val="accent1"/>
-            </a:solidFill>
-          </a:ln>
-        </p:spPr>
-        <p:txBody>
-          <a:bodyPr wrap="square" lIns="0" tIns="0" rIns="0" bIns="0" rtlCol="1" anchor="ctr">
-            <a:noAutofit/>
-          </a:bodyPr>
-          <a:lstStyle/>
-          <a:p>
-            <a:pPr algn="ctr"/>
-            <a:r>
-              <a:rPr lang="en-US" sz="1200" b="1" dirty="0">
-                <a:solidFill>
-                  <a:schemeClr val="bg1"/>
-                </a:solidFill>
-              </a:rPr>
-              <a:t>Internet </a:t>
-            </a:r>
-            <a:r>
-              <a:rPr lang="en-US" sz="1200" b="1" dirty="0" smtClean="0">
-                <a:solidFill>
-                  <a:schemeClr val="bg1"/>
-                </a:solidFill>
-              </a:rPr>
-              <a:t>Banking,  Branch-OTC, SWIFT, Local Clearing</a:t>
-            </a:r>
-            <a:endParaRPr lang="he-IL" sz="1200" b="1" dirty="0">
-              <a:solidFill>
-                <a:schemeClr val="bg1"/>
-              </a:solidFill>
-            </a:endParaRPr>
-          </a:p>
-        </p:txBody>
-      </p:sp>
-      <p:cxnSp>
-        <p:nvCxnSpPr>
-          <p:cNvPr id="23" name="Straight Arrow Connector 22"/>
-          <p:cNvCxnSpPr>
-            <a:stCxn id="22" idx="3"/>
-            <a:endCxn id="15" idx="1"/>
-          </p:cNvCxnSpPr>
-          <p:nvPr/>
-        </p:nvCxnSpPr>
-        <p:spPr>
-          <a:xfrm>
-            <a:off x="1472474" y="3426266"/>
-            <a:ext cx="468096" cy="5442"/>
-          </a:xfrm>
-          <a:prstGeom prst="straightConnector1">
-            <a:avLst/>
-          </a:prstGeom>
-          <a:ln w="28575" cmpd="sng">
-            <a:solidFill>
-              <a:schemeClr val="accent2"/>
-            </a:solidFill>
-            <a:prstDash val="sysDot"/>
-            <a:tailEnd type="triangle" w="lg" len="lg"/>
-          </a:ln>
-        </p:spPr>
-        <p:style>
-          <a:lnRef idx="1">
-            <a:schemeClr val="accent1"/>
-          </a:lnRef>
-          <a:fillRef idx="0">
-            <a:schemeClr val="accent1"/>
-          </a:fillRef>
-          <a:effectRef idx="0">
-            <a:schemeClr val="accent1"/>
-          </a:effectRef>
-          <a:fontRef idx="minor">
-            <a:schemeClr val="tx1"/>
-          </a:fontRef>
-        </p:style>
-      </p:cxnSp>
-      <p:cxnSp>
-        <p:nvCxnSpPr>
-          <p:cNvPr id="24" name="Straight Arrow Connector 23"/>
-          <p:cNvCxnSpPr>
-            <a:endCxn id="25" idx="3"/>
-          </p:cNvCxnSpPr>
-          <p:nvPr/>
-        </p:nvCxnSpPr>
-        <p:spPr>
-          <a:xfrm flipH="1">
-            <a:off x="5576885" y="4838198"/>
-            <a:ext cx="1116585" cy="0"/>
-          </a:xfrm>
-          <a:prstGeom prst="straightConnector1">
-            <a:avLst/>
-          </a:prstGeom>
-          <a:ln w="12700">
-            <a:solidFill>
-              <a:schemeClr val="accent2">
-                <a:alpha val="44000"/>
-              </a:schemeClr>
-            </a:solidFill>
-            <a:tailEnd type="triangle" w="lg" len="lg"/>
-          </a:ln>
-        </p:spPr>
-        <p:style>
-          <a:lnRef idx="1">
-            <a:schemeClr val="accent1"/>
-          </a:lnRef>
-          <a:fillRef idx="0">
-            <a:schemeClr val="accent1"/>
-          </a:fillRef>
-          <a:effectRef idx="0">
-            <a:schemeClr val="accent1"/>
-          </a:effectRef>
-          <a:fontRef idx="minor">
-            <a:schemeClr val="tx1"/>
-          </a:fontRef>
-        </p:style>
-      </p:cxnSp>
-      <p:sp>
-        <p:nvSpPr>
-          <p:cNvPr id="25" name="Flowchart: Predefined Process 24"/>
-          <p:cNvSpPr/>
-          <p:nvPr/>
-        </p:nvSpPr>
-        <p:spPr>
-          <a:xfrm>
-            <a:off x="3634964" y="4418705"/>
-            <a:ext cx="1941921" cy="838985"/>
-          </a:xfrm>
-          <a:prstGeom prst="flowChartPredefinedProcess">
-            <a:avLst/>
-          </a:prstGeom>
-          <a:solidFill>
-            <a:schemeClr val="bg2"/>
-          </a:solidFill>
-          <a:ln>
-            <a:solidFill>
-              <a:schemeClr val="accent2">
-                <a:lumMod val="40000"/>
-                <a:lumOff val="60000"/>
-                <a:alpha val="44000"/>
-              </a:schemeClr>
-            </a:solidFill>
-          </a:ln>
-        </p:spPr>
-        <p:txBody>
-          <a:bodyPr wrap="square" lIns="0" tIns="0" rIns="0" bIns="0" rtlCol="1" anchor="ctr">
-            <a:noAutofit/>
-          </a:bodyPr>
-          <a:lstStyle/>
-          <a:p>
-            <a:pPr algn="ctr"/>
-            <a:r>
-              <a:rPr lang="en-US" sz="1200" dirty="0" smtClean="0"/>
-              <a:t>Message in Repair queue</a:t>
-            </a:r>
-            <a:endParaRPr lang="he-IL" sz="1200" dirty="0">
-              <a:solidFill>
-                <a:schemeClr val="bg2">
-                  <a:lumMod val="75000"/>
-                </a:schemeClr>
-              </a:solidFill>
-            </a:endParaRPr>
-          </a:p>
-        </p:txBody>
-      </p:sp>
-      <p:sp>
-        <p:nvSpPr>
-          <p:cNvPr id="26" name="TextBox 25"/>
+          <p:cNvPr id="44" name="TextBox 43"/>
           <p:cNvSpPr txBox="1"/>
           <p:nvPr/>
         </p:nvSpPr>
         <p:spPr>
           <a:xfrm>
-            <a:off x="5765171" y="4346774"/>
-            <a:ext cx="922558" cy="467447"/>
+            <a:off x="7720380" y="4668951"/>
+            <a:ext cx="1646271" cy="309408"/>
           </a:xfrm>
           <a:prstGeom prst="rect">
             <a:avLst/>
@@ -10559,17 +10009,18 @@
           </a:bodyPr>
           <a:lstStyle/>
           <a:p>
+            <a:pPr algn="ctr"/>
             <a:r>
               <a:rPr lang="en-US" sz="1100" dirty="0" smtClean="0">
                 <a:solidFill>
-                  <a:schemeClr val="tx2"/>
+                  <a:schemeClr val="accent1"/>
                 </a:solidFill>
               </a:rPr>
-              <a:t>Technical error response</a:t>
+              <a:t>account lookup request</a:t>
             </a:r>
             <a:endParaRPr lang="en-GB" sz="1100" dirty="0" err="1" smtClean="0">
               <a:solidFill>
-                <a:schemeClr val="tx2"/>
+                <a:schemeClr val="accent1"/>
               </a:solidFill>
             </a:endParaRPr>
           </a:p>
@@ -10669,7 +10120,7 @@
             <a:fld id="{BC3F1638-3586-4527-A760-38AC15BFC248}" type="datetime4">
               <a:rPr lang="en-GB" smtClean="0"/>
               <a:pPr/>
-              <a:t>18 February 2018</a:t>
+              <a:t>01 March 2018</a:t>
             </a:fld>
             <a:endParaRPr lang="en-GB" dirty="0"/>
           </a:p>
@@ -10999,7 +10450,15 @@
                   <a:schemeClr val="accent2"/>
                 </a:solidFill>
               </a:rPr>
-              <a:t>Single Vs bulk mode</a:t>
+              <a:t>Single </a:t>
+            </a:r>
+            <a:r>
+              <a:rPr lang="en-US" dirty="0" smtClean="0">
+                <a:solidFill>
+                  <a:schemeClr val="accent2"/>
+                </a:solidFill>
+              </a:rPr>
+              <a:t>mode</a:t>
             </a:r>
             <a:endParaRPr lang="en-GB" dirty="0"/>
           </a:p>
@@ -11023,7 +10482,7 @@
             <a:fld id="{BC3F1638-3586-4527-A760-38AC15BFC248}" type="datetime4">
               <a:rPr lang="en-GB" smtClean="0"/>
               <a:pPr/>
-              <a:t>18 February 2018</a:t>
+              <a:t>01 March 2018</a:t>
             </a:fld>
             <a:endParaRPr lang="en-GB" dirty="0"/>
           </a:p>
@@ -11061,8 +10520,8 @@
         </p:nvSpPr>
         <p:spPr>
           <a:xfrm>
-            <a:off x="623888" y="1123721"/>
-            <a:ext cx="9120187" cy="5589222"/>
+            <a:off x="1196121" y="985746"/>
+            <a:ext cx="9120187" cy="2108269"/>
           </a:xfrm>
           <a:prstGeom prst="rect">
             <a:avLst/>
@@ -11109,86 +10568,10 @@
               <a:rPr lang="en-US" dirty="0" smtClean="0"/>
               <a:t>GPP invokes the Account Lookup interface for the following accounts: </a:t>
             </a:r>
-          </a:p>
-          <a:p>
-            <a:pPr>
-              <a:lnSpc>
-                <a:spcPct val="90000"/>
-              </a:lnSpc>
-              <a:spcBef>
-                <a:spcPts val="1500"/>
-              </a:spcBef>
-              <a:buSzPct val="150000"/>
-            </a:pPr>
-            <a:r>
-              <a:rPr lang="en-US" dirty="0" smtClean="0"/>
-              <a:t>                                                                                                                                               </a:t>
-            </a:r>
-          </a:p>
-          <a:p>
-            <a:r>
-              <a:rPr lang="en-US" dirty="0" smtClean="0"/>
-              <a:t>       </a:t>
-            </a:r>
-            <a:r>
-              <a:rPr lang="en-US" dirty="0"/>
-              <a:t> </a:t>
-            </a:r>
-            <a:r>
-              <a:rPr lang="en-US" b="1" dirty="0" smtClean="0"/>
-              <a:t>Credit</a:t>
-            </a:r>
-            <a:r>
-              <a:rPr lang="en-US" dirty="0" smtClean="0"/>
-              <a:t>: Invoked </a:t>
-            </a:r>
-            <a:r>
-              <a:rPr lang="en-US" dirty="0"/>
-              <a:t>for the credit account only </a:t>
-            </a:r>
-          </a:p>
-          <a:p>
-            <a:r>
-              <a:rPr lang="en-US" dirty="0" smtClean="0"/>
-              <a:t>        </a:t>
-            </a:r>
-            <a:r>
-              <a:rPr lang="en-US" b="1" dirty="0" smtClean="0"/>
-              <a:t>Debit</a:t>
-            </a:r>
-            <a:r>
-              <a:rPr lang="en-US" dirty="0" smtClean="0"/>
-              <a:t>: Invoked </a:t>
-            </a:r>
-            <a:r>
-              <a:rPr lang="en-US" dirty="0"/>
-              <a:t>for the debit account only </a:t>
-            </a:r>
-          </a:p>
-          <a:p>
-            <a:r>
-              <a:rPr lang="en-US" dirty="0" smtClean="0"/>
-              <a:t>        </a:t>
-            </a:r>
-            <a:r>
-              <a:rPr lang="en-US" b="1" dirty="0" smtClean="0"/>
-              <a:t>Both</a:t>
-            </a:r>
-            <a:r>
-              <a:rPr lang="en-US" dirty="0" smtClean="0"/>
-              <a:t>: Invoked </a:t>
-            </a:r>
-            <a:r>
-              <a:rPr lang="en-US" dirty="0"/>
-              <a:t>for both the credit and debit accounts for an On-Us </a:t>
-            </a:r>
-            <a:r>
-              <a:rPr lang="en-US" dirty="0" smtClean="0"/>
-              <a:t>transaction.</a:t>
-            </a:r>
-          </a:p>
-          <a:p>
-            <a:pPr marL="411163" indent="-411163">
+            <a:endParaRPr lang="en-US" dirty="0" smtClean="0"/>
+          </a:p>
+          <a:p>
+            <a:pPr marL="868363" lvl="1" indent="-411163">
               <a:lnSpc>
                 <a:spcPct val="90000"/>
               </a:lnSpc>
@@ -11200,25 +10583,22 @@
                 <a:blip r:embed="rId3"/>
               </a:buBlip>
             </a:pPr>
+            <a:r>
+              <a:rPr lang="en-US" b="1" dirty="0" smtClean="0"/>
+              <a:t>Credit</a:t>
+            </a:r>
+            <a:r>
+              <a:rPr lang="en-US" dirty="0" smtClean="0"/>
+              <a:t>: Invoked </a:t>
+            </a:r>
+            <a:r>
+              <a:rPr lang="en-US" dirty="0"/>
+              <a:t>for the credit account only </a:t>
+            </a:r>
             <a:endParaRPr lang="en-US" dirty="0" smtClean="0"/>
           </a:p>
           <a:p>
-            <a:pPr>
-              <a:lnSpc>
-                <a:spcPct val="90000"/>
-              </a:lnSpc>
-              <a:spcBef>
-                <a:spcPts val="1500"/>
-              </a:spcBef>
-              <a:buSzPct val="150000"/>
-            </a:pPr>
-            <a:r>
-              <a:rPr lang="en-US" dirty="0" smtClean="0"/>
-              <a:t> </a:t>
-            </a:r>
-          </a:p>
-          <a:p>
-            <a:pPr marL="411163" indent="-411163">
+            <a:pPr marL="868363" lvl="1" indent="-411163">
               <a:lnSpc>
                 <a:spcPct val="90000"/>
               </a:lnSpc>
@@ -11230,10 +10610,22 @@
                 <a:blip r:embed="rId3"/>
               </a:buBlip>
             </a:pPr>
-            <a:endParaRPr lang="en-US" dirty="0"/>
-          </a:p>
-          <a:p>
-            <a:pPr marL="411163" indent="-411163">
+            <a:r>
+              <a:rPr lang="en-US" b="1" dirty="0" smtClean="0"/>
+              <a:t>Debit</a:t>
+            </a:r>
+            <a:r>
+              <a:rPr lang="en-US" dirty="0" smtClean="0"/>
+              <a:t>: Invoked </a:t>
+            </a:r>
+            <a:r>
+              <a:rPr lang="en-US" dirty="0"/>
+              <a:t>for the debit account only </a:t>
+            </a:r>
+            <a:endParaRPr lang="en-US" dirty="0" smtClean="0"/>
+          </a:p>
+          <a:p>
+            <a:pPr marL="868363" lvl="1" indent="-411163">
               <a:lnSpc>
                 <a:spcPct val="90000"/>
               </a:lnSpc>
@@ -11245,81 +10637,26 @@
                 <a:blip r:embed="rId3"/>
               </a:buBlip>
             </a:pPr>
-            <a:endParaRPr lang="en-US" dirty="0" smtClean="0"/>
-          </a:p>
-          <a:p>
-            <a:pPr marL="411163" indent="-411163">
-              <a:lnSpc>
-                <a:spcPct val="90000"/>
-              </a:lnSpc>
-              <a:spcBef>
-                <a:spcPts val="1500"/>
-              </a:spcBef>
-              <a:buSzPct val="150000"/>
-              <a:buBlip>
-                <a:blip r:embed="rId3"/>
-              </a:buBlip>
-            </a:pPr>
-            <a:endParaRPr lang="en-US" b="1" dirty="0">
-              <a:solidFill>
-                <a:schemeClr val="accent2"/>
-              </a:solidFill>
-              <a:latin typeface="Courier" pitchFamily="49" charset="0"/>
-            </a:endParaRPr>
-          </a:p>
-          <a:p>
-            <a:pPr marL="411163" indent="-411163">
-              <a:lnSpc>
-                <a:spcPct val="90000"/>
-              </a:lnSpc>
-              <a:spcBef>
-                <a:spcPts val="1500"/>
-              </a:spcBef>
-              <a:buSzPct val="150000"/>
-              <a:buBlip>
-                <a:blip r:embed="rId3"/>
-              </a:buBlip>
-            </a:pPr>
-            <a:endParaRPr lang="en-US" b="1" dirty="0">
-              <a:solidFill>
-                <a:schemeClr val="accent2"/>
-              </a:solidFill>
-              <a:latin typeface="Courier" pitchFamily="49" charset="0"/>
-            </a:endParaRPr>
-          </a:p>
-          <a:p>
-            <a:pPr marL="411163" indent="-411163">
-              <a:lnSpc>
-                <a:spcPct val="90000"/>
-              </a:lnSpc>
-              <a:spcBef>
-                <a:spcPts val="1500"/>
-              </a:spcBef>
-              <a:buSzPct val="150000"/>
-              <a:buBlip>
-                <a:blip r:embed="rId3"/>
-              </a:buBlip>
-            </a:pPr>
-            <a:endParaRPr lang="en-US" b="1" dirty="0">
-              <a:solidFill>
-                <a:schemeClr val="accent2"/>
-              </a:solidFill>
-              <a:latin typeface="Courier" pitchFamily="49" charset="0"/>
-            </a:endParaRPr>
-          </a:p>
-          <a:p>
-            <a:pPr marL="411163" indent="-411163">
-              <a:lnSpc>
-                <a:spcPct val="90000"/>
-              </a:lnSpc>
-              <a:spcBef>
-                <a:spcPts val="1500"/>
-              </a:spcBef>
-              <a:buSzPct val="150000"/>
-              <a:buBlip>
-                <a:blip r:embed="rId3"/>
-              </a:buBlip>
-            </a:pPr>
+            <a:r>
+              <a:rPr lang="en-US" b="1" dirty="0" smtClean="0"/>
+              <a:t>Both</a:t>
+            </a:r>
+            <a:r>
+              <a:rPr lang="en-US" dirty="0" smtClean="0"/>
+              <a:t>: Invoked </a:t>
+            </a:r>
+            <a:r>
+              <a:rPr lang="en-US" dirty="0"/>
+              <a:t>for both the credit and debit accounts for an On-Us </a:t>
+            </a:r>
+            <a:r>
+              <a:rPr lang="en-US" dirty="0" smtClean="0"/>
+              <a:t>transaction</a:t>
+            </a:r>
+            <a:r>
+              <a:rPr lang="en-US" dirty="0" smtClean="0"/>
+              <a:t>.</a:t>
+            </a:r>
             <a:endParaRPr lang="en-US" dirty="0" smtClean="0">
               <a:solidFill>
                 <a:schemeClr val="tx2"/>
@@ -11328,6 +10665,617 @@
           </a:p>
         </p:txBody>
       </p:sp>
+      <p:sp>
+        <p:nvSpPr>
+          <p:cNvPr id="8" name="TextBox 7"/>
+          <p:cNvSpPr txBox="1"/>
+          <p:nvPr/>
+        </p:nvSpPr>
+        <p:spPr>
+          <a:xfrm>
+            <a:off x="2263939" y="4143468"/>
+            <a:ext cx="1941921" cy="838985"/>
+          </a:xfrm>
+          <a:prstGeom prst="rect">
+            <a:avLst/>
+          </a:prstGeom>
+          <a:solidFill>
+            <a:schemeClr val="accent1">
+              <a:lumMod val="20000"/>
+              <a:lumOff val="80000"/>
+            </a:schemeClr>
+          </a:solidFill>
+          <a:ln>
+            <a:solidFill>
+              <a:schemeClr val="accent2"/>
+            </a:solidFill>
+          </a:ln>
+        </p:spPr>
+        <p:txBody>
+          <a:bodyPr wrap="square" lIns="0" tIns="0" rIns="0" bIns="0" rtlCol="1" anchor="ctr">
+            <a:noAutofit/>
+          </a:bodyPr>
+          <a:lstStyle/>
+          <a:p>
+            <a:pPr algn="ctr"/>
+            <a:r>
+              <a:rPr lang="en-US" sz="1200" dirty="0" smtClean="0"/>
+              <a:t>Receive Payment </a:t>
+            </a:r>
+            <a:r>
+              <a:rPr lang="en-US" sz="1200" dirty="0"/>
+              <a:t>I</a:t>
+            </a:r>
+            <a:r>
+              <a:rPr lang="en-US" sz="1200" dirty="0" smtClean="0"/>
+              <a:t>nstruction</a:t>
+            </a:r>
+            <a:endParaRPr lang="he-IL" sz="1200" dirty="0" err="1" smtClean="0"/>
+          </a:p>
+        </p:txBody>
+      </p:sp>
+      <p:sp>
+        <p:nvSpPr>
+          <p:cNvPr id="9" name="Flowchart: Predefined Process 8"/>
+          <p:cNvSpPr/>
+          <p:nvPr/>
+        </p:nvSpPr>
+        <p:spPr>
+          <a:xfrm>
+            <a:off x="4659919" y="4143468"/>
+            <a:ext cx="1941921" cy="838985"/>
+          </a:xfrm>
+          <a:prstGeom prst="flowChartPredefinedProcess">
+            <a:avLst/>
+          </a:prstGeom>
+          <a:solidFill>
+            <a:schemeClr val="accent1">
+              <a:lumMod val="20000"/>
+              <a:lumOff val="80000"/>
+            </a:schemeClr>
+          </a:solidFill>
+          <a:ln>
+            <a:solidFill>
+              <a:schemeClr val="accent2"/>
+            </a:solidFill>
+          </a:ln>
+        </p:spPr>
+        <p:style>
+          <a:lnRef idx="2">
+            <a:schemeClr val="accent1">
+              <a:shade val="50000"/>
+            </a:schemeClr>
+          </a:lnRef>
+          <a:fillRef idx="1">
+            <a:schemeClr val="accent1"/>
+          </a:fillRef>
+          <a:effectRef idx="0">
+            <a:schemeClr val="accent1"/>
+          </a:effectRef>
+          <a:fontRef idx="minor">
+            <a:schemeClr val="lt1"/>
+          </a:fontRef>
+        </p:style>
+        <p:txBody>
+          <a:bodyPr rtlCol="0" anchor="ctr"/>
+          <a:lstStyle/>
+          <a:p>
+            <a:pPr algn="ctr"/>
+            <a:r>
+              <a:rPr lang="en-US" sz="1200" dirty="0" smtClean="0">
+                <a:solidFill>
+                  <a:schemeClr val="tx1"/>
+                </a:solidFill>
+              </a:rPr>
+              <a:t>Payment Initiation</a:t>
+            </a:r>
+            <a:endParaRPr lang="he-IL" sz="1200" dirty="0">
+              <a:solidFill>
+                <a:schemeClr val="tx1"/>
+              </a:solidFill>
+            </a:endParaRPr>
+          </a:p>
+        </p:txBody>
+      </p:sp>
+      <p:cxnSp>
+        <p:nvCxnSpPr>
+          <p:cNvPr id="10" name="Straight Arrow Connector 9"/>
+          <p:cNvCxnSpPr>
+            <a:stCxn id="8" idx="3"/>
+            <a:endCxn id="9" idx="1"/>
+          </p:cNvCxnSpPr>
+          <p:nvPr/>
+        </p:nvCxnSpPr>
+        <p:spPr>
+          <a:xfrm>
+            <a:off x="4205860" y="4562961"/>
+            <a:ext cx="454059" cy="0"/>
+          </a:xfrm>
+          <a:prstGeom prst="straightConnector1">
+            <a:avLst/>
+          </a:prstGeom>
+          <a:ln w="12700">
+            <a:tailEnd type="triangle" w="lg" len="lg"/>
+          </a:ln>
+        </p:spPr>
+        <p:style>
+          <a:lnRef idx="1">
+            <a:schemeClr val="accent1"/>
+          </a:lnRef>
+          <a:fillRef idx="0">
+            <a:schemeClr val="accent1"/>
+          </a:fillRef>
+          <a:effectRef idx="0">
+            <a:schemeClr val="accent1"/>
+          </a:effectRef>
+          <a:fontRef idx="minor">
+            <a:schemeClr val="tx1"/>
+          </a:fontRef>
+        </p:style>
+      </p:cxnSp>
+      <p:sp>
+        <p:nvSpPr>
+          <p:cNvPr id="14" name="Flowchart: Predefined Process 13"/>
+          <p:cNvSpPr/>
+          <p:nvPr/>
+        </p:nvSpPr>
+        <p:spPr>
+          <a:xfrm>
+            <a:off x="7055899" y="4143468"/>
+            <a:ext cx="1941921" cy="838985"/>
+          </a:xfrm>
+          <a:prstGeom prst="flowChartPredefinedProcess">
+            <a:avLst/>
+          </a:prstGeom>
+          <a:solidFill>
+            <a:schemeClr val="accent1">
+              <a:lumMod val="20000"/>
+              <a:lumOff val="80000"/>
+            </a:schemeClr>
+          </a:solidFill>
+          <a:ln>
+            <a:solidFill>
+              <a:schemeClr val="accent2"/>
+            </a:solidFill>
+          </a:ln>
+        </p:spPr>
+        <p:style>
+          <a:lnRef idx="2">
+            <a:schemeClr val="accent1">
+              <a:shade val="50000"/>
+            </a:schemeClr>
+          </a:lnRef>
+          <a:fillRef idx="1">
+            <a:schemeClr val="accent1"/>
+          </a:fillRef>
+          <a:effectRef idx="0">
+            <a:schemeClr val="accent1"/>
+          </a:effectRef>
+          <a:fontRef idx="minor">
+            <a:schemeClr val="lt1"/>
+          </a:fontRef>
+        </p:style>
+        <p:txBody>
+          <a:bodyPr rtlCol="0" anchor="ctr"/>
+          <a:lstStyle/>
+          <a:p>
+            <a:pPr algn="ctr"/>
+            <a:r>
+              <a:rPr lang="en-US" sz="1200" dirty="0" smtClean="0">
+                <a:solidFill>
+                  <a:schemeClr val="tx1"/>
+                </a:solidFill>
+              </a:rPr>
+              <a:t>Debit Side Processing</a:t>
+            </a:r>
+            <a:endParaRPr lang="he-IL" sz="1200" dirty="0">
+              <a:solidFill>
+                <a:schemeClr val="tx1"/>
+              </a:solidFill>
+            </a:endParaRPr>
+          </a:p>
+        </p:txBody>
+      </p:sp>
+      <p:sp>
+        <p:nvSpPr>
+          <p:cNvPr id="15" name="Flowchart: Predefined Process 14"/>
+          <p:cNvSpPr/>
+          <p:nvPr/>
+        </p:nvSpPr>
+        <p:spPr>
+          <a:xfrm>
+            <a:off x="9451879" y="4143468"/>
+            <a:ext cx="1941921" cy="838985"/>
+          </a:xfrm>
+          <a:prstGeom prst="flowChartPredefinedProcess">
+            <a:avLst/>
+          </a:prstGeom>
+          <a:solidFill>
+            <a:schemeClr val="accent1">
+              <a:lumMod val="20000"/>
+              <a:lumOff val="80000"/>
+            </a:schemeClr>
+          </a:solidFill>
+          <a:ln>
+            <a:solidFill>
+              <a:schemeClr val="accent2"/>
+            </a:solidFill>
+          </a:ln>
+        </p:spPr>
+        <p:style>
+          <a:lnRef idx="2">
+            <a:schemeClr val="accent1">
+              <a:shade val="50000"/>
+            </a:schemeClr>
+          </a:lnRef>
+          <a:fillRef idx="1">
+            <a:schemeClr val="accent1"/>
+          </a:fillRef>
+          <a:effectRef idx="0">
+            <a:schemeClr val="accent1"/>
+          </a:effectRef>
+          <a:fontRef idx="minor">
+            <a:schemeClr val="lt1"/>
+          </a:fontRef>
+        </p:style>
+        <p:txBody>
+          <a:bodyPr rtlCol="0" anchor="ctr"/>
+          <a:lstStyle/>
+          <a:p>
+            <a:pPr algn="ctr"/>
+            <a:r>
+              <a:rPr lang="en-US" sz="1200" dirty="0" smtClean="0">
+                <a:solidFill>
+                  <a:schemeClr val="tx1"/>
+                </a:solidFill>
+              </a:rPr>
+              <a:t>Credit Side Processing</a:t>
+            </a:r>
+            <a:endParaRPr lang="he-IL" sz="1200" dirty="0">
+              <a:solidFill>
+                <a:schemeClr val="tx1"/>
+              </a:solidFill>
+            </a:endParaRPr>
+          </a:p>
+        </p:txBody>
+      </p:sp>
+      <p:sp>
+        <p:nvSpPr>
+          <p:cNvPr id="16" name="TextBox 15"/>
+          <p:cNvSpPr txBox="1"/>
+          <p:nvPr/>
+        </p:nvSpPr>
+        <p:spPr>
+          <a:xfrm>
+            <a:off x="9451879" y="5552412"/>
+            <a:ext cx="1941921" cy="311084"/>
+          </a:xfrm>
+          <a:prstGeom prst="rect">
+            <a:avLst/>
+          </a:prstGeom>
+          <a:solidFill>
+            <a:schemeClr val="accent2"/>
+          </a:solidFill>
+          <a:ln>
+            <a:solidFill>
+              <a:schemeClr val="accent1"/>
+            </a:solidFill>
+          </a:ln>
+        </p:spPr>
+        <p:txBody>
+          <a:bodyPr wrap="square" lIns="0" tIns="0" rIns="0" bIns="0" rtlCol="1" anchor="ctr">
+            <a:noAutofit/>
+          </a:bodyPr>
+          <a:lstStyle/>
+          <a:p>
+            <a:pPr algn="ctr"/>
+            <a:r>
+              <a:rPr lang="en-US" sz="1200" dirty="0" smtClean="0">
+                <a:solidFill>
+                  <a:schemeClr val="bg1"/>
+                </a:solidFill>
+              </a:rPr>
+              <a:t>Account Lookup</a:t>
+            </a:r>
+            <a:endParaRPr lang="he-IL" sz="1200" dirty="0" err="1" smtClean="0">
+              <a:solidFill>
+                <a:schemeClr val="bg1"/>
+              </a:solidFill>
+            </a:endParaRPr>
+          </a:p>
+        </p:txBody>
+      </p:sp>
+      <p:cxnSp>
+        <p:nvCxnSpPr>
+          <p:cNvPr id="17" name="Straight Arrow Connector 16"/>
+          <p:cNvCxnSpPr>
+            <a:endCxn id="16" idx="0"/>
+          </p:cNvCxnSpPr>
+          <p:nvPr/>
+        </p:nvCxnSpPr>
+        <p:spPr>
+          <a:xfrm>
+            <a:off x="10422840" y="4982453"/>
+            <a:ext cx="0" cy="569959"/>
+          </a:xfrm>
+          <a:prstGeom prst="straightConnector1">
+            <a:avLst/>
+          </a:prstGeom>
+          <a:ln w="41275" cmpd="sng">
+            <a:solidFill>
+              <a:schemeClr val="accent2"/>
+            </a:solidFill>
+            <a:prstDash val="sysDot"/>
+            <a:tailEnd type="triangle"/>
+          </a:ln>
+        </p:spPr>
+        <p:style>
+          <a:lnRef idx="1">
+            <a:schemeClr val="accent1"/>
+          </a:lnRef>
+          <a:fillRef idx="0">
+            <a:schemeClr val="accent1"/>
+          </a:fillRef>
+          <a:effectRef idx="0">
+            <a:schemeClr val="accent1"/>
+          </a:effectRef>
+          <a:fontRef idx="minor">
+            <a:schemeClr val="tx1"/>
+          </a:fontRef>
+        </p:style>
+      </p:cxnSp>
+      <p:cxnSp>
+        <p:nvCxnSpPr>
+          <p:cNvPr id="21" name="Straight Arrow Connector 20"/>
+          <p:cNvCxnSpPr>
+            <a:stCxn id="9" idx="3"/>
+            <a:endCxn id="14" idx="1"/>
+          </p:cNvCxnSpPr>
+          <p:nvPr/>
+        </p:nvCxnSpPr>
+        <p:spPr>
+          <a:xfrm>
+            <a:off x="6601840" y="4562961"/>
+            <a:ext cx="454059" cy="0"/>
+          </a:xfrm>
+          <a:prstGeom prst="straightConnector1">
+            <a:avLst/>
+          </a:prstGeom>
+          <a:ln w="12700">
+            <a:tailEnd type="triangle" w="lg" len="lg"/>
+          </a:ln>
+        </p:spPr>
+        <p:style>
+          <a:lnRef idx="1">
+            <a:schemeClr val="accent1"/>
+          </a:lnRef>
+          <a:fillRef idx="0">
+            <a:schemeClr val="accent1"/>
+          </a:fillRef>
+          <a:effectRef idx="0">
+            <a:schemeClr val="accent1"/>
+          </a:effectRef>
+          <a:fontRef idx="minor">
+            <a:schemeClr val="tx1"/>
+          </a:fontRef>
+        </p:style>
+      </p:cxnSp>
+      <p:cxnSp>
+        <p:nvCxnSpPr>
+          <p:cNvPr id="22" name="Straight Arrow Connector 21"/>
+          <p:cNvCxnSpPr>
+            <a:stCxn id="14" idx="3"/>
+            <a:endCxn id="15" idx="1"/>
+          </p:cNvCxnSpPr>
+          <p:nvPr/>
+        </p:nvCxnSpPr>
+        <p:spPr>
+          <a:xfrm>
+            <a:off x="8997820" y="4562961"/>
+            <a:ext cx="454059" cy="0"/>
+          </a:xfrm>
+          <a:prstGeom prst="straightConnector1">
+            <a:avLst/>
+          </a:prstGeom>
+          <a:ln w="12700">
+            <a:tailEnd type="triangle" w="lg" len="lg"/>
+          </a:ln>
+        </p:spPr>
+        <p:style>
+          <a:lnRef idx="1">
+            <a:schemeClr val="accent1"/>
+          </a:lnRef>
+          <a:fillRef idx="0">
+            <a:schemeClr val="accent1"/>
+          </a:fillRef>
+          <a:effectRef idx="0">
+            <a:schemeClr val="accent1"/>
+          </a:effectRef>
+          <a:fontRef idx="minor">
+            <a:schemeClr val="tx1"/>
+          </a:fontRef>
+        </p:style>
+      </p:cxnSp>
+      <p:sp>
+        <p:nvSpPr>
+          <p:cNvPr id="25" name="Flowchart: Document 24"/>
+          <p:cNvSpPr/>
+          <p:nvPr/>
+        </p:nvSpPr>
+        <p:spPr>
+          <a:xfrm>
+            <a:off x="524614" y="4020191"/>
+            <a:ext cx="1271229" cy="1074656"/>
+          </a:xfrm>
+          <a:prstGeom prst="flowChartDocument">
+            <a:avLst/>
+          </a:prstGeom>
+          <a:solidFill>
+            <a:schemeClr val="accent2"/>
+          </a:solidFill>
+          <a:ln>
+            <a:solidFill>
+              <a:schemeClr val="accent1"/>
+            </a:solidFill>
+          </a:ln>
+        </p:spPr>
+        <p:txBody>
+          <a:bodyPr wrap="square" lIns="0" tIns="0" rIns="0" bIns="0" rtlCol="1" anchor="ctr">
+            <a:noAutofit/>
+          </a:bodyPr>
+          <a:lstStyle/>
+          <a:p>
+            <a:pPr algn="ctr"/>
+            <a:r>
+              <a:rPr lang="en-US" sz="1200" dirty="0">
+                <a:solidFill>
+                  <a:schemeClr val="bg1"/>
+                </a:solidFill>
+              </a:rPr>
+              <a:t>Internet </a:t>
+            </a:r>
+            <a:r>
+              <a:rPr lang="en-US" sz="1200" dirty="0" smtClean="0">
+                <a:solidFill>
+                  <a:schemeClr val="bg1"/>
+                </a:solidFill>
+              </a:rPr>
+              <a:t>Banking,  Branch-OTC, SWIFT, Local Clearing</a:t>
+            </a:r>
+            <a:endParaRPr lang="he-IL" sz="1200" dirty="0">
+              <a:solidFill>
+                <a:schemeClr val="bg1"/>
+              </a:solidFill>
+            </a:endParaRPr>
+          </a:p>
+        </p:txBody>
+      </p:sp>
+      <p:cxnSp>
+        <p:nvCxnSpPr>
+          <p:cNvPr id="26" name="Straight Arrow Connector 25"/>
+          <p:cNvCxnSpPr>
+            <a:stCxn id="25" idx="3"/>
+            <a:endCxn id="8" idx="1"/>
+          </p:cNvCxnSpPr>
+          <p:nvPr/>
+        </p:nvCxnSpPr>
+        <p:spPr>
+          <a:xfrm>
+            <a:off x="1795843" y="4557519"/>
+            <a:ext cx="468096" cy="5442"/>
+          </a:xfrm>
+          <a:prstGeom prst="straightConnector1">
+            <a:avLst/>
+          </a:prstGeom>
+          <a:ln w="28575" cmpd="sng">
+            <a:solidFill>
+              <a:schemeClr val="accent2"/>
+            </a:solidFill>
+            <a:prstDash val="sysDot"/>
+            <a:tailEnd type="triangle" w="lg" len="lg"/>
+          </a:ln>
+        </p:spPr>
+        <p:style>
+          <a:lnRef idx="1">
+            <a:schemeClr val="accent1"/>
+          </a:lnRef>
+          <a:fillRef idx="0">
+            <a:schemeClr val="accent1"/>
+          </a:fillRef>
+          <a:effectRef idx="0">
+            <a:schemeClr val="accent1"/>
+          </a:effectRef>
+          <a:fontRef idx="minor">
+            <a:schemeClr val="tx1"/>
+          </a:fontRef>
+        </p:style>
+      </p:cxnSp>
+      <p:sp>
+        <p:nvSpPr>
+          <p:cNvPr id="39" name="TextBox 38"/>
+          <p:cNvSpPr txBox="1"/>
+          <p:nvPr/>
+        </p:nvSpPr>
+        <p:spPr>
+          <a:xfrm>
+            <a:off x="7055899" y="5552412"/>
+            <a:ext cx="1941921" cy="311084"/>
+          </a:xfrm>
+          <a:prstGeom prst="rect">
+            <a:avLst/>
+          </a:prstGeom>
+          <a:solidFill>
+            <a:schemeClr val="accent2"/>
+          </a:solidFill>
+          <a:ln>
+            <a:solidFill>
+              <a:schemeClr val="accent1"/>
+            </a:solidFill>
+          </a:ln>
+        </p:spPr>
+        <p:txBody>
+          <a:bodyPr wrap="square" lIns="0" tIns="0" rIns="0" bIns="0" rtlCol="1" anchor="ctr">
+            <a:noAutofit/>
+          </a:bodyPr>
+          <a:lstStyle/>
+          <a:p>
+            <a:pPr algn="ctr"/>
+            <a:r>
+              <a:rPr lang="en-US" sz="1200" dirty="0" smtClean="0">
+                <a:solidFill>
+                  <a:schemeClr val="bg1"/>
+                </a:solidFill>
+              </a:rPr>
+              <a:t>Account Lookup</a:t>
+            </a:r>
+            <a:endParaRPr lang="he-IL" sz="1200" dirty="0" err="1" smtClean="0">
+              <a:solidFill>
+                <a:schemeClr val="bg1"/>
+              </a:solidFill>
+            </a:endParaRPr>
+          </a:p>
+        </p:txBody>
+      </p:sp>
+      <p:cxnSp>
+        <p:nvCxnSpPr>
+          <p:cNvPr id="40" name="Straight Arrow Connector 39"/>
+          <p:cNvCxnSpPr>
+            <a:stCxn id="14" idx="2"/>
+            <a:endCxn id="39" idx="0"/>
+          </p:cNvCxnSpPr>
+          <p:nvPr/>
+        </p:nvCxnSpPr>
+        <p:spPr>
+          <a:xfrm>
+            <a:off x="8026860" y="4982453"/>
+            <a:ext cx="0" cy="569959"/>
+          </a:xfrm>
+          <a:prstGeom prst="straightConnector1">
+            <a:avLst/>
+          </a:prstGeom>
+          <a:ln w="41275" cmpd="sng">
+            <a:solidFill>
+              <a:schemeClr val="accent2"/>
+            </a:solidFill>
+            <a:prstDash val="sysDot"/>
+            <a:tailEnd type="triangle"/>
+          </a:ln>
+        </p:spPr>
+        <p:style>
+          <a:lnRef idx="1">
+            <a:schemeClr val="accent1"/>
+          </a:lnRef>
+          <a:fillRef idx="0">
+            <a:schemeClr val="accent1"/>
+          </a:fillRef>
+          <a:effectRef idx="0">
+            <a:schemeClr val="accent1"/>
+          </a:effectRef>
+          <a:fontRef idx="minor">
+            <a:schemeClr val="tx1"/>
+          </a:fontRef>
+        </p:style>
+      </p:cxnSp>
     </p:spTree>
     <p:extLst>
       <p:ext uri="{BB962C8B-B14F-4D97-AF65-F5344CB8AC3E}">
@@ -12373,21 +12321,21 @@
 </file>
 
 <file path=customXml/item2.xml><?xml version="1.0" encoding="utf-8"?>
+<?mso-contentType ?>
+<FormTemplates xmlns="http://schemas.microsoft.com/sharepoint/v3/contenttype/forms">
+  <Display>DocumentLibraryForm</Display>
+  <Edit>DocumentLibraryForm</Edit>
+  <New>DocumentLibraryForm</New>
+</FormTemplates>
+</file>
+
+<file path=customXml/item3.xml><?xml version="1.0" encoding="utf-8"?>
 <p:properties xmlns:p="http://schemas.microsoft.com/office/2006/metadata/properties" xmlns:xsi="http://www.w3.org/2001/XMLSchema-instance" xmlns:pc="http://schemas.microsoft.com/office/infopath/2007/PartnerControls">
   <documentManagement>
     <PublishingExpirationDate xmlns="http://schemas.microsoft.com/sharepoint/v3" xsi:nil="true"/>
     <PublishingStartDate xmlns="http://schemas.microsoft.com/sharepoint/v3" xsi:nil="true"/>
   </documentManagement>
 </p:properties>
-</file>
-
-<file path=customXml/item3.xml><?xml version="1.0" encoding="utf-8"?>
-<?mso-contentType ?>
-<FormTemplates xmlns="http://schemas.microsoft.com/sharepoint/v3/contenttype/forms">
-  <Display>DocumentLibraryForm</Display>
-  <Edit>DocumentLibraryForm</Edit>
-  <New>DocumentLibraryForm</New>
-</FormTemplates>
 </file>
 
 <file path=customXml/itemProps1.xml><?xml version="1.0" encoding="utf-8"?>
@@ -12411,27 +12359,27 @@
 </file>
 
 <file path=customXml/itemProps2.xml><?xml version="1.0" encoding="utf-8"?>
-<ds:datastoreItem xmlns:ds="http://schemas.openxmlformats.org/officeDocument/2006/customXml" ds:itemID="{D7186F62-2954-471E-9368-38BF5704F41F}">
+<ds:datastoreItem xmlns:ds="http://schemas.openxmlformats.org/officeDocument/2006/customXml" ds:itemID="{CA1AEAF9-C730-4098-99F1-230B2FED747B}">
   <ds:schemaRefs>
-    <ds:schemaRef ds:uri="http://schemas.microsoft.com/office/2006/metadata/properties"/>
-    <ds:schemaRef ds:uri="http://www.w3.org/XML/1998/namespace"/>
-    <ds:schemaRef ds:uri="http://purl.org/dc/dcmitype/"/>
-    <ds:schemaRef ds:uri="http://purl.org/dc/elements/1.1/"/>
-    <ds:schemaRef ds:uri="http://schemas.microsoft.com/office/infopath/2007/PartnerControls"/>
-    <ds:schemaRef ds:uri="http://schemas.microsoft.com/office/2006/documentManagement/types"/>
-    <ds:schemaRef ds:uri="http://purl.org/dc/terms/"/>
-    <ds:schemaRef ds:uri="http://schemas.openxmlformats.org/package/2006/metadata/core-properties"/>
-    <ds:schemaRef ds:uri="0ae7057e-292f-4fd1-bead-5494e4c66c6d"/>
-    <ds:schemaRef ds:uri="1913475e-a030-45ec-9e8a-a2630205b38f"/>
-    <ds:schemaRef ds:uri="http://schemas.microsoft.com/sharepoint/v3"/>
+    <ds:schemaRef ds:uri="http://schemas.microsoft.com/sharepoint/v3/contenttype/forms"/>
   </ds:schemaRefs>
 </ds:datastoreItem>
 </file>
 
 <file path=customXml/itemProps3.xml><?xml version="1.0" encoding="utf-8"?>
-<ds:datastoreItem xmlns:ds="http://schemas.openxmlformats.org/officeDocument/2006/customXml" ds:itemID="{CA1AEAF9-C730-4098-99F1-230B2FED747B}">
+<ds:datastoreItem xmlns:ds="http://schemas.openxmlformats.org/officeDocument/2006/customXml" ds:itemID="{D7186F62-2954-471E-9368-38BF5704F41F}">
   <ds:schemaRefs>
-    <ds:schemaRef ds:uri="http://schemas.microsoft.com/sharepoint/v3/contenttype/forms"/>
+    <ds:schemaRef ds:uri="http://schemas.microsoft.com/sharepoint/v3"/>
+    <ds:schemaRef ds:uri="0ae7057e-292f-4fd1-bead-5494e4c66c6d"/>
+    <ds:schemaRef ds:uri="http://purl.org/dc/terms/"/>
+    <ds:schemaRef ds:uri="http://schemas.openxmlformats.org/package/2006/metadata/core-properties"/>
+    <ds:schemaRef ds:uri="http://schemas.microsoft.com/office/2006/documentManagement/types"/>
+    <ds:schemaRef ds:uri="http://schemas.microsoft.com/office/infopath/2007/PartnerControls"/>
+    <ds:schemaRef ds:uri="http://purl.org/dc/elements/1.1/"/>
+    <ds:schemaRef ds:uri="http://schemas.microsoft.com/office/2006/metadata/properties"/>
+    <ds:schemaRef ds:uri="1913475e-a030-45ec-9e8a-a2630205b38f"/>
+    <ds:schemaRef ds:uri="http://www.w3.org/XML/1998/namespace"/>
+    <ds:schemaRef ds:uri="http://purl.org/dc/dcmitype/"/>
   </ds:schemaRefs>
 </ds:datastoreItem>
 </file>
--- a/documentation/06 Account Lookup Interface.pptx
+++ b/documentation/06 Account Lookup Interface.pptx
@@ -5,10 +5,10 @@
     <p:sldMasterId id="2147483648" r:id="rId4"/>
   </p:sldMasterIdLst>
   <p:notesMasterIdLst>
-    <p:notesMasterId r:id="rId18"/>
+    <p:notesMasterId r:id="rId19"/>
   </p:notesMasterIdLst>
   <p:handoutMasterIdLst>
-    <p:handoutMasterId r:id="rId19"/>
+    <p:handoutMasterId r:id="rId20"/>
   </p:handoutMasterIdLst>
   <p:sldIdLst>
     <p:sldId id="256" r:id="rId5"/>
@@ -23,7 +23,8 @@
     <p:sldId id="296" r:id="rId14"/>
     <p:sldId id="297" r:id="rId15"/>
     <p:sldId id="295" r:id="rId16"/>
-    <p:sldId id="298" r:id="rId17"/>
+    <p:sldId id="299" r:id="rId17"/>
+    <p:sldId id="298" r:id="rId18"/>
   </p:sldIdLst>
   <p:sldSz cx="12192000" cy="6858000"/>
   <p:notesSz cx="6858000" cy="9144000"/>
@@ -226,7 +227,7 @@
           <a:p>
             <a:fld id="{CE53DE84-D7B3-4797-B14D-77424657396D}" type="datetimeFigureOut">
               <a:rPr lang="en-GB" smtClean="0"/>
-              <a:t>01/03/2018</a:t>
+              <a:t>07/03/2018</a:t>
             </a:fld>
             <a:endParaRPr lang="en-GB" dirty="0"/>
           </a:p>
@@ -391,7 +392,7 @@
           <a:p>
             <a:fld id="{D1C597EC-6BB0-461C-B045-D257C6C8821E}" type="datetimeFigureOut">
               <a:rPr lang="en-GB" smtClean="0"/>
-              <a:t>01/03/2018</a:t>
+              <a:t>07/03/2018</a:t>
             </a:fld>
             <a:endParaRPr lang="en-GB" dirty="0"/>
           </a:p>
@@ -806,6 +807,90 @@
           <a:bodyPr/>
           <a:lstStyle/>
           <a:p>
+            <a:fld id="{699BB14C-7D58-4C6F-8674-35D4E28D7AD6}" type="slidenum">
+              <a:rPr lang="en-GB" smtClean="0"/>
+              <a:t>13</a:t>
+            </a:fld>
+            <a:endParaRPr lang="en-GB" dirty="0"/>
+          </a:p>
+        </p:txBody>
+      </p:sp>
+    </p:spTree>
+    <p:extLst>
+      <p:ext uri="{BB962C8B-B14F-4D97-AF65-F5344CB8AC3E}">
+        <p14:creationId xmlns:p14="http://schemas.microsoft.com/office/powerpoint/2010/main" val="3707012850"/>
+      </p:ext>
+    </p:extLst>
+  </p:cSld>
+  <p:clrMapOvr>
+    <a:masterClrMapping/>
+  </p:clrMapOvr>
+</p:notes>
+</file>
+
+<file path=ppt/notesSlides/notesSlide11.xml><?xml version="1.0" encoding="utf-8"?>
+<p:notes xmlns:a="http://schemas.openxmlformats.org/drawingml/2006/main" xmlns:r="http://schemas.openxmlformats.org/officeDocument/2006/relationships" xmlns:p="http://schemas.openxmlformats.org/presentationml/2006/main">
+  <p:cSld>
+    <p:spTree>
+      <p:nvGrpSpPr>
+        <p:cNvPr id="1" name=""/>
+        <p:cNvGrpSpPr/>
+        <p:nvPr/>
+      </p:nvGrpSpPr>
+      <p:grpSpPr>
+        <a:xfrm>
+          <a:off x="0" y="0"/>
+          <a:ext cx="0" cy="0"/>
+          <a:chOff x="0" y="0"/>
+          <a:chExt cx="0" cy="0"/>
+        </a:xfrm>
+      </p:grpSpPr>
+      <p:sp>
+        <p:nvSpPr>
+          <p:cNvPr id="2" name="Slide Image Placeholder 1"/>
+          <p:cNvSpPr>
+            <a:spLocks noGrp="1" noRot="1" noChangeAspect="1"/>
+          </p:cNvSpPr>
+          <p:nvPr>
+            <p:ph type="sldImg"/>
+          </p:nvPr>
+        </p:nvSpPr>
+        <p:spPr/>
+      </p:sp>
+      <p:sp>
+        <p:nvSpPr>
+          <p:cNvPr id="3" name="Notes Placeholder 2"/>
+          <p:cNvSpPr>
+            <a:spLocks noGrp="1"/>
+          </p:cNvSpPr>
+          <p:nvPr>
+            <p:ph type="body" idx="1"/>
+          </p:nvPr>
+        </p:nvSpPr>
+        <p:spPr/>
+        <p:txBody>
+          <a:bodyPr/>
+          <a:lstStyle/>
+          <a:p>
+            <a:endParaRPr lang="en-GB" dirty="0"/>
+          </a:p>
+        </p:txBody>
+      </p:sp>
+      <p:sp>
+        <p:nvSpPr>
+          <p:cNvPr id="4" name="Slide Number Placeholder 3"/>
+          <p:cNvSpPr>
+            <a:spLocks noGrp="1"/>
+          </p:cNvSpPr>
+          <p:nvPr>
+            <p:ph type="sldNum" sz="quarter" idx="10"/>
+          </p:nvPr>
+        </p:nvSpPr>
+        <p:spPr/>
+        <p:txBody>
+          <a:bodyPr/>
+          <a:lstStyle/>
+          <a:p>
             <a:pPr marL="0" marR="0" lvl="0" indent="0" algn="r" defTabSz="914400" rtl="0" eaLnBrk="1" fontAlgn="auto" latinLnBrk="0" hangingPunct="1">
               <a:lnSpc>
                 <a:spcPct val="100000"/>
@@ -855,7 +940,7 @@
                 <a:tabLst/>
                 <a:defRPr/>
               </a:pPr>
-              <a:t>13</a:t>
+              <a:t>14</a:t>
             </a:fld>
             <a:endParaRPr kumimoji="0" lang="en-GB" sz="1200" b="0" i="0" u="none" strike="noStrike" kern="1200" cap="none" spc="0" normalizeH="0" baseline="0" noProof="0" dirty="0">
               <a:ln>
@@ -1977,7 +2062,7 @@
           <a:p>
             <a:fld id="{22E7AA2F-F619-4723-B6E7-545F24B9918D}" type="datetime4">
               <a:rPr lang="en-GB" smtClean="0"/>
-              <a:t>01 March 2018</a:t>
+              <a:t>07 March 2018</a:t>
             </a:fld>
             <a:endParaRPr lang="en-GB" dirty="0"/>
           </a:p>
@@ -2181,7 +2266,7 @@
           <a:p>
             <a:fld id="{2A4201E0-34F3-46A7-AE44-D99163B13904}" type="datetime4">
               <a:rPr lang="en-GB" smtClean="0"/>
-              <a:t>01 March 2018</a:t>
+              <a:t>07 March 2018</a:t>
             </a:fld>
             <a:endParaRPr lang="en-GB" dirty="0"/>
           </a:p>
@@ -2429,7 +2514,7 @@
           <a:p>
             <a:fld id="{4FAE0867-24A8-448F-B507-CC8586AA6B96}" type="datetime4">
               <a:rPr lang="en-GB" smtClean="0"/>
-              <a:t>01 March 2018</a:t>
+              <a:t>07 March 2018</a:t>
             </a:fld>
             <a:endParaRPr lang="en-GB" dirty="0"/>
           </a:p>
@@ -2613,7 +2698,7 @@
           <a:p>
             <a:fld id="{54BE1DED-F17D-40BA-964F-A1C8DEDCEF61}" type="datetime4">
               <a:rPr lang="en-GB" smtClean="0"/>
-              <a:t>01 March 2018</a:t>
+              <a:t>07 March 2018</a:t>
             </a:fld>
             <a:endParaRPr lang="en-GB" dirty="0"/>
           </a:p>
@@ -2989,7 +3074,7 @@
             <a:fld id="{D9FBC6CA-9941-44FF-B65D-C7A23CB5A4BE}" type="datetime4">
               <a:rPr lang="en-GB" smtClean="0"/>
               <a:pPr/>
-              <a:t>01 March 2018</a:t>
+              <a:t>07 March 2018</a:t>
             </a:fld>
             <a:endParaRPr lang="en-GB" dirty="0"/>
           </a:p>
@@ -3175,7 +3260,7 @@
           <a:p>
             <a:fld id="{D473304B-F8FC-4BC7-8FE8-C50BC87E1FAB}" type="datetime4">
               <a:rPr lang="en-GB" smtClean="0"/>
-              <a:t>01 March 2018</a:t>
+              <a:t>07 March 2018</a:t>
             </a:fld>
             <a:endParaRPr lang="en-GB" dirty="0"/>
           </a:p>
@@ -3270,7 +3355,7 @@
           <a:p>
             <a:fld id="{D3D7C3DF-C1B2-4C30-9BDA-F5EE790E7213}" type="datetime4">
               <a:rPr lang="en-GB" smtClean="0"/>
-              <a:t>01 March 2018</a:t>
+              <a:t>07 March 2018</a:t>
             </a:fld>
             <a:endParaRPr lang="en-GB" dirty="0"/>
           </a:p>
@@ -3495,7 +3580,7 @@
           <a:p>
             <a:fld id="{7A1E630C-C3F3-4A66-A20B-F3CE4CC3331D}" type="datetime4">
               <a:rPr lang="en-GB" smtClean="0"/>
-              <a:t>01 March 2018</a:t>
+              <a:t>07 March 2018</a:t>
             </a:fld>
             <a:endParaRPr lang="en-GB" dirty="0"/>
           </a:p>
@@ -4129,7 +4214,7 @@
           <a:p>
             <a:fld id="{D22C19FE-D082-4640-BFED-203C0E583774}" type="datetime4">
               <a:rPr lang="en-GB" smtClean="0"/>
-              <a:t>01 March 2018</a:t>
+              <a:t>07 March 2018</a:t>
             </a:fld>
             <a:endParaRPr lang="en-GB" dirty="0"/>
           </a:p>
@@ -4834,7 +4919,7 @@
             <a:fld id="{BC3F1638-3586-4527-A760-38AC15BFC248}" type="datetime4">
               <a:rPr lang="en-GB" smtClean="0"/>
               <a:pPr/>
-              <a:t>01 March 2018</a:t>
+              <a:t>07 March 2018</a:t>
             </a:fld>
             <a:endParaRPr lang="en-GB" dirty="0"/>
           </a:p>
@@ -4918,15 +5003,7 @@
             </a:pPr>
             <a:r>
               <a:rPr lang="en-US" dirty="0" smtClean="0"/>
-              <a:t>For Source side GPP </a:t>
-            </a:r>
-            <a:r>
-              <a:rPr lang="en-US" dirty="0" smtClean="0"/>
-              <a:t>SP is working </a:t>
-            </a:r>
-            <a:r>
-              <a:rPr lang="en-US" dirty="0" smtClean="0"/>
-              <a:t>in </a:t>
+              <a:t>For Source side GPP SP is working in </a:t>
             </a:r>
             <a:r>
               <a:rPr lang="en-US" b="1" dirty="0" smtClean="0">
@@ -5126,23 +5203,7 @@
                   <a:schemeClr val="accent2"/>
                 </a:solidFill>
               </a:rPr>
-              <a:t>Single Vs </a:t>
-            </a:r>
-            <a:r>
-              <a:rPr lang="en-US" dirty="0" smtClean="0">
-                <a:solidFill>
-                  <a:schemeClr val="accent2"/>
-                </a:solidFill>
-              </a:rPr>
-              <a:t>bulk </a:t>
-            </a:r>
-            <a:r>
-              <a:rPr lang="en-US" dirty="0" smtClean="0">
-                <a:solidFill>
-                  <a:schemeClr val="accent2"/>
-                </a:solidFill>
-              </a:rPr>
-              <a:t>mode</a:t>
+              <a:t>Single Vs bulk mode</a:t>
             </a:r>
             <a:endParaRPr lang="en-GB" dirty="0"/>
           </a:p>
@@ -5166,7 +5227,7 @@
             <a:fld id="{BC3F1638-3586-4527-A760-38AC15BFC248}" type="datetime4">
               <a:rPr lang="en-GB" smtClean="0"/>
               <a:pPr/>
-              <a:t>01 March 2018</a:t>
+              <a:t>07 March 2018</a:t>
             </a:fld>
             <a:endParaRPr lang="en-GB" dirty="0"/>
           </a:p>
@@ -5457,7 +5518,7 @@
             <a:fld id="{BC3F1638-3586-4527-A760-38AC15BFC248}" type="datetime4">
               <a:rPr lang="en-GB" smtClean="0"/>
               <a:pPr/>
-              <a:t>01 March 2018</a:t>
+              <a:t>07 March 2018</a:t>
             </a:fld>
             <a:endParaRPr lang="en-GB" dirty="0"/>
           </a:p>
@@ -5705,6 +5766,282 @@
 </file>
 
 <file path=ppt/slides/slide13.xml><?xml version="1.0" encoding="utf-8"?>
+<p:sld xmlns:a="http://schemas.openxmlformats.org/drawingml/2006/main" xmlns:r="http://schemas.openxmlformats.org/officeDocument/2006/relationships" xmlns:p="http://schemas.openxmlformats.org/presentationml/2006/main">
+  <p:cSld>
+    <p:bg>
+      <p:bgPr>
+        <a:solidFill>
+          <a:schemeClr val="bg1">
+            <a:alpha val="57000"/>
+          </a:schemeClr>
+        </a:solidFill>
+        <a:effectLst/>
+      </p:bgPr>
+    </p:bg>
+    <p:spTree>
+      <p:nvGrpSpPr>
+        <p:cNvPr id="1" name=""/>
+        <p:cNvGrpSpPr/>
+        <p:nvPr/>
+      </p:nvGrpSpPr>
+      <p:grpSpPr>
+        <a:xfrm>
+          <a:off x="0" y="0"/>
+          <a:ext cx="0" cy="0"/>
+          <a:chOff x="0" y="0"/>
+          <a:chExt cx="0" cy="0"/>
+        </a:xfrm>
+      </p:grpSpPr>
+      <p:sp>
+        <p:nvSpPr>
+          <p:cNvPr id="11" name="Title 1"/>
+          <p:cNvSpPr>
+            <a:spLocks noGrp="1"/>
+          </p:cNvSpPr>
+          <p:nvPr>
+            <p:ph type="title"/>
+          </p:nvPr>
+        </p:nvSpPr>
+        <p:spPr/>
+        <p:txBody>
+          <a:bodyPr/>
+          <a:lstStyle/>
+          <a:p>
+            <a:r>
+              <a:rPr lang="en-US" dirty="0" smtClean="0">
+                <a:solidFill>
+                  <a:schemeClr val="accent2"/>
+                </a:solidFill>
+              </a:rPr>
+              <a:t>Response return codes</a:t>
+            </a:r>
+            <a:endParaRPr lang="en-GB" dirty="0"/>
+          </a:p>
+        </p:txBody>
+      </p:sp>
+      <p:sp>
+        <p:nvSpPr>
+          <p:cNvPr id="5" name="Date Placeholder 4"/>
+          <p:cNvSpPr>
+            <a:spLocks noGrp="1"/>
+          </p:cNvSpPr>
+          <p:nvPr>
+            <p:ph type="dt" sz="half" idx="10"/>
+          </p:nvPr>
+        </p:nvSpPr>
+        <p:spPr/>
+        <p:txBody>
+          <a:bodyPr/>
+          <a:lstStyle/>
+          <a:p>
+            <a:fld id="{BC3F1638-3586-4527-A760-38AC15BFC248}" type="datetime4">
+              <a:rPr lang="en-GB" smtClean="0"/>
+              <a:pPr/>
+              <a:t>07 March 2018</a:t>
+            </a:fld>
+            <a:endParaRPr lang="en-GB" dirty="0"/>
+          </a:p>
+        </p:txBody>
+      </p:sp>
+      <p:sp>
+        <p:nvSpPr>
+          <p:cNvPr id="6" name="Slide Number Placeholder 5"/>
+          <p:cNvSpPr>
+            <a:spLocks noGrp="1"/>
+          </p:cNvSpPr>
+          <p:nvPr>
+            <p:ph type="sldNum" sz="quarter" idx="12"/>
+          </p:nvPr>
+        </p:nvSpPr>
+        <p:spPr/>
+        <p:txBody>
+          <a:bodyPr/>
+          <a:lstStyle/>
+          <a:p>
+            <a:fld id="{04095909-DC86-4C28-AD6E-431C997D4893}" type="slidenum">
+              <a:rPr lang="en-GB" smtClean="0"/>
+              <a:pPr/>
+              <a:t>13</a:t>
+            </a:fld>
+            <a:endParaRPr lang="en-GB" dirty="0"/>
+          </a:p>
+        </p:txBody>
+      </p:sp>
+      <p:sp>
+        <p:nvSpPr>
+          <p:cNvPr id="7" name="Rectangle 6"/>
+          <p:cNvSpPr/>
+          <p:nvPr/>
+        </p:nvSpPr>
+        <p:spPr>
+          <a:xfrm>
+            <a:off x="623888" y="1123721"/>
+            <a:ext cx="9120187" cy="3580980"/>
+          </a:xfrm>
+          <a:prstGeom prst="rect">
+            <a:avLst/>
+          </a:prstGeom>
+          <a:ln w="15875" cap="sq" cmpd="sng">
+            <a:noFill/>
+            <a:bevel/>
+          </a:ln>
+        </p:spPr>
+        <p:txBody>
+          <a:bodyPr wrap="square">
+            <a:spAutoFit/>
+          </a:bodyPr>
+          <a:lstStyle/>
+          <a:p>
+            <a:r>
+              <a:rPr lang="en-US" dirty="0"/>
+              <a:t>When using the Standard </a:t>
+            </a:r>
+            <a:r>
+              <a:rPr lang="en-US" dirty="0" err="1"/>
+              <a:t>Fndt</a:t>
+            </a:r>
+            <a:r>
+              <a:rPr lang="en-US" dirty="0"/>
+              <a:t> Message, the FI can also directly use the GPP internal numeric return codes as follows: </a:t>
+            </a:r>
+          </a:p>
+          <a:p>
+            <a:pPr marL="285750" indent="-285750">
+              <a:buFont typeface="Arial" panose="020B0604020202020204" pitchFamily="34" charset="0"/>
+              <a:buChar char="•"/>
+            </a:pPr>
+            <a:r>
+              <a:rPr lang="en-US" b="1" dirty="0" smtClean="0"/>
+              <a:t>1</a:t>
+            </a:r>
+            <a:r>
+              <a:rPr lang="en-US" dirty="0" smtClean="0"/>
+              <a:t> </a:t>
+            </a:r>
+            <a:r>
+              <a:rPr lang="en-US" dirty="0"/>
+              <a:t>– to indicate a Success </a:t>
+            </a:r>
+          </a:p>
+          <a:p>
+            <a:pPr marL="285750" indent="-285750">
+              <a:buFont typeface="Arial" panose="020B0604020202020204" pitchFamily="34" charset="0"/>
+              <a:buChar char="•"/>
+            </a:pPr>
+            <a:r>
+              <a:rPr lang="en-US" b="1" dirty="0" smtClean="0"/>
+              <a:t>990</a:t>
+            </a:r>
+            <a:r>
+              <a:rPr lang="en-US" dirty="0" smtClean="0"/>
+              <a:t> </a:t>
+            </a:r>
+            <a:r>
+              <a:rPr lang="en-US" dirty="0"/>
+              <a:t>– to indicate a Processing/technical error </a:t>
+            </a:r>
+          </a:p>
+          <a:p>
+            <a:pPr marL="285750" indent="-285750">
+              <a:buFont typeface="Arial" panose="020B0604020202020204" pitchFamily="34" charset="0"/>
+              <a:buChar char="•"/>
+            </a:pPr>
+            <a:r>
+              <a:rPr lang="en-US" b="1" dirty="0" smtClean="0"/>
+              <a:t>996</a:t>
+            </a:r>
+            <a:r>
+              <a:rPr lang="en-US" dirty="0" smtClean="0"/>
+              <a:t> </a:t>
+            </a:r>
+            <a:r>
+              <a:rPr lang="en-US" dirty="0"/>
+              <a:t>– to indicate a Posting restriction </a:t>
+            </a:r>
+          </a:p>
+          <a:p>
+            <a:pPr marL="285750" indent="-285750">
+              <a:buFont typeface="Arial" panose="020B0604020202020204" pitchFamily="34" charset="0"/>
+              <a:buChar char="•"/>
+            </a:pPr>
+            <a:r>
+              <a:rPr lang="en-US" b="1" dirty="0" smtClean="0"/>
+              <a:t>0</a:t>
+            </a:r>
+            <a:r>
+              <a:rPr lang="en-US" dirty="0" smtClean="0"/>
+              <a:t> </a:t>
+            </a:r>
+            <a:r>
+              <a:rPr lang="en-US" dirty="0"/>
+              <a:t>– to indicate any error when no specific error handling is required but routing transaction to Repair </a:t>
+            </a:r>
+            <a:endParaRPr lang="en-US" dirty="0" smtClean="0"/>
+          </a:p>
+          <a:p>
+            <a:pPr marL="285750" indent="-285750">
+              <a:buFont typeface="Arial" panose="020B0604020202020204" pitchFamily="34" charset="0"/>
+              <a:buChar char="•"/>
+            </a:pPr>
+            <a:endParaRPr lang="en-US" dirty="0"/>
+          </a:p>
+          <a:p>
+            <a:r>
+              <a:rPr lang="en-US" sz="1600" i="1" dirty="0"/>
+              <a:t>Note:</a:t>
+            </a:r>
+            <a:r>
+              <a:rPr lang="en-US" sz="1600" dirty="0"/>
+              <a:t> Although the interface supports receiving proprietary return codes for the various failure responses, as long as the appropriate mapping between financial institution’s codes and GPP internal codes is pre-configured. </a:t>
+            </a:r>
+          </a:p>
+          <a:p>
+            <a:pPr>
+              <a:lnSpc>
+                <a:spcPct val="90000"/>
+              </a:lnSpc>
+              <a:spcBef>
+                <a:spcPts val="1500"/>
+              </a:spcBef>
+              <a:buSzPct val="150000"/>
+            </a:pPr>
+            <a:endParaRPr lang="en-US" dirty="0" smtClean="0"/>
+          </a:p>
+        </p:txBody>
+      </p:sp>
+    </p:spTree>
+    <p:extLst>
+      <p:ext uri="{BB962C8B-B14F-4D97-AF65-F5344CB8AC3E}">
+        <p14:creationId xmlns:p14="http://schemas.microsoft.com/office/powerpoint/2010/main" val="1039632688"/>
+      </p:ext>
+    </p:extLst>
+  </p:cSld>
+  <p:clrMapOvr>
+    <a:masterClrMapping/>
+  </p:clrMapOvr>
+  <mc:AlternateContent xmlns:mc="http://schemas.openxmlformats.org/markup-compatibility/2006" xmlns:p14="http://schemas.microsoft.com/office/powerpoint/2010/main">
+    <mc:Choice Requires="p14">
+      <p:transition spd="med" p14:dur="700">
+        <p:fade/>
+      </p:transition>
+    </mc:Choice>
+    <mc:Fallback xmlns="">
+      <p:transition spd="med">
+        <p:fade/>
+      </p:transition>
+    </mc:Fallback>
+  </mc:AlternateContent>
+  <p:timing>
+    <p:tnLst>
+      <p:par>
+        <p:cTn id="1" dur="indefinite" restart="never" nodeType="tmRoot"/>
+      </p:par>
+    </p:tnLst>
+  </p:timing>
+</p:sld>
+</file>
+
+<file path=ppt/slides/slide14.xml><?xml version="1.0" encoding="utf-8"?>
 <p:sld xmlns:a="http://schemas.openxmlformats.org/drawingml/2006/main" xmlns:r="http://schemas.openxmlformats.org/officeDocument/2006/relationships" xmlns:p="http://schemas.openxmlformats.org/presentationml/2006/main">
   <p:cSld>
     <p:spTree>
@@ -5830,7 +6167,7 @@
                 <a:tabLst/>
                 <a:defRPr/>
               </a:pPr>
-              <a:t>01 March 2018</a:t>
+              <a:t>07 March 2018</a:t>
             </a:fld>
             <a:endParaRPr kumimoji="0" lang="en-GB" sz="800" b="0" i="0" u="none" strike="noStrike" kern="1200" cap="none" spc="0" normalizeH="0" baseline="0" noProof="0" dirty="0">
               <a:ln>
@@ -5877,7 +6214,6 @@
               <a:rPr lang="en-GB" dirty="0" smtClean="0"/>
               <a:t>viad.pilo@finastra.com</a:t>
             </a:r>
-            <a:endParaRPr lang="en-GB" dirty="0" smtClean="0"/>
           </a:p>
           <a:p>
             <a:endParaRPr lang="en-GB" dirty="0"/>
@@ -6028,7 +6364,7 @@
           <a:p>
             <a:fld id="{6096F0BA-ECEE-44D1-ABE9-40C67B221300}" type="datetime4">
               <a:rPr lang="en-GB" smtClean="0"/>
-              <a:t>01 March 2018</a:t>
+              <a:t>07 March 2018</a:t>
             </a:fld>
             <a:endParaRPr lang="en-GB" dirty="0"/>
           </a:p>
@@ -6188,7 +6524,7 @@
             <a:fld id="{014A5046-EA5E-455B-A3BC-352818629394}" type="datetime4">
               <a:rPr lang="en-GB" smtClean="0"/>
               <a:pPr/>
-              <a:t>01 March 2018</a:t>
+              <a:t>07 March 2018</a:t>
             </a:fld>
             <a:endParaRPr lang="en-GB" dirty="0"/>
           </a:p>
@@ -6288,15 +6624,7 @@
                   <a:schemeClr val="accent2"/>
                 </a:solidFill>
               </a:rPr>
-              <a:t>general </a:t>
-            </a:r>
-            <a:r>
-              <a:rPr lang="en-US" dirty="0" smtClean="0">
-                <a:solidFill>
-                  <a:schemeClr val="accent2"/>
-                </a:solidFill>
-              </a:rPr>
-              <a:t>flow</a:t>
+              <a:t>general flow</a:t>
             </a:r>
             <a:endParaRPr lang="en-GB" dirty="0"/>
           </a:p>
@@ -6320,7 +6648,7 @@
             <a:fld id="{BC3F1638-3586-4527-A760-38AC15BFC248}" type="datetime4">
               <a:rPr lang="en-GB" smtClean="0"/>
               <a:pPr/>
-              <a:t>01 March 2018</a:t>
+              <a:t>07 March 2018</a:t>
             </a:fld>
             <a:endParaRPr lang="en-GB" dirty="0"/>
           </a:p>
@@ -6984,7 +7312,7 @@
           <a:graphicData uri="http://schemas.openxmlformats.org/presentationml/2006/ole">
             <mc:AlternateContent xmlns:mc="http://schemas.openxmlformats.org/markup-compatibility/2006">
               <mc:Choice xmlns:v="urn:schemas-microsoft-com:vml" Requires="v">
-                <p:oleObj spid="_x0000_s1035" name="Packager Shell Object" showAsIcon="1" r:id="rId4" imgW="2173320" imgH="482400" progId="Package">
+                <p:oleObj spid="_x0000_s1038" name="Packager Shell Object" showAsIcon="1" r:id="rId4" imgW="2173320" imgH="482400" progId="Package">
                   <p:embed/>
                 </p:oleObj>
               </mc:Choice>
@@ -7160,7 +7488,7 @@
             <a:fld id="{BC3F1638-3586-4527-A760-38AC15BFC248}" type="datetime4">
               <a:rPr lang="en-GB" smtClean="0"/>
               <a:pPr/>
-              <a:t>01 March 2018</a:t>
+              <a:t>07 March 2018</a:t>
             </a:fld>
             <a:endParaRPr lang="en-GB" dirty="0"/>
           </a:p>
@@ -7231,15 +7559,7 @@
             </a:pPr>
             <a:r>
               <a:rPr lang="en-US" dirty="0" smtClean="0"/>
-              <a:t>If </a:t>
-            </a:r>
-            <a:r>
-              <a:rPr lang="en-US" dirty="0" smtClean="0"/>
-              <a:t>positive response with no posting restrictions, GPP stores the account information and the message continues the processing to the next step</a:t>
-            </a:r>
-            <a:r>
-              <a:rPr lang="en-US" dirty="0" smtClean="0"/>
-              <a:t>.</a:t>
+              <a:t>If positive response with no posting restrictions, GPP stores the account information and the message continues the processing to the next step.</a:t>
             </a:r>
             <a:endParaRPr lang="he-IL" sz="1600" dirty="0"/>
           </a:p>
@@ -7321,15 +7641,7 @@
                   <a:schemeClr val="bg1"/>
                 </a:solidFill>
               </a:rPr>
-              <a:t>Message continue </a:t>
-            </a:r>
-            <a:r>
-              <a:rPr lang="en-US" sz="1200" b="1" dirty="0">
-                <a:solidFill>
-                  <a:schemeClr val="bg1"/>
-                </a:solidFill>
-              </a:rPr>
-              <a:t> with the flow</a:t>
+              <a:t>Message continue  with the flow</a:t>
             </a:r>
             <a:endParaRPr lang="he-IL" sz="1200" b="1" dirty="0">
               <a:solidFill>
@@ -7880,11 +8192,7 @@
             <a:pPr algn="ctr"/>
             <a:r>
               <a:rPr lang="en-GB" sz="1200" dirty="0"/>
-              <a:t>Wait </a:t>
-            </a:r>
-            <a:r>
-              <a:rPr lang="en-GB" sz="1200" dirty="0"/>
-              <a:t>Behaviour Wait CDB </a:t>
+              <a:t>Wait Behaviour Wait CDB </a:t>
             </a:r>
           </a:p>
           <a:p>
@@ -7998,7 +8306,7 @@
           <a:graphicData uri="http://schemas.openxmlformats.org/presentationml/2006/ole">
             <mc:AlternateContent xmlns:mc="http://schemas.openxmlformats.org/markup-compatibility/2006">
               <mc:Choice xmlns:v="urn:schemas-microsoft-com:vml" Requires="v">
-                <p:oleObj spid="_x0000_s2058" name="Packager Shell Object" showAsIcon="1" r:id="rId4" imgW="3005280" imgH="482400" progId="Package">
+                <p:oleObj spid="_x0000_s2061" name="Packager Shell Object" showAsIcon="1" r:id="rId4" imgW="3005280" imgH="482400" progId="Package">
                   <p:embed/>
                 </p:oleObj>
               </mc:Choice>
@@ -8140,7 +8448,7 @@
             <a:fld id="{BC3F1638-3586-4527-A760-38AC15BFC248}" type="datetime4">
               <a:rPr lang="en-GB" smtClean="0"/>
               <a:pPr/>
-              <a:t>01 March 2018</a:t>
+              <a:t>07 March 2018</a:t>
             </a:fld>
             <a:endParaRPr lang="en-GB" dirty="0"/>
           </a:p>
@@ -8211,11 +8519,7 @@
             </a:pPr>
             <a:r>
               <a:rPr lang="en-US" dirty="0" smtClean="0"/>
-              <a:t>If </a:t>
-            </a:r>
-            <a:r>
-              <a:rPr lang="en-US" dirty="0" smtClean="0"/>
-              <a:t>a response with posting restrictions, the message is routed to the Posting Restriction (POSTREST) queue, for manual override or retry. </a:t>
+              <a:t>If a response with posting restrictions, the message is routed to the Posting Restriction (POSTREST) queue, for manual override or retry. </a:t>
             </a:r>
           </a:p>
         </p:txBody>
@@ -8855,11 +9159,7 @@
             <a:pPr algn="ctr"/>
             <a:r>
               <a:rPr lang="en-GB" sz="1200" dirty="0"/>
-              <a:t>Wait </a:t>
-            </a:r>
-            <a:r>
-              <a:rPr lang="en-GB" sz="1200" dirty="0"/>
-              <a:t>Behaviour Wait CDB </a:t>
+              <a:t>Wait Behaviour Wait CDB </a:t>
             </a:r>
           </a:p>
           <a:p>
@@ -9053,7 +9353,7 @@
             <a:fld id="{BC3F1638-3586-4527-A760-38AC15BFC248}" type="datetime4">
               <a:rPr lang="en-GB" smtClean="0"/>
               <a:pPr/>
-              <a:t>01 March 2018</a:t>
+              <a:t>07 March 2018</a:t>
             </a:fld>
             <a:endParaRPr lang="en-GB" dirty="0"/>
           </a:p>
@@ -9119,15 +9419,7 @@
             </a:pPr>
             <a:r>
               <a:rPr lang="en-US" dirty="0" smtClean="0"/>
-              <a:t>If  </a:t>
-            </a:r>
-            <a:r>
-              <a:rPr lang="en-US" dirty="0" smtClean="0"/>
-              <a:t>negative response, either technical or functional, the message is routed to the Repair queue, for manual handling</a:t>
-            </a:r>
-            <a:r>
-              <a:rPr lang="en-US" dirty="0" smtClean="0"/>
-              <a:t>.</a:t>
+              <a:t>If  negative response, either technical or functional, the message is routed to the Repair queue, for manual handling.</a:t>
             </a:r>
             <a:endParaRPr lang="he-IL" sz="1600" dirty="0"/>
           </a:p>
@@ -9330,7 +9622,7 @@
             <a:fld id="{BC3F1638-3586-4527-A760-38AC15BFC248}" type="datetime4">
               <a:rPr lang="en-GB" smtClean="0"/>
               <a:pPr/>
-              <a:t>01 March 2018</a:t>
+              <a:t>07 March 2018</a:t>
             </a:fld>
             <a:endParaRPr lang="en-GB" dirty="0"/>
           </a:p>
@@ -9930,11 +10222,7 @@
             <a:pPr algn="ctr"/>
             <a:r>
               <a:rPr lang="en-GB" sz="1200" dirty="0"/>
-              <a:t>Wait </a:t>
-            </a:r>
-            <a:r>
-              <a:rPr lang="en-GB" sz="1200" dirty="0"/>
-              <a:t>Behaviour Wait CDB </a:t>
+              <a:t>Wait Behaviour Wait CDB </a:t>
             </a:r>
           </a:p>
           <a:p>
@@ -10120,7 +10408,7 @@
             <a:fld id="{BC3F1638-3586-4527-A760-38AC15BFC248}" type="datetime4">
               <a:rPr lang="en-GB" smtClean="0"/>
               <a:pPr/>
-              <a:t>01 March 2018</a:t>
+              <a:t>07 March 2018</a:t>
             </a:fld>
             <a:endParaRPr lang="en-GB" dirty="0"/>
           </a:p>
@@ -10450,15 +10738,7 @@
                   <a:schemeClr val="accent2"/>
                 </a:solidFill>
               </a:rPr>
-              <a:t>Single </a:t>
-            </a:r>
-            <a:r>
-              <a:rPr lang="en-US" dirty="0" smtClean="0">
-                <a:solidFill>
-                  <a:schemeClr val="accent2"/>
-                </a:solidFill>
-              </a:rPr>
-              <a:t>mode</a:t>
+              <a:t>Single mode</a:t>
             </a:r>
             <a:endParaRPr lang="en-GB" dirty="0"/>
           </a:p>
@@ -10482,7 +10762,7 @@
             <a:fld id="{BC3F1638-3586-4527-A760-38AC15BFC248}" type="datetime4">
               <a:rPr lang="en-GB" smtClean="0"/>
               <a:pPr/>
-              <a:t>01 March 2018</a:t>
+              <a:t>07 March 2018</a:t>
             </a:fld>
             <a:endParaRPr lang="en-GB" dirty="0"/>
           </a:p>
@@ -10568,7 +10848,6 @@
               <a:rPr lang="en-US" dirty="0" smtClean="0"/>
               <a:t>GPP invokes the Account Lookup interface for the following accounts: </a:t>
             </a:r>
-            <a:endParaRPr lang="en-US" dirty="0" smtClean="0"/>
           </a:p>
           <a:p>
             <a:pPr marL="868363" lvl="1" indent="-411163">
@@ -10651,11 +10930,7 @@
             </a:r>
             <a:r>
               <a:rPr lang="en-US" dirty="0" smtClean="0"/>
-              <a:t>transaction</a:t>
-            </a:r>
-            <a:r>
-              <a:rPr lang="en-US" dirty="0" smtClean="0"/>
-              <a:t>.</a:t>
+              <a:t>transaction.</a:t>
             </a:r>
             <a:endParaRPr lang="en-US" dirty="0" smtClean="0">
               <a:solidFill>
@@ -12139,6 +12414,24 @@
 </file>
 
 <file path=customXml/item1.xml><?xml version="1.0" encoding="utf-8"?>
+<p:properties xmlns:p="http://schemas.microsoft.com/office/2006/metadata/properties" xmlns:xsi="http://www.w3.org/2001/XMLSchema-instance" xmlns:pc="http://schemas.microsoft.com/office/infopath/2007/PartnerControls">
+  <documentManagement>
+    <PublishingExpirationDate xmlns="http://schemas.microsoft.com/sharepoint/v3" xsi:nil="true"/>
+    <PublishingStartDate xmlns="http://schemas.microsoft.com/sharepoint/v3" xsi:nil="true"/>
+  </documentManagement>
+</p:properties>
+</file>
+
+<file path=customXml/item2.xml><?xml version="1.0" encoding="utf-8"?>
+<?mso-contentType ?>
+<FormTemplates xmlns="http://schemas.microsoft.com/sharepoint/v3/contenttype/forms">
+  <Display>DocumentLibraryForm</Display>
+  <Edit>DocumentLibraryForm</Edit>
+  <New>DocumentLibraryForm</New>
+</FormTemplates>
+</file>
+
+<file path=customXml/item3.xml><?xml version="1.0" encoding="utf-8"?>
 <ct:contentTypeSchema xmlns:ct="http://schemas.microsoft.com/office/2006/metadata/contentType" xmlns:ma="http://schemas.microsoft.com/office/2006/metadata/properties/metaAttributes" ct:_="" ma:_="" ma:contentTypeName="Document" ma:contentTypeID="0x0101009AFDA2510A45954CB46081864A6D864F" ma:contentTypeVersion="5" ma:contentTypeDescription="Create a new document." ma:contentTypeScope="" ma:versionID="5b475eef84496e2b7a4205b1d00d7d4c">
   <xsd:schema xmlns:xsd="http://www.w3.org/2001/XMLSchema" xmlns:xs="http://www.w3.org/2001/XMLSchema" xmlns:p="http://schemas.microsoft.com/office/2006/metadata/properties" xmlns:ns1="http://schemas.microsoft.com/sharepoint/v3" xmlns:ns2="1913475e-a030-45ec-9e8a-a2630205b38f" xmlns:ns3="0ae7057e-292f-4fd1-bead-5494e4c66c6d" targetNamespace="http://schemas.microsoft.com/office/2006/metadata/properties" ma:root="true" ma:fieldsID="85738e600c763465eda532a3d229a01a" ns1:_="" ns2:_="" ns3:_="">
     <xsd:import namespace="http://schemas.microsoft.com/sharepoint/v3"/>
@@ -12320,25 +12613,33 @@
 </ct:contentTypeSchema>
 </file>
 
-<file path=customXml/item2.xml><?xml version="1.0" encoding="utf-8"?>
-<?mso-contentType ?>
-<FormTemplates xmlns="http://schemas.microsoft.com/sharepoint/v3/contenttype/forms">
-  <Display>DocumentLibraryForm</Display>
-  <Edit>DocumentLibraryForm</Edit>
-  <New>DocumentLibraryForm</New>
-</FormTemplates>
+<file path=customXml/itemProps1.xml><?xml version="1.0" encoding="utf-8"?>
+<ds:datastoreItem xmlns:ds="http://schemas.openxmlformats.org/officeDocument/2006/customXml" ds:itemID="{D7186F62-2954-471E-9368-38BF5704F41F}">
+  <ds:schemaRefs>
+    <ds:schemaRef ds:uri="http://schemas.microsoft.com/sharepoint/v3"/>
+    <ds:schemaRef ds:uri="0ae7057e-292f-4fd1-bead-5494e4c66c6d"/>
+    <ds:schemaRef ds:uri="http://purl.org/dc/terms/"/>
+    <ds:schemaRef ds:uri="http://schemas.openxmlformats.org/package/2006/metadata/core-properties"/>
+    <ds:schemaRef ds:uri="http://schemas.microsoft.com/office/2006/documentManagement/types"/>
+    <ds:schemaRef ds:uri="http://schemas.microsoft.com/office/infopath/2007/PartnerControls"/>
+    <ds:schemaRef ds:uri="http://purl.org/dc/elements/1.1/"/>
+    <ds:schemaRef ds:uri="http://schemas.microsoft.com/office/2006/metadata/properties"/>
+    <ds:schemaRef ds:uri="1913475e-a030-45ec-9e8a-a2630205b38f"/>
+    <ds:schemaRef ds:uri="http://www.w3.org/XML/1998/namespace"/>
+    <ds:schemaRef ds:uri="http://purl.org/dc/dcmitype/"/>
+  </ds:schemaRefs>
+</ds:datastoreItem>
 </file>
 
-<file path=customXml/item3.xml><?xml version="1.0" encoding="utf-8"?>
-<p:properties xmlns:p="http://schemas.microsoft.com/office/2006/metadata/properties" xmlns:xsi="http://www.w3.org/2001/XMLSchema-instance" xmlns:pc="http://schemas.microsoft.com/office/infopath/2007/PartnerControls">
-  <documentManagement>
-    <PublishingExpirationDate xmlns="http://schemas.microsoft.com/sharepoint/v3" xsi:nil="true"/>
-    <PublishingStartDate xmlns="http://schemas.microsoft.com/sharepoint/v3" xsi:nil="true"/>
-  </documentManagement>
-</p:properties>
+<file path=customXml/itemProps2.xml><?xml version="1.0" encoding="utf-8"?>
+<ds:datastoreItem xmlns:ds="http://schemas.openxmlformats.org/officeDocument/2006/customXml" ds:itemID="{CA1AEAF9-C730-4098-99F1-230B2FED747B}">
+  <ds:schemaRefs>
+    <ds:schemaRef ds:uri="http://schemas.microsoft.com/sharepoint/v3/contenttype/forms"/>
+  </ds:schemaRefs>
+</ds:datastoreItem>
 </file>
 
-<file path=customXml/itemProps1.xml><?xml version="1.0" encoding="utf-8"?>
+<file path=customXml/itemProps3.xml><?xml version="1.0" encoding="utf-8"?>
 <ds:datastoreItem xmlns:ds="http://schemas.openxmlformats.org/officeDocument/2006/customXml" ds:itemID="{F6B4073B-771D-450A-9EDA-ABAA77B0531E}">
   <ds:schemaRefs>
     <ds:schemaRef ds:uri="http://schemas.microsoft.com/office/2006/metadata/contentType"/>
@@ -12356,30 +12657,4 @@
     <ds:schemaRef ds:uri="http://schemas.microsoft.com/internal/obd"/>
   </ds:schemaRefs>
 </ds:datastoreItem>
-</file>
-
-<file path=customXml/itemProps2.xml><?xml version="1.0" encoding="utf-8"?>
-<ds:datastoreItem xmlns:ds="http://schemas.openxmlformats.org/officeDocument/2006/customXml" ds:itemID="{CA1AEAF9-C730-4098-99F1-230B2FED747B}">
-  <ds:schemaRefs>
-    <ds:schemaRef ds:uri="http://schemas.microsoft.com/sharepoint/v3/contenttype/forms"/>
-  </ds:schemaRefs>
-</ds:datastoreItem>
-</file>
-
-<file path=customXml/itemProps3.xml><?xml version="1.0" encoding="utf-8"?>
-<ds:datastoreItem xmlns:ds="http://schemas.openxmlformats.org/officeDocument/2006/customXml" ds:itemID="{D7186F62-2954-471E-9368-38BF5704F41F}">
-  <ds:schemaRefs>
-    <ds:schemaRef ds:uri="http://schemas.microsoft.com/sharepoint/v3"/>
-    <ds:schemaRef ds:uri="0ae7057e-292f-4fd1-bead-5494e4c66c6d"/>
-    <ds:schemaRef ds:uri="http://purl.org/dc/terms/"/>
-    <ds:schemaRef ds:uri="http://schemas.openxmlformats.org/package/2006/metadata/core-properties"/>
-    <ds:schemaRef ds:uri="http://schemas.microsoft.com/office/2006/documentManagement/types"/>
-    <ds:schemaRef ds:uri="http://schemas.microsoft.com/office/infopath/2007/PartnerControls"/>
-    <ds:schemaRef ds:uri="http://purl.org/dc/elements/1.1/"/>
-    <ds:schemaRef ds:uri="http://schemas.microsoft.com/office/2006/metadata/properties"/>
-    <ds:schemaRef ds:uri="1913475e-a030-45ec-9e8a-a2630205b38f"/>
-    <ds:schemaRef ds:uri="http://www.w3.org/XML/1998/namespace"/>
-    <ds:schemaRef ds:uri="http://purl.org/dc/dcmitype/"/>
-  </ds:schemaRefs>
-</ds:datastoreItem>
 </file>